--- a/day_3/Day_3_slides.pptx
+++ b/day_3/Day_3_slides.pptx
@@ -1,8 +1,8 @@
 
 <file path=ppt/presentation.xml><?xml version="1.0" encoding="utf-8"?>
-<p:presentation xmlns:a="http://schemas.openxmlformats.org/drawingml/2006/main" xmlns:p="http://schemas.openxmlformats.org/presentationml/2006/main" xmlns:r="http://schemas.openxmlformats.org/officeDocument/2006/relationships" xmlns:p14="http://schemas.microsoft.com/office/powerpoint/2010/main" xmlns:p15="http://schemas.microsoft.com/office/powerpoint/2012/main" xmlns:mc="http://schemas.openxmlformats.org/markup-compatibility/2006">
+<p:presentation xmlns:a="http://schemas.openxmlformats.org/drawingml/2006/main" xmlns:r="http://schemas.openxmlformats.org/officeDocument/2006/relationships" xmlns:p="http://schemas.openxmlformats.org/presentationml/2006/main">
   <p:sldMasterIdLst>
-    <p:sldMasterId id="2147483648" r:id="rId2"/>
+    <p:sldMasterId id="2147483648" r:id="rId1"/>
     <p:sldMasterId id="2147483661" r:id="rId3"/>
     <p:sldMasterId id="2147483674" r:id="rId4"/>
   </p:sldMasterIdLst>
@@ -18,11 +18,103 @@
   </p:sldIdLst>
   <p:sldSz cx="12192000" cy="6858000"/>
   <p:notesSz cx="6858000" cy="9144000"/>
+  <p:defaultTextStyle>
+    <a:lvl1pPr marL="0" algn="l" defTabSz="914400" rtl="0" eaLnBrk="1" latinLnBrk="0" hangingPunct="1">
+      <a:defRPr sz="1800" kern="1200">
+        <a:solidFill>
+          <a:schemeClr val="tx1"/>
+        </a:solidFill>
+        <a:latin typeface="+mn-lt"/>
+        <a:ea typeface="+mn-ea"/>
+        <a:cs typeface="+mn-cs"/>
+      </a:defRPr>
+    </a:lvl1pPr>
+    <a:lvl2pPr marL="457200" algn="l" defTabSz="914400" rtl="0" eaLnBrk="1" latinLnBrk="0" hangingPunct="1">
+      <a:defRPr sz="1800" kern="1200">
+        <a:solidFill>
+          <a:schemeClr val="tx1"/>
+        </a:solidFill>
+        <a:latin typeface="+mn-lt"/>
+        <a:ea typeface="+mn-ea"/>
+        <a:cs typeface="+mn-cs"/>
+      </a:defRPr>
+    </a:lvl2pPr>
+    <a:lvl3pPr marL="914400" algn="l" defTabSz="914400" rtl="0" eaLnBrk="1" latinLnBrk="0" hangingPunct="1">
+      <a:defRPr sz="1800" kern="1200">
+        <a:solidFill>
+          <a:schemeClr val="tx1"/>
+        </a:solidFill>
+        <a:latin typeface="+mn-lt"/>
+        <a:ea typeface="+mn-ea"/>
+        <a:cs typeface="+mn-cs"/>
+      </a:defRPr>
+    </a:lvl3pPr>
+    <a:lvl4pPr marL="1371600" algn="l" defTabSz="914400" rtl="0" eaLnBrk="1" latinLnBrk="0" hangingPunct="1">
+      <a:defRPr sz="1800" kern="1200">
+        <a:solidFill>
+          <a:schemeClr val="tx1"/>
+        </a:solidFill>
+        <a:latin typeface="+mn-lt"/>
+        <a:ea typeface="+mn-ea"/>
+        <a:cs typeface="+mn-cs"/>
+      </a:defRPr>
+    </a:lvl4pPr>
+    <a:lvl5pPr marL="1828800" algn="l" defTabSz="914400" rtl="0" eaLnBrk="1" latinLnBrk="0" hangingPunct="1">
+      <a:defRPr sz="1800" kern="1200">
+        <a:solidFill>
+          <a:schemeClr val="tx1"/>
+        </a:solidFill>
+        <a:latin typeface="+mn-lt"/>
+        <a:ea typeface="+mn-ea"/>
+        <a:cs typeface="+mn-cs"/>
+      </a:defRPr>
+    </a:lvl5pPr>
+    <a:lvl6pPr marL="2286000" algn="l" defTabSz="914400" rtl="0" eaLnBrk="1" latinLnBrk="0" hangingPunct="1">
+      <a:defRPr sz="1800" kern="1200">
+        <a:solidFill>
+          <a:schemeClr val="tx1"/>
+        </a:solidFill>
+        <a:latin typeface="+mn-lt"/>
+        <a:ea typeface="+mn-ea"/>
+        <a:cs typeface="+mn-cs"/>
+      </a:defRPr>
+    </a:lvl6pPr>
+    <a:lvl7pPr marL="2743200" algn="l" defTabSz="914400" rtl="0" eaLnBrk="1" latinLnBrk="0" hangingPunct="1">
+      <a:defRPr sz="1800" kern="1200">
+        <a:solidFill>
+          <a:schemeClr val="tx1"/>
+        </a:solidFill>
+        <a:latin typeface="+mn-lt"/>
+        <a:ea typeface="+mn-ea"/>
+        <a:cs typeface="+mn-cs"/>
+      </a:defRPr>
+    </a:lvl7pPr>
+    <a:lvl8pPr marL="3200400" algn="l" defTabSz="914400" rtl="0" eaLnBrk="1" latinLnBrk="0" hangingPunct="1">
+      <a:defRPr sz="1800" kern="1200">
+        <a:solidFill>
+          <a:schemeClr val="tx1"/>
+        </a:solidFill>
+        <a:latin typeface="+mn-lt"/>
+        <a:ea typeface="+mn-ea"/>
+        <a:cs typeface="+mn-cs"/>
+      </a:defRPr>
+    </a:lvl8pPr>
+    <a:lvl9pPr marL="3657600" algn="l" defTabSz="914400" rtl="0" eaLnBrk="1" latinLnBrk="0" hangingPunct="1">
+      <a:defRPr sz="1800" kern="1200">
+        <a:solidFill>
+          <a:schemeClr val="tx1"/>
+        </a:solidFill>
+        <a:latin typeface="+mn-lt"/>
+        <a:ea typeface="+mn-ea"/>
+        <a:cs typeface="+mn-cs"/>
+      </a:defRPr>
+    </a:lvl9pPr>
+  </p:defaultTextStyle>
 </p:presentation>
 </file>
 
 <file path=ppt/slideLayouts/slideLayout1.xml><?xml version="1.0" encoding="utf-8"?>
-<p:sldLayout xmlns:a="http://schemas.openxmlformats.org/drawingml/2006/main" xmlns:p="http://schemas.openxmlformats.org/presentationml/2006/main" xmlns:r="http://schemas.openxmlformats.org/officeDocument/2006/relationships" xmlns:p14="http://schemas.microsoft.com/office/powerpoint/2010/main" xmlns:p15="http://schemas.microsoft.com/office/powerpoint/2012/main" xmlns:mc="http://schemas.openxmlformats.org/markup-compatibility/2006" type="blank" preserve="1">
+<p:sldLayout xmlns:a="http://schemas.openxmlformats.org/drawingml/2006/main" xmlns:r="http://schemas.openxmlformats.org/officeDocument/2006/relationships" xmlns:p="http://schemas.openxmlformats.org/presentationml/2006/main" type="blank" preserve="1">
   <p:cSld name="Blank Slide">
     <p:spTree>
       <p:nvGrpSpPr>
@@ -53,18 +145,22 @@
           <a:bodyPr/>
           <a:p>
             <a:fld id="{5396AB4D-FCD9-4632-A1C5-7B5AA96663EE}" type="slidenum">
-              <a:t>&lt;#&gt;</a:t>
+              <a:rPr/>
             </a:fld>
+            <a:endParaRPr/>
           </a:p>
         </p:txBody>
       </p:sp>
     </p:spTree>
   </p:cSld>
+  <p:clrMapOvr>
+    <a:masterClrMapping/>
+  </p:clrMapOvr>
 </p:sldLayout>
 </file>
 
 <file path=ppt/slideLayouts/slideLayout10.xml><?xml version="1.0" encoding="utf-8"?>
-<p:sldLayout xmlns:a="http://schemas.openxmlformats.org/drawingml/2006/main" xmlns:p="http://schemas.openxmlformats.org/presentationml/2006/main" xmlns:r="http://schemas.openxmlformats.org/officeDocument/2006/relationships" xmlns:p14="http://schemas.microsoft.com/office/powerpoint/2010/main" xmlns:p15="http://schemas.microsoft.com/office/powerpoint/2012/main" xmlns:mc="http://schemas.openxmlformats.org/markup-compatibility/2006" type="objOverTx" preserve="1">
+<p:sldLayout xmlns:a="http://schemas.openxmlformats.org/drawingml/2006/main" xmlns:r="http://schemas.openxmlformats.org/officeDocument/2006/relationships" xmlns:p="http://schemas.openxmlformats.org/presentationml/2006/main" type="objOverTx" preserve="1">
   <p:cSld name="Title, Content over Content">
     <p:spTree>
       <p:nvGrpSpPr>
@@ -104,15 +200,15 @@
           </a:ln>
         </p:spPr>
         <p:txBody>
-          <a:bodyPr lIns="0" rIns="0" tIns="0" bIns="0" anchor="ctr">
+          <a:bodyPr lIns="0" tIns="0" rIns="0" bIns="0" anchor="ctr">
             <a:noAutofit/>
           </a:bodyPr>
           <a:p>
-            <a:endParaRPr b="0" lang="en-US" sz="1400" spc="-1" strike="noStrike">
-              <a:solidFill>
-                <a:srgbClr val="000000"/>
-              </a:solidFill>
-              <a:latin typeface="Arial"/>
+            <a:endParaRPr lang="en-US" sz="1400" b="0" strike="noStrike" spc="-1">
+              <a:solidFill>
+                <a:srgbClr val="000000"/>
+              </a:solidFill>
+              <a:latin typeface="Arial" panose="020B0604020202020204"/>
             </a:endParaRPr>
           </a:p>
         </p:txBody>
@@ -141,15 +237,15 @@
           </a:ln>
         </p:spPr>
         <p:txBody>
-          <a:bodyPr lIns="0" rIns="0" tIns="0" bIns="0" anchor="t">
+          <a:bodyPr lIns="0" tIns="0" rIns="0" bIns="0" anchor="t">
             <a:normAutofit/>
           </a:bodyPr>
           <a:p>
-            <a:endParaRPr b="0" lang="en-US" sz="1400" spc="-1" strike="noStrike">
-              <a:solidFill>
-                <a:srgbClr val="000000"/>
-              </a:solidFill>
-              <a:latin typeface="Arial"/>
+            <a:endParaRPr lang="en-US" sz="1400" b="0" strike="noStrike" spc="-1">
+              <a:solidFill>
+                <a:srgbClr val="000000"/>
+              </a:solidFill>
+              <a:latin typeface="Arial" panose="020B0604020202020204"/>
             </a:endParaRPr>
           </a:p>
         </p:txBody>
@@ -178,15 +274,15 @@
           </a:ln>
         </p:spPr>
         <p:txBody>
-          <a:bodyPr lIns="0" rIns="0" tIns="0" bIns="0" anchor="t">
+          <a:bodyPr lIns="0" tIns="0" rIns="0" bIns="0" anchor="t">
             <a:normAutofit/>
           </a:bodyPr>
           <a:p>
-            <a:endParaRPr b="0" lang="en-US" sz="1400" spc="-1" strike="noStrike">
-              <a:solidFill>
-                <a:srgbClr val="000000"/>
-              </a:solidFill>
-              <a:latin typeface="Arial"/>
+            <a:endParaRPr lang="en-US" sz="1400" b="0" strike="noStrike" spc="-1">
+              <a:solidFill>
+                <a:srgbClr val="000000"/>
+              </a:solidFill>
+              <a:latin typeface="Arial" panose="020B0604020202020204"/>
             </a:endParaRPr>
           </a:p>
         </p:txBody>
@@ -206,18 +302,22 @@
           <a:bodyPr/>
           <a:p>
             <a:fld id="{443BDBAB-EFC3-4DF9-8A19-FDC94A490F74}" type="slidenum">
-              <a:t>&lt;#&gt;</a:t>
+              <a:rPr/>
             </a:fld>
+            <a:endParaRPr/>
           </a:p>
         </p:txBody>
       </p:sp>
     </p:spTree>
   </p:cSld>
+  <p:clrMapOvr>
+    <a:masterClrMapping/>
+  </p:clrMapOvr>
 </p:sldLayout>
 </file>
 
 <file path=ppt/slideLayouts/slideLayout11.xml><?xml version="1.0" encoding="utf-8"?>
-<p:sldLayout xmlns:a="http://schemas.openxmlformats.org/drawingml/2006/main" xmlns:p="http://schemas.openxmlformats.org/presentationml/2006/main" xmlns:r="http://schemas.openxmlformats.org/officeDocument/2006/relationships" xmlns:p14="http://schemas.microsoft.com/office/powerpoint/2010/main" xmlns:p15="http://schemas.microsoft.com/office/powerpoint/2012/main" xmlns:mc="http://schemas.openxmlformats.org/markup-compatibility/2006" type="fourObj" preserve="1">
+<p:sldLayout xmlns:a="http://schemas.openxmlformats.org/drawingml/2006/main" xmlns:r="http://schemas.openxmlformats.org/officeDocument/2006/relationships" xmlns:p="http://schemas.openxmlformats.org/presentationml/2006/main" type="fourObj" preserve="1">
   <p:cSld name="Title, 4 Content">
     <p:spTree>
       <p:nvGrpSpPr>
@@ -257,15 +357,15 @@
           </a:ln>
         </p:spPr>
         <p:txBody>
-          <a:bodyPr lIns="0" rIns="0" tIns="0" bIns="0" anchor="ctr">
+          <a:bodyPr lIns="0" tIns="0" rIns="0" bIns="0" anchor="ctr">
             <a:noAutofit/>
           </a:bodyPr>
           <a:p>
-            <a:endParaRPr b="0" lang="en-US" sz="1400" spc="-1" strike="noStrike">
-              <a:solidFill>
-                <a:srgbClr val="000000"/>
-              </a:solidFill>
-              <a:latin typeface="Arial"/>
+            <a:endParaRPr lang="en-US" sz="1400" b="0" strike="noStrike" spc="-1">
+              <a:solidFill>
+                <a:srgbClr val="000000"/>
+              </a:solidFill>
+              <a:latin typeface="Arial" panose="020B0604020202020204"/>
             </a:endParaRPr>
           </a:p>
         </p:txBody>
@@ -294,15 +394,15 @@
           </a:ln>
         </p:spPr>
         <p:txBody>
-          <a:bodyPr lIns="0" rIns="0" tIns="0" bIns="0" anchor="t">
+          <a:bodyPr lIns="0" tIns="0" rIns="0" bIns="0" anchor="t">
             <a:normAutofit/>
           </a:bodyPr>
           <a:p>
-            <a:endParaRPr b="0" lang="en-US" sz="1400" spc="-1" strike="noStrike">
-              <a:solidFill>
-                <a:srgbClr val="000000"/>
-              </a:solidFill>
-              <a:latin typeface="Arial"/>
+            <a:endParaRPr lang="en-US" sz="1400" b="0" strike="noStrike" spc="-1">
+              <a:solidFill>
+                <a:srgbClr val="000000"/>
+              </a:solidFill>
+              <a:latin typeface="Arial" panose="020B0604020202020204"/>
             </a:endParaRPr>
           </a:p>
         </p:txBody>
@@ -331,15 +431,15 @@
           </a:ln>
         </p:spPr>
         <p:txBody>
-          <a:bodyPr lIns="0" rIns="0" tIns="0" bIns="0" anchor="t">
+          <a:bodyPr lIns="0" tIns="0" rIns="0" bIns="0" anchor="t">
             <a:normAutofit/>
           </a:bodyPr>
           <a:p>
-            <a:endParaRPr b="0" lang="en-US" sz="1400" spc="-1" strike="noStrike">
-              <a:solidFill>
-                <a:srgbClr val="000000"/>
-              </a:solidFill>
-              <a:latin typeface="Arial"/>
+            <a:endParaRPr lang="en-US" sz="1400" b="0" strike="noStrike" spc="-1">
+              <a:solidFill>
+                <a:srgbClr val="000000"/>
+              </a:solidFill>
+              <a:latin typeface="Arial" panose="020B0604020202020204"/>
             </a:endParaRPr>
           </a:p>
         </p:txBody>
@@ -368,15 +468,15 @@
           </a:ln>
         </p:spPr>
         <p:txBody>
-          <a:bodyPr lIns="0" rIns="0" tIns="0" bIns="0" anchor="t">
+          <a:bodyPr lIns="0" tIns="0" rIns="0" bIns="0" anchor="t">
             <a:normAutofit/>
           </a:bodyPr>
           <a:p>
-            <a:endParaRPr b="0" lang="en-US" sz="1400" spc="-1" strike="noStrike">
-              <a:solidFill>
-                <a:srgbClr val="000000"/>
-              </a:solidFill>
-              <a:latin typeface="Arial"/>
+            <a:endParaRPr lang="en-US" sz="1400" b="0" strike="noStrike" spc="-1">
+              <a:solidFill>
+                <a:srgbClr val="000000"/>
+              </a:solidFill>
+              <a:latin typeface="Arial" panose="020B0604020202020204"/>
             </a:endParaRPr>
           </a:p>
         </p:txBody>
@@ -405,15 +505,15 @@
           </a:ln>
         </p:spPr>
         <p:txBody>
-          <a:bodyPr lIns="0" rIns="0" tIns="0" bIns="0" anchor="t">
+          <a:bodyPr lIns="0" tIns="0" rIns="0" bIns="0" anchor="t">
             <a:normAutofit/>
           </a:bodyPr>
           <a:p>
-            <a:endParaRPr b="0" lang="en-US" sz="1400" spc="-1" strike="noStrike">
-              <a:solidFill>
-                <a:srgbClr val="000000"/>
-              </a:solidFill>
-              <a:latin typeface="Arial"/>
+            <a:endParaRPr lang="en-US" sz="1400" b="0" strike="noStrike" spc="-1">
+              <a:solidFill>
+                <a:srgbClr val="000000"/>
+              </a:solidFill>
+              <a:latin typeface="Arial" panose="020B0604020202020204"/>
             </a:endParaRPr>
           </a:p>
         </p:txBody>
@@ -433,18 +533,22 @@
           <a:bodyPr/>
           <a:p>
             <a:fld id="{C561D4B5-4215-4F8E-A793-C5803E641F3D}" type="slidenum">
-              <a:t>&lt;#&gt;</a:t>
+              <a:rPr/>
             </a:fld>
+            <a:endParaRPr/>
           </a:p>
         </p:txBody>
       </p:sp>
     </p:spTree>
   </p:cSld>
+  <p:clrMapOvr>
+    <a:masterClrMapping/>
+  </p:clrMapOvr>
 </p:sldLayout>
 </file>
 
 <file path=ppt/slideLayouts/slideLayout12.xml><?xml version="1.0" encoding="utf-8"?>
-<p:sldLayout xmlns:a="http://schemas.openxmlformats.org/drawingml/2006/main" xmlns:p="http://schemas.openxmlformats.org/presentationml/2006/main" xmlns:r="http://schemas.openxmlformats.org/officeDocument/2006/relationships" xmlns:p14="http://schemas.microsoft.com/office/powerpoint/2010/main" xmlns:p15="http://schemas.microsoft.com/office/powerpoint/2012/main" xmlns:mc="http://schemas.openxmlformats.org/markup-compatibility/2006" type="blank" preserve="1">
+<p:sldLayout xmlns:a="http://schemas.openxmlformats.org/drawingml/2006/main" xmlns:r="http://schemas.openxmlformats.org/officeDocument/2006/relationships" xmlns:p="http://schemas.openxmlformats.org/presentationml/2006/main" type="blank" preserve="1">
   <p:cSld name="Title, 6 Content">
     <p:spTree>
       <p:nvGrpSpPr>
@@ -484,15 +588,15 @@
           </a:ln>
         </p:spPr>
         <p:txBody>
-          <a:bodyPr lIns="0" rIns="0" tIns="0" bIns="0" anchor="ctr">
+          <a:bodyPr lIns="0" tIns="0" rIns="0" bIns="0" anchor="ctr">
             <a:noAutofit/>
           </a:bodyPr>
           <a:p>
-            <a:endParaRPr b="0" lang="en-US" sz="1400" spc="-1" strike="noStrike">
-              <a:solidFill>
-                <a:srgbClr val="000000"/>
-              </a:solidFill>
-              <a:latin typeface="Arial"/>
+            <a:endParaRPr lang="en-US" sz="1400" b="0" strike="noStrike" spc="-1">
+              <a:solidFill>
+                <a:srgbClr val="000000"/>
+              </a:solidFill>
+              <a:latin typeface="Arial" panose="020B0604020202020204"/>
             </a:endParaRPr>
           </a:p>
         </p:txBody>
@@ -521,15 +625,15 @@
           </a:ln>
         </p:spPr>
         <p:txBody>
-          <a:bodyPr lIns="0" rIns="0" tIns="0" bIns="0" anchor="t">
+          <a:bodyPr lIns="0" tIns="0" rIns="0" bIns="0" anchor="t">
             <a:normAutofit/>
           </a:bodyPr>
           <a:p>
-            <a:endParaRPr b="0" lang="en-US" sz="1400" spc="-1" strike="noStrike">
-              <a:solidFill>
-                <a:srgbClr val="000000"/>
-              </a:solidFill>
-              <a:latin typeface="Arial"/>
+            <a:endParaRPr lang="en-US" sz="1400" b="0" strike="noStrike" spc="-1">
+              <a:solidFill>
+                <a:srgbClr val="000000"/>
+              </a:solidFill>
+              <a:latin typeface="Arial" panose="020B0604020202020204"/>
             </a:endParaRPr>
           </a:p>
         </p:txBody>
@@ -558,15 +662,15 @@
           </a:ln>
         </p:spPr>
         <p:txBody>
-          <a:bodyPr lIns="0" rIns="0" tIns="0" bIns="0" anchor="t">
+          <a:bodyPr lIns="0" tIns="0" rIns="0" bIns="0" anchor="t">
             <a:normAutofit/>
           </a:bodyPr>
           <a:p>
-            <a:endParaRPr b="0" lang="en-US" sz="1400" spc="-1" strike="noStrike">
-              <a:solidFill>
-                <a:srgbClr val="000000"/>
-              </a:solidFill>
-              <a:latin typeface="Arial"/>
+            <a:endParaRPr lang="en-US" sz="1400" b="0" strike="noStrike" spc="-1">
+              <a:solidFill>
+                <a:srgbClr val="000000"/>
+              </a:solidFill>
+              <a:latin typeface="Arial" panose="020B0604020202020204"/>
             </a:endParaRPr>
           </a:p>
         </p:txBody>
@@ -595,15 +699,15 @@
           </a:ln>
         </p:spPr>
         <p:txBody>
-          <a:bodyPr lIns="0" rIns="0" tIns="0" bIns="0" anchor="t">
+          <a:bodyPr lIns="0" tIns="0" rIns="0" bIns="0" anchor="t">
             <a:normAutofit/>
           </a:bodyPr>
           <a:p>
-            <a:endParaRPr b="0" lang="en-US" sz="1400" spc="-1" strike="noStrike">
-              <a:solidFill>
-                <a:srgbClr val="000000"/>
-              </a:solidFill>
-              <a:latin typeface="Arial"/>
+            <a:endParaRPr lang="en-US" sz="1400" b="0" strike="noStrike" spc="-1">
+              <a:solidFill>
+                <a:srgbClr val="000000"/>
+              </a:solidFill>
+              <a:latin typeface="Arial" panose="020B0604020202020204"/>
             </a:endParaRPr>
           </a:p>
         </p:txBody>
@@ -632,15 +736,15 @@
           </a:ln>
         </p:spPr>
         <p:txBody>
-          <a:bodyPr lIns="0" rIns="0" tIns="0" bIns="0" anchor="t">
+          <a:bodyPr lIns="0" tIns="0" rIns="0" bIns="0" anchor="t">
             <a:normAutofit/>
           </a:bodyPr>
           <a:p>
-            <a:endParaRPr b="0" lang="en-US" sz="1400" spc="-1" strike="noStrike">
-              <a:solidFill>
-                <a:srgbClr val="000000"/>
-              </a:solidFill>
-              <a:latin typeface="Arial"/>
+            <a:endParaRPr lang="en-US" sz="1400" b="0" strike="noStrike" spc="-1">
+              <a:solidFill>
+                <a:srgbClr val="000000"/>
+              </a:solidFill>
+              <a:latin typeface="Arial" panose="020B0604020202020204"/>
             </a:endParaRPr>
           </a:p>
         </p:txBody>
@@ -669,15 +773,15 @@
           </a:ln>
         </p:spPr>
         <p:txBody>
-          <a:bodyPr lIns="0" rIns="0" tIns="0" bIns="0" anchor="t">
+          <a:bodyPr lIns="0" tIns="0" rIns="0" bIns="0" anchor="t">
             <a:normAutofit/>
           </a:bodyPr>
           <a:p>
-            <a:endParaRPr b="0" lang="en-US" sz="1400" spc="-1" strike="noStrike">
-              <a:solidFill>
-                <a:srgbClr val="000000"/>
-              </a:solidFill>
-              <a:latin typeface="Arial"/>
+            <a:endParaRPr lang="en-US" sz="1400" b="0" strike="noStrike" spc="-1">
+              <a:solidFill>
+                <a:srgbClr val="000000"/>
+              </a:solidFill>
+              <a:latin typeface="Arial" panose="020B0604020202020204"/>
             </a:endParaRPr>
           </a:p>
         </p:txBody>
@@ -706,15 +810,15 @@
           </a:ln>
         </p:spPr>
         <p:txBody>
-          <a:bodyPr lIns="0" rIns="0" tIns="0" bIns="0" anchor="t">
+          <a:bodyPr lIns="0" tIns="0" rIns="0" bIns="0" anchor="t">
             <a:normAutofit/>
           </a:bodyPr>
           <a:p>
-            <a:endParaRPr b="0" lang="en-US" sz="1400" spc="-1" strike="noStrike">
-              <a:solidFill>
-                <a:srgbClr val="000000"/>
-              </a:solidFill>
-              <a:latin typeface="Arial"/>
+            <a:endParaRPr lang="en-US" sz="1400" b="0" strike="noStrike" spc="-1">
+              <a:solidFill>
+                <a:srgbClr val="000000"/>
+              </a:solidFill>
+              <a:latin typeface="Arial" panose="020B0604020202020204"/>
             </a:endParaRPr>
           </a:p>
         </p:txBody>
@@ -734,18 +838,22 @@
           <a:bodyPr/>
           <a:p>
             <a:fld id="{07BBB8C5-6152-4570-B803-A0603CE92FB5}" type="slidenum">
-              <a:t>&lt;#&gt;</a:t>
+              <a:rPr/>
             </a:fld>
+            <a:endParaRPr/>
           </a:p>
         </p:txBody>
       </p:sp>
     </p:spTree>
   </p:cSld>
+  <p:clrMapOvr>
+    <a:masterClrMapping/>
+  </p:clrMapOvr>
 </p:sldLayout>
 </file>
 
 <file path=ppt/slideLayouts/slideLayout13.xml><?xml version="1.0" encoding="utf-8"?>
-<p:sldLayout xmlns:a="http://schemas.openxmlformats.org/drawingml/2006/main" xmlns:p="http://schemas.openxmlformats.org/presentationml/2006/main" xmlns:r="http://schemas.openxmlformats.org/officeDocument/2006/relationships" xmlns:p14="http://schemas.microsoft.com/office/powerpoint/2010/main" xmlns:p15="http://schemas.microsoft.com/office/powerpoint/2012/main" xmlns:mc="http://schemas.openxmlformats.org/markup-compatibility/2006" type="blank" preserve="1">
+<p:sldLayout xmlns:a="http://schemas.openxmlformats.org/drawingml/2006/main" xmlns:r="http://schemas.openxmlformats.org/officeDocument/2006/relationships" xmlns:p="http://schemas.openxmlformats.org/presentationml/2006/main" type="blank" preserve="1">
   <p:cSld name="Blank Slide">
     <p:spTree>
       <p:nvGrpSpPr>
@@ -796,8 +904,9 @@
           <a:bodyPr/>
           <a:p>
             <a:fld id="{63F36E92-6FC5-4318-A088-CD6B4B6F7170}" type="slidenum">
-              <a:t>&lt;#&gt;</a:t>
+              <a:rPr/>
             </a:fld>
+            <a:endParaRPr/>
           </a:p>
         </p:txBody>
       </p:sp>
@@ -815,20 +924,20 @@
         <p:txBody>
           <a:bodyPr/>
           <a:p>
-            <a:r>
-              <a:rPr lang="en-US"/>
-              <a:t/>
-            </a:r>
+            <a:endParaRPr lang="en-US"/>
           </a:p>
         </p:txBody>
       </p:sp>
     </p:spTree>
   </p:cSld>
+  <p:clrMapOvr>
+    <a:masterClrMapping/>
+  </p:clrMapOvr>
 </p:sldLayout>
 </file>
 
 <file path=ppt/slideLayouts/slideLayout14.xml><?xml version="1.0" encoding="utf-8"?>
-<p:sldLayout xmlns:a="http://schemas.openxmlformats.org/drawingml/2006/main" xmlns:p="http://schemas.openxmlformats.org/presentationml/2006/main" xmlns:r="http://schemas.openxmlformats.org/officeDocument/2006/relationships" xmlns:p14="http://schemas.microsoft.com/office/powerpoint/2010/main" xmlns:p15="http://schemas.microsoft.com/office/powerpoint/2012/main" xmlns:mc="http://schemas.openxmlformats.org/markup-compatibility/2006" type="tx" preserve="1">
+<p:sldLayout xmlns:a="http://schemas.openxmlformats.org/drawingml/2006/main" xmlns:r="http://schemas.openxmlformats.org/officeDocument/2006/relationships" xmlns:p="http://schemas.openxmlformats.org/presentationml/2006/main" type="tx" preserve="1">
   <p:cSld name="Title Slide">
     <p:spTree>
       <p:nvGrpSpPr>
@@ -868,15 +977,15 @@
           </a:ln>
         </p:spPr>
         <p:txBody>
-          <a:bodyPr lIns="0" rIns="0" tIns="0" bIns="0" anchor="ctr">
+          <a:bodyPr lIns="0" tIns="0" rIns="0" bIns="0" anchor="ctr">
             <a:noAutofit/>
           </a:bodyPr>
           <a:p>
-            <a:endParaRPr b="0" lang="en-US" sz="1400" spc="-1" strike="noStrike">
-              <a:solidFill>
-                <a:srgbClr val="000000"/>
-              </a:solidFill>
-              <a:latin typeface="Arial"/>
+            <a:endParaRPr lang="en-US" sz="1400" b="0" strike="noStrike" spc="-1">
+              <a:solidFill>
+                <a:srgbClr val="000000"/>
+              </a:solidFill>
+              <a:latin typeface="Arial" panose="020B0604020202020204"/>
             </a:endParaRPr>
           </a:p>
         </p:txBody>
@@ -905,15 +1014,15 @@
           </a:ln>
         </p:spPr>
         <p:txBody>
-          <a:bodyPr lIns="0" rIns="0" tIns="0" bIns="0" anchor="ctr">
+          <a:bodyPr lIns="0" tIns="0" rIns="0" bIns="0" anchor="ctr">
             <a:noAutofit/>
           </a:bodyPr>
           <a:p>
             <a:pPr algn="ctr">
               <a:buNone/>
             </a:pPr>
-            <a:endParaRPr b="0" lang="en-US" sz="3200" spc="-1" strike="noStrike">
-              <a:latin typeface="Arial"/>
+            <a:endParaRPr lang="en-US" sz="3200" b="0" strike="noStrike" spc="-1">
+              <a:latin typeface="Arial" panose="020B0604020202020204"/>
             </a:endParaRPr>
           </a:p>
         </p:txBody>
@@ -953,8 +1062,9 @@
           <a:bodyPr/>
           <a:p>
             <a:fld id="{6E131238-F4CC-4BEF-96C4-01FDD06D2BE5}" type="slidenum">
-              <a:t>&lt;#&gt;</a:t>
+              <a:rPr/>
             </a:fld>
+            <a:endParaRPr/>
           </a:p>
         </p:txBody>
       </p:sp>
@@ -972,20 +1082,20 @@
         <p:txBody>
           <a:bodyPr/>
           <a:p>
-            <a:r>
-              <a:rPr lang="en-US"/>
-              <a:t/>
-            </a:r>
+            <a:endParaRPr lang="en-US"/>
           </a:p>
         </p:txBody>
       </p:sp>
     </p:spTree>
   </p:cSld>
+  <p:clrMapOvr>
+    <a:masterClrMapping/>
+  </p:clrMapOvr>
 </p:sldLayout>
 </file>
 
 <file path=ppt/slideLayouts/slideLayout15.xml><?xml version="1.0" encoding="utf-8"?>
-<p:sldLayout xmlns:a="http://schemas.openxmlformats.org/drawingml/2006/main" xmlns:p="http://schemas.openxmlformats.org/presentationml/2006/main" xmlns:r="http://schemas.openxmlformats.org/officeDocument/2006/relationships" xmlns:p14="http://schemas.microsoft.com/office/powerpoint/2010/main" xmlns:p15="http://schemas.microsoft.com/office/powerpoint/2012/main" xmlns:mc="http://schemas.openxmlformats.org/markup-compatibility/2006" type="obj" preserve="1">
+<p:sldLayout xmlns:a="http://schemas.openxmlformats.org/drawingml/2006/main" xmlns:r="http://schemas.openxmlformats.org/officeDocument/2006/relationships" xmlns:p="http://schemas.openxmlformats.org/presentationml/2006/main" type="obj" preserve="1">
   <p:cSld name="Title, Content">
     <p:spTree>
       <p:nvGrpSpPr>
@@ -1025,15 +1135,15 @@
           </a:ln>
         </p:spPr>
         <p:txBody>
-          <a:bodyPr lIns="0" rIns="0" tIns="0" bIns="0" anchor="ctr">
+          <a:bodyPr lIns="0" tIns="0" rIns="0" bIns="0" anchor="ctr">
             <a:noAutofit/>
           </a:bodyPr>
           <a:p>
-            <a:endParaRPr b="0" lang="en-US" sz="1400" spc="-1" strike="noStrike">
-              <a:solidFill>
-                <a:srgbClr val="000000"/>
-              </a:solidFill>
-              <a:latin typeface="Arial"/>
+            <a:endParaRPr lang="en-US" sz="1400" b="0" strike="noStrike" spc="-1">
+              <a:solidFill>
+                <a:srgbClr val="000000"/>
+              </a:solidFill>
+              <a:latin typeface="Arial" panose="020B0604020202020204"/>
             </a:endParaRPr>
           </a:p>
         </p:txBody>
@@ -1062,15 +1172,15 @@
           </a:ln>
         </p:spPr>
         <p:txBody>
-          <a:bodyPr lIns="0" rIns="0" tIns="0" bIns="0" anchor="t">
+          <a:bodyPr lIns="0" tIns="0" rIns="0" bIns="0" anchor="t">
             <a:normAutofit/>
           </a:bodyPr>
           <a:p>
-            <a:endParaRPr b="0" lang="en-US" sz="1400" spc="-1" strike="noStrike">
-              <a:solidFill>
-                <a:srgbClr val="000000"/>
-              </a:solidFill>
-              <a:latin typeface="Arial"/>
+            <a:endParaRPr lang="en-US" sz="1400" b="0" strike="noStrike" spc="-1">
+              <a:solidFill>
+                <a:srgbClr val="000000"/>
+              </a:solidFill>
+              <a:latin typeface="Arial" panose="020B0604020202020204"/>
             </a:endParaRPr>
           </a:p>
         </p:txBody>
@@ -1110,8 +1220,9 @@
           <a:bodyPr/>
           <a:p>
             <a:fld id="{C9D5F194-D9AD-4561-B64B-E0848684CF3B}" type="slidenum">
-              <a:t>&lt;#&gt;</a:t>
+              <a:rPr/>
             </a:fld>
+            <a:endParaRPr/>
           </a:p>
         </p:txBody>
       </p:sp>
@@ -1129,20 +1240,20 @@
         <p:txBody>
           <a:bodyPr/>
           <a:p>
-            <a:r>
-              <a:rPr lang="en-US"/>
-              <a:t/>
-            </a:r>
+            <a:endParaRPr lang="en-US"/>
           </a:p>
         </p:txBody>
       </p:sp>
     </p:spTree>
   </p:cSld>
+  <p:clrMapOvr>
+    <a:masterClrMapping/>
+  </p:clrMapOvr>
 </p:sldLayout>
 </file>
 
 <file path=ppt/slideLayouts/slideLayout16.xml><?xml version="1.0" encoding="utf-8"?>
-<p:sldLayout xmlns:a="http://schemas.openxmlformats.org/drawingml/2006/main" xmlns:p="http://schemas.openxmlformats.org/presentationml/2006/main" xmlns:r="http://schemas.openxmlformats.org/officeDocument/2006/relationships" xmlns:p14="http://schemas.microsoft.com/office/powerpoint/2010/main" xmlns:p15="http://schemas.microsoft.com/office/powerpoint/2012/main" xmlns:mc="http://schemas.openxmlformats.org/markup-compatibility/2006" type="twoObj" preserve="1">
+<p:sldLayout xmlns:a="http://schemas.openxmlformats.org/drawingml/2006/main" xmlns:r="http://schemas.openxmlformats.org/officeDocument/2006/relationships" xmlns:p="http://schemas.openxmlformats.org/presentationml/2006/main" type="twoObj" preserve="1">
   <p:cSld name="Title, 2 Content">
     <p:spTree>
       <p:nvGrpSpPr>
@@ -1182,15 +1293,15 @@
           </a:ln>
         </p:spPr>
         <p:txBody>
-          <a:bodyPr lIns="0" rIns="0" tIns="0" bIns="0" anchor="ctr">
+          <a:bodyPr lIns="0" tIns="0" rIns="0" bIns="0" anchor="ctr">
             <a:noAutofit/>
           </a:bodyPr>
           <a:p>
-            <a:endParaRPr b="0" lang="en-US" sz="1400" spc="-1" strike="noStrike">
-              <a:solidFill>
-                <a:srgbClr val="000000"/>
-              </a:solidFill>
-              <a:latin typeface="Arial"/>
+            <a:endParaRPr lang="en-US" sz="1400" b="0" strike="noStrike" spc="-1">
+              <a:solidFill>
+                <a:srgbClr val="000000"/>
+              </a:solidFill>
+              <a:latin typeface="Arial" panose="020B0604020202020204"/>
             </a:endParaRPr>
           </a:p>
         </p:txBody>
@@ -1219,15 +1330,15 @@
           </a:ln>
         </p:spPr>
         <p:txBody>
-          <a:bodyPr lIns="0" rIns="0" tIns="0" bIns="0" anchor="t">
+          <a:bodyPr lIns="0" tIns="0" rIns="0" bIns="0" anchor="t">
             <a:normAutofit/>
           </a:bodyPr>
           <a:p>
-            <a:endParaRPr b="0" lang="en-US" sz="1400" spc="-1" strike="noStrike">
-              <a:solidFill>
-                <a:srgbClr val="000000"/>
-              </a:solidFill>
-              <a:latin typeface="Arial"/>
+            <a:endParaRPr lang="en-US" sz="1400" b="0" strike="noStrike" spc="-1">
+              <a:solidFill>
+                <a:srgbClr val="000000"/>
+              </a:solidFill>
+              <a:latin typeface="Arial" panose="020B0604020202020204"/>
             </a:endParaRPr>
           </a:p>
         </p:txBody>
@@ -1256,15 +1367,15 @@
           </a:ln>
         </p:spPr>
         <p:txBody>
-          <a:bodyPr lIns="0" rIns="0" tIns="0" bIns="0" anchor="t">
+          <a:bodyPr lIns="0" tIns="0" rIns="0" bIns="0" anchor="t">
             <a:normAutofit/>
           </a:bodyPr>
           <a:p>
-            <a:endParaRPr b="0" lang="en-US" sz="1400" spc="-1" strike="noStrike">
-              <a:solidFill>
-                <a:srgbClr val="000000"/>
-              </a:solidFill>
-              <a:latin typeface="Arial"/>
+            <a:endParaRPr lang="en-US" sz="1400" b="0" strike="noStrike" spc="-1">
+              <a:solidFill>
+                <a:srgbClr val="000000"/>
+              </a:solidFill>
+              <a:latin typeface="Arial" panose="020B0604020202020204"/>
             </a:endParaRPr>
           </a:p>
         </p:txBody>
@@ -1304,8 +1415,9 @@
           <a:bodyPr/>
           <a:p>
             <a:fld id="{A6942A38-6FD7-4CFF-A4AF-64DBA7AF979D}" type="slidenum">
-              <a:t>&lt;#&gt;</a:t>
+              <a:rPr/>
             </a:fld>
+            <a:endParaRPr/>
           </a:p>
         </p:txBody>
       </p:sp>
@@ -1323,20 +1435,20 @@
         <p:txBody>
           <a:bodyPr/>
           <a:p>
-            <a:r>
-              <a:rPr lang="en-US"/>
-              <a:t/>
-            </a:r>
+            <a:endParaRPr lang="en-US"/>
           </a:p>
         </p:txBody>
       </p:sp>
     </p:spTree>
   </p:cSld>
+  <p:clrMapOvr>
+    <a:masterClrMapping/>
+  </p:clrMapOvr>
 </p:sldLayout>
 </file>
 
 <file path=ppt/slideLayouts/slideLayout17.xml><?xml version="1.0" encoding="utf-8"?>
-<p:sldLayout xmlns:a="http://schemas.openxmlformats.org/drawingml/2006/main" xmlns:p="http://schemas.openxmlformats.org/presentationml/2006/main" xmlns:r="http://schemas.openxmlformats.org/officeDocument/2006/relationships" xmlns:p14="http://schemas.microsoft.com/office/powerpoint/2010/main" xmlns:p15="http://schemas.microsoft.com/office/powerpoint/2012/main" xmlns:mc="http://schemas.openxmlformats.org/markup-compatibility/2006" type="titleOnly" preserve="1">
+<p:sldLayout xmlns:a="http://schemas.openxmlformats.org/drawingml/2006/main" xmlns:r="http://schemas.openxmlformats.org/officeDocument/2006/relationships" xmlns:p="http://schemas.openxmlformats.org/presentationml/2006/main" type="titleOnly" preserve="1">
   <p:cSld name="Title Only">
     <p:spTree>
       <p:nvGrpSpPr>
@@ -1376,15 +1488,15 @@
           </a:ln>
         </p:spPr>
         <p:txBody>
-          <a:bodyPr lIns="0" rIns="0" tIns="0" bIns="0" anchor="ctr">
+          <a:bodyPr lIns="0" tIns="0" rIns="0" bIns="0" anchor="ctr">
             <a:noAutofit/>
           </a:bodyPr>
           <a:p>
-            <a:endParaRPr b="0" lang="en-US" sz="1400" spc="-1" strike="noStrike">
-              <a:solidFill>
-                <a:srgbClr val="000000"/>
-              </a:solidFill>
-              <a:latin typeface="Arial"/>
+            <a:endParaRPr lang="en-US" sz="1400" b="0" strike="noStrike" spc="-1">
+              <a:solidFill>
+                <a:srgbClr val="000000"/>
+              </a:solidFill>
+              <a:latin typeface="Arial" panose="020B0604020202020204"/>
             </a:endParaRPr>
           </a:p>
         </p:txBody>
@@ -1424,8 +1536,9 @@
           <a:bodyPr/>
           <a:p>
             <a:fld id="{7766F8D7-D3B4-47BC-8A51-D74FBD3678CB}" type="slidenum">
-              <a:t>&lt;#&gt;</a:t>
+              <a:rPr/>
             </a:fld>
+            <a:endParaRPr/>
           </a:p>
         </p:txBody>
       </p:sp>
@@ -1443,20 +1556,20 @@
         <p:txBody>
           <a:bodyPr/>
           <a:p>
-            <a:r>
-              <a:rPr lang="en-US"/>
-              <a:t/>
-            </a:r>
+            <a:endParaRPr lang="en-US"/>
           </a:p>
         </p:txBody>
       </p:sp>
     </p:spTree>
   </p:cSld>
+  <p:clrMapOvr>
+    <a:masterClrMapping/>
+  </p:clrMapOvr>
 </p:sldLayout>
 </file>
 
 <file path=ppt/slideLayouts/slideLayout18.xml><?xml version="1.0" encoding="utf-8"?>
-<p:sldLayout xmlns:a="http://schemas.openxmlformats.org/drawingml/2006/main" xmlns:p="http://schemas.openxmlformats.org/presentationml/2006/main" xmlns:r="http://schemas.openxmlformats.org/officeDocument/2006/relationships" xmlns:p14="http://schemas.microsoft.com/office/powerpoint/2010/main" xmlns:p15="http://schemas.microsoft.com/office/powerpoint/2012/main" xmlns:mc="http://schemas.openxmlformats.org/markup-compatibility/2006" type="objOnly" preserve="1">
+<p:sldLayout xmlns:a="http://schemas.openxmlformats.org/drawingml/2006/main" xmlns:r="http://schemas.openxmlformats.org/officeDocument/2006/relationships" xmlns:p="http://schemas.openxmlformats.org/presentationml/2006/main" type="objOnly" preserve="1">
   <p:cSld name="Centered Text">
     <p:spTree>
       <p:nvGrpSpPr>
@@ -1496,15 +1609,15 @@
           </a:ln>
         </p:spPr>
         <p:txBody>
-          <a:bodyPr lIns="0" rIns="0" tIns="0" bIns="0" anchor="ctr">
+          <a:bodyPr lIns="0" tIns="0" rIns="0" bIns="0" anchor="ctr">
             <a:noAutofit/>
           </a:bodyPr>
           <a:p>
             <a:pPr algn="ctr">
               <a:buNone/>
             </a:pPr>
-            <a:endParaRPr b="0" lang="en-US" sz="3200" spc="-1" strike="noStrike">
-              <a:latin typeface="Arial"/>
+            <a:endParaRPr lang="en-US" sz="3200" b="0" strike="noStrike" spc="-1">
+              <a:latin typeface="Arial" panose="020B0604020202020204"/>
             </a:endParaRPr>
           </a:p>
         </p:txBody>
@@ -1544,8 +1657,9 @@
           <a:bodyPr/>
           <a:p>
             <a:fld id="{C0E4622E-60BC-46B4-BD84-4F76AE1B7B18}" type="slidenum">
-              <a:t>&lt;#&gt;</a:t>
+              <a:rPr/>
             </a:fld>
+            <a:endParaRPr/>
           </a:p>
         </p:txBody>
       </p:sp>
@@ -1563,20 +1677,20 @@
         <p:txBody>
           <a:bodyPr/>
           <a:p>
-            <a:r>
-              <a:rPr lang="en-US"/>
-              <a:t/>
-            </a:r>
+            <a:endParaRPr lang="en-US"/>
           </a:p>
         </p:txBody>
       </p:sp>
     </p:spTree>
   </p:cSld>
+  <p:clrMapOvr>
+    <a:masterClrMapping/>
+  </p:clrMapOvr>
 </p:sldLayout>
 </file>
 
 <file path=ppt/slideLayouts/slideLayout19.xml><?xml version="1.0" encoding="utf-8"?>
-<p:sldLayout xmlns:a="http://schemas.openxmlformats.org/drawingml/2006/main" xmlns:p="http://schemas.openxmlformats.org/presentationml/2006/main" xmlns:r="http://schemas.openxmlformats.org/officeDocument/2006/relationships" xmlns:p14="http://schemas.microsoft.com/office/powerpoint/2010/main" xmlns:p15="http://schemas.microsoft.com/office/powerpoint/2012/main" xmlns:mc="http://schemas.openxmlformats.org/markup-compatibility/2006" type="twoObjAndObj" preserve="1">
+<p:sldLayout xmlns:a="http://schemas.openxmlformats.org/drawingml/2006/main" xmlns:r="http://schemas.openxmlformats.org/officeDocument/2006/relationships" xmlns:p="http://schemas.openxmlformats.org/presentationml/2006/main" type="twoObjAndObj" preserve="1">
   <p:cSld name="Title, 2 Content and Content">
     <p:spTree>
       <p:nvGrpSpPr>
@@ -1616,15 +1730,15 @@
           </a:ln>
         </p:spPr>
         <p:txBody>
-          <a:bodyPr lIns="0" rIns="0" tIns="0" bIns="0" anchor="ctr">
+          <a:bodyPr lIns="0" tIns="0" rIns="0" bIns="0" anchor="ctr">
             <a:noAutofit/>
           </a:bodyPr>
           <a:p>
-            <a:endParaRPr b="0" lang="en-US" sz="1400" spc="-1" strike="noStrike">
-              <a:solidFill>
-                <a:srgbClr val="000000"/>
-              </a:solidFill>
-              <a:latin typeface="Arial"/>
+            <a:endParaRPr lang="en-US" sz="1400" b="0" strike="noStrike" spc="-1">
+              <a:solidFill>
+                <a:srgbClr val="000000"/>
+              </a:solidFill>
+              <a:latin typeface="Arial" panose="020B0604020202020204"/>
             </a:endParaRPr>
           </a:p>
         </p:txBody>
@@ -1653,15 +1767,15 @@
           </a:ln>
         </p:spPr>
         <p:txBody>
-          <a:bodyPr lIns="0" rIns="0" tIns="0" bIns="0" anchor="t">
+          <a:bodyPr lIns="0" tIns="0" rIns="0" bIns="0" anchor="t">
             <a:normAutofit/>
           </a:bodyPr>
           <a:p>
-            <a:endParaRPr b="0" lang="en-US" sz="1400" spc="-1" strike="noStrike">
-              <a:solidFill>
-                <a:srgbClr val="000000"/>
-              </a:solidFill>
-              <a:latin typeface="Arial"/>
+            <a:endParaRPr lang="en-US" sz="1400" b="0" strike="noStrike" spc="-1">
+              <a:solidFill>
+                <a:srgbClr val="000000"/>
+              </a:solidFill>
+              <a:latin typeface="Arial" panose="020B0604020202020204"/>
             </a:endParaRPr>
           </a:p>
         </p:txBody>
@@ -1690,15 +1804,15 @@
           </a:ln>
         </p:spPr>
         <p:txBody>
-          <a:bodyPr lIns="0" rIns="0" tIns="0" bIns="0" anchor="t">
+          <a:bodyPr lIns="0" tIns="0" rIns="0" bIns="0" anchor="t">
             <a:normAutofit/>
           </a:bodyPr>
           <a:p>
-            <a:endParaRPr b="0" lang="en-US" sz="1400" spc="-1" strike="noStrike">
-              <a:solidFill>
-                <a:srgbClr val="000000"/>
-              </a:solidFill>
-              <a:latin typeface="Arial"/>
+            <a:endParaRPr lang="en-US" sz="1400" b="0" strike="noStrike" spc="-1">
+              <a:solidFill>
+                <a:srgbClr val="000000"/>
+              </a:solidFill>
+              <a:latin typeface="Arial" panose="020B0604020202020204"/>
             </a:endParaRPr>
           </a:p>
         </p:txBody>
@@ -1727,15 +1841,15 @@
           </a:ln>
         </p:spPr>
         <p:txBody>
-          <a:bodyPr lIns="0" rIns="0" tIns="0" bIns="0" anchor="t">
+          <a:bodyPr lIns="0" tIns="0" rIns="0" bIns="0" anchor="t">
             <a:normAutofit/>
           </a:bodyPr>
           <a:p>
-            <a:endParaRPr b="0" lang="en-US" sz="1400" spc="-1" strike="noStrike">
-              <a:solidFill>
-                <a:srgbClr val="000000"/>
-              </a:solidFill>
-              <a:latin typeface="Arial"/>
+            <a:endParaRPr lang="en-US" sz="1400" b="0" strike="noStrike" spc="-1">
+              <a:solidFill>
+                <a:srgbClr val="000000"/>
+              </a:solidFill>
+              <a:latin typeface="Arial" panose="020B0604020202020204"/>
             </a:endParaRPr>
           </a:p>
         </p:txBody>
@@ -1775,8 +1889,9 @@
           <a:bodyPr/>
           <a:p>
             <a:fld id="{88644A11-DE51-482F-A8B0-3A8D50610A59}" type="slidenum">
-              <a:t>&lt;#&gt;</a:t>
+              <a:rPr/>
             </a:fld>
+            <a:endParaRPr/>
           </a:p>
         </p:txBody>
       </p:sp>
@@ -1794,20 +1909,20 @@
         <p:txBody>
           <a:bodyPr/>
           <a:p>
-            <a:r>
-              <a:rPr lang="en-US"/>
-              <a:t/>
-            </a:r>
+            <a:endParaRPr lang="en-US"/>
           </a:p>
         </p:txBody>
       </p:sp>
     </p:spTree>
   </p:cSld>
+  <p:clrMapOvr>
+    <a:masterClrMapping/>
+  </p:clrMapOvr>
 </p:sldLayout>
 </file>
 
 <file path=ppt/slideLayouts/slideLayout2.xml><?xml version="1.0" encoding="utf-8"?>
-<p:sldLayout xmlns:a="http://schemas.openxmlformats.org/drawingml/2006/main" xmlns:p="http://schemas.openxmlformats.org/presentationml/2006/main" xmlns:r="http://schemas.openxmlformats.org/officeDocument/2006/relationships" xmlns:p14="http://schemas.microsoft.com/office/powerpoint/2010/main" xmlns:p15="http://schemas.microsoft.com/office/powerpoint/2012/main" xmlns:mc="http://schemas.openxmlformats.org/markup-compatibility/2006" type="tx" preserve="1">
+<p:sldLayout xmlns:a="http://schemas.openxmlformats.org/drawingml/2006/main" xmlns:r="http://schemas.openxmlformats.org/officeDocument/2006/relationships" xmlns:p="http://schemas.openxmlformats.org/presentationml/2006/main" type="tx" preserve="1">
   <p:cSld name="Title Slide">
     <p:spTree>
       <p:nvGrpSpPr>
@@ -1847,15 +1962,15 @@
           </a:ln>
         </p:spPr>
         <p:txBody>
-          <a:bodyPr lIns="0" rIns="0" tIns="0" bIns="0" anchor="ctr">
+          <a:bodyPr lIns="0" tIns="0" rIns="0" bIns="0" anchor="ctr">
             <a:noAutofit/>
           </a:bodyPr>
           <a:p>
-            <a:endParaRPr b="0" lang="en-US" sz="1400" spc="-1" strike="noStrike">
-              <a:solidFill>
-                <a:srgbClr val="000000"/>
-              </a:solidFill>
-              <a:latin typeface="Arial"/>
+            <a:endParaRPr lang="en-US" sz="1400" b="0" strike="noStrike" spc="-1">
+              <a:solidFill>
+                <a:srgbClr val="000000"/>
+              </a:solidFill>
+              <a:latin typeface="Arial" panose="020B0604020202020204"/>
             </a:endParaRPr>
           </a:p>
         </p:txBody>
@@ -1884,15 +1999,15 @@
           </a:ln>
         </p:spPr>
         <p:txBody>
-          <a:bodyPr lIns="0" rIns="0" tIns="0" bIns="0" anchor="ctr">
+          <a:bodyPr lIns="0" tIns="0" rIns="0" bIns="0" anchor="ctr">
             <a:noAutofit/>
           </a:bodyPr>
           <a:p>
             <a:pPr algn="ctr">
               <a:buNone/>
             </a:pPr>
-            <a:endParaRPr b="0" lang="en-US" sz="3200" spc="-1" strike="noStrike">
-              <a:latin typeface="Arial"/>
+            <a:endParaRPr lang="en-US" sz="3200" b="0" strike="noStrike" spc="-1">
+              <a:latin typeface="Arial" panose="020B0604020202020204"/>
             </a:endParaRPr>
           </a:p>
         </p:txBody>
@@ -1912,18 +2027,22 @@
           <a:bodyPr/>
           <a:p>
             <a:fld id="{52EC5959-237C-4F23-9E9A-1E8777ED363A}" type="slidenum">
-              <a:t>&lt;#&gt;</a:t>
+              <a:rPr/>
             </a:fld>
+            <a:endParaRPr/>
           </a:p>
         </p:txBody>
       </p:sp>
     </p:spTree>
   </p:cSld>
+  <p:clrMapOvr>
+    <a:masterClrMapping/>
+  </p:clrMapOvr>
 </p:sldLayout>
 </file>
 
 <file path=ppt/slideLayouts/slideLayout20.xml><?xml version="1.0" encoding="utf-8"?>
-<p:sldLayout xmlns:a="http://schemas.openxmlformats.org/drawingml/2006/main" xmlns:p="http://schemas.openxmlformats.org/presentationml/2006/main" xmlns:r="http://schemas.openxmlformats.org/officeDocument/2006/relationships" xmlns:p14="http://schemas.microsoft.com/office/powerpoint/2010/main" xmlns:p15="http://schemas.microsoft.com/office/powerpoint/2012/main" xmlns:mc="http://schemas.openxmlformats.org/markup-compatibility/2006" type="objAndTwoObj" preserve="1">
+<p:sldLayout xmlns:a="http://schemas.openxmlformats.org/drawingml/2006/main" xmlns:r="http://schemas.openxmlformats.org/officeDocument/2006/relationships" xmlns:p="http://schemas.openxmlformats.org/presentationml/2006/main" type="objAndTwoObj" preserve="1">
   <p:cSld name="Title Content and 2 Content">
     <p:spTree>
       <p:nvGrpSpPr>
@@ -1963,15 +2082,15 @@
           </a:ln>
         </p:spPr>
         <p:txBody>
-          <a:bodyPr lIns="0" rIns="0" tIns="0" bIns="0" anchor="ctr">
+          <a:bodyPr lIns="0" tIns="0" rIns="0" bIns="0" anchor="ctr">
             <a:noAutofit/>
           </a:bodyPr>
           <a:p>
-            <a:endParaRPr b="0" lang="en-US" sz="1400" spc="-1" strike="noStrike">
-              <a:solidFill>
-                <a:srgbClr val="000000"/>
-              </a:solidFill>
-              <a:latin typeface="Arial"/>
+            <a:endParaRPr lang="en-US" sz="1400" b="0" strike="noStrike" spc="-1">
+              <a:solidFill>
+                <a:srgbClr val="000000"/>
+              </a:solidFill>
+              <a:latin typeface="Arial" panose="020B0604020202020204"/>
             </a:endParaRPr>
           </a:p>
         </p:txBody>
@@ -2000,15 +2119,15 @@
           </a:ln>
         </p:spPr>
         <p:txBody>
-          <a:bodyPr lIns="0" rIns="0" tIns="0" bIns="0" anchor="t">
+          <a:bodyPr lIns="0" tIns="0" rIns="0" bIns="0" anchor="t">
             <a:normAutofit/>
           </a:bodyPr>
           <a:p>
-            <a:endParaRPr b="0" lang="en-US" sz="1400" spc="-1" strike="noStrike">
-              <a:solidFill>
-                <a:srgbClr val="000000"/>
-              </a:solidFill>
-              <a:latin typeface="Arial"/>
+            <a:endParaRPr lang="en-US" sz="1400" b="0" strike="noStrike" spc="-1">
+              <a:solidFill>
+                <a:srgbClr val="000000"/>
+              </a:solidFill>
+              <a:latin typeface="Arial" panose="020B0604020202020204"/>
             </a:endParaRPr>
           </a:p>
         </p:txBody>
@@ -2037,15 +2156,15 @@
           </a:ln>
         </p:spPr>
         <p:txBody>
-          <a:bodyPr lIns="0" rIns="0" tIns="0" bIns="0" anchor="t">
+          <a:bodyPr lIns="0" tIns="0" rIns="0" bIns="0" anchor="t">
             <a:normAutofit/>
           </a:bodyPr>
           <a:p>
-            <a:endParaRPr b="0" lang="en-US" sz="1400" spc="-1" strike="noStrike">
-              <a:solidFill>
-                <a:srgbClr val="000000"/>
-              </a:solidFill>
-              <a:latin typeface="Arial"/>
+            <a:endParaRPr lang="en-US" sz="1400" b="0" strike="noStrike" spc="-1">
+              <a:solidFill>
+                <a:srgbClr val="000000"/>
+              </a:solidFill>
+              <a:latin typeface="Arial" panose="020B0604020202020204"/>
             </a:endParaRPr>
           </a:p>
         </p:txBody>
@@ -2074,15 +2193,15 @@
           </a:ln>
         </p:spPr>
         <p:txBody>
-          <a:bodyPr lIns="0" rIns="0" tIns="0" bIns="0" anchor="t">
+          <a:bodyPr lIns="0" tIns="0" rIns="0" bIns="0" anchor="t">
             <a:normAutofit/>
           </a:bodyPr>
           <a:p>
-            <a:endParaRPr b="0" lang="en-US" sz="1400" spc="-1" strike="noStrike">
-              <a:solidFill>
-                <a:srgbClr val="000000"/>
-              </a:solidFill>
-              <a:latin typeface="Arial"/>
+            <a:endParaRPr lang="en-US" sz="1400" b="0" strike="noStrike" spc="-1">
+              <a:solidFill>
+                <a:srgbClr val="000000"/>
+              </a:solidFill>
+              <a:latin typeface="Arial" panose="020B0604020202020204"/>
             </a:endParaRPr>
           </a:p>
         </p:txBody>
@@ -2122,8 +2241,9 @@
           <a:bodyPr/>
           <a:p>
             <a:fld id="{EE718C3E-F613-4640-8B05-A8500F107C90}" type="slidenum">
-              <a:t>&lt;#&gt;</a:t>
+              <a:rPr/>
             </a:fld>
+            <a:endParaRPr/>
           </a:p>
         </p:txBody>
       </p:sp>
@@ -2141,20 +2261,20 @@
         <p:txBody>
           <a:bodyPr/>
           <a:p>
-            <a:r>
-              <a:rPr lang="en-US"/>
-              <a:t/>
-            </a:r>
+            <a:endParaRPr lang="en-US"/>
           </a:p>
         </p:txBody>
       </p:sp>
     </p:spTree>
   </p:cSld>
+  <p:clrMapOvr>
+    <a:masterClrMapping/>
+  </p:clrMapOvr>
 </p:sldLayout>
 </file>
 
 <file path=ppt/slideLayouts/slideLayout21.xml><?xml version="1.0" encoding="utf-8"?>
-<p:sldLayout xmlns:a="http://schemas.openxmlformats.org/drawingml/2006/main" xmlns:p="http://schemas.openxmlformats.org/presentationml/2006/main" xmlns:r="http://schemas.openxmlformats.org/officeDocument/2006/relationships" xmlns:p14="http://schemas.microsoft.com/office/powerpoint/2010/main" xmlns:p15="http://schemas.microsoft.com/office/powerpoint/2012/main" xmlns:mc="http://schemas.openxmlformats.org/markup-compatibility/2006" type="twoObjOverTx" preserve="1">
+<p:sldLayout xmlns:a="http://schemas.openxmlformats.org/drawingml/2006/main" xmlns:r="http://schemas.openxmlformats.org/officeDocument/2006/relationships" xmlns:p="http://schemas.openxmlformats.org/presentationml/2006/main" type="twoObjOverTx" preserve="1">
   <p:cSld name="Title, 2 Content over Content">
     <p:spTree>
       <p:nvGrpSpPr>
@@ -2194,15 +2314,15 @@
           </a:ln>
         </p:spPr>
         <p:txBody>
-          <a:bodyPr lIns="0" rIns="0" tIns="0" bIns="0" anchor="ctr">
+          <a:bodyPr lIns="0" tIns="0" rIns="0" bIns="0" anchor="ctr">
             <a:noAutofit/>
           </a:bodyPr>
           <a:p>
-            <a:endParaRPr b="0" lang="en-US" sz="1400" spc="-1" strike="noStrike">
-              <a:solidFill>
-                <a:srgbClr val="000000"/>
-              </a:solidFill>
-              <a:latin typeface="Arial"/>
+            <a:endParaRPr lang="en-US" sz="1400" b="0" strike="noStrike" spc="-1">
+              <a:solidFill>
+                <a:srgbClr val="000000"/>
+              </a:solidFill>
+              <a:latin typeface="Arial" panose="020B0604020202020204"/>
             </a:endParaRPr>
           </a:p>
         </p:txBody>
@@ -2231,15 +2351,15 @@
           </a:ln>
         </p:spPr>
         <p:txBody>
-          <a:bodyPr lIns="0" rIns="0" tIns="0" bIns="0" anchor="t">
+          <a:bodyPr lIns="0" tIns="0" rIns="0" bIns="0" anchor="t">
             <a:normAutofit/>
           </a:bodyPr>
           <a:p>
-            <a:endParaRPr b="0" lang="en-US" sz="1400" spc="-1" strike="noStrike">
-              <a:solidFill>
-                <a:srgbClr val="000000"/>
-              </a:solidFill>
-              <a:latin typeface="Arial"/>
+            <a:endParaRPr lang="en-US" sz="1400" b="0" strike="noStrike" spc="-1">
+              <a:solidFill>
+                <a:srgbClr val="000000"/>
+              </a:solidFill>
+              <a:latin typeface="Arial" panose="020B0604020202020204"/>
             </a:endParaRPr>
           </a:p>
         </p:txBody>
@@ -2268,15 +2388,15 @@
           </a:ln>
         </p:spPr>
         <p:txBody>
-          <a:bodyPr lIns="0" rIns="0" tIns="0" bIns="0" anchor="t">
+          <a:bodyPr lIns="0" tIns="0" rIns="0" bIns="0" anchor="t">
             <a:normAutofit/>
           </a:bodyPr>
           <a:p>
-            <a:endParaRPr b="0" lang="en-US" sz="1400" spc="-1" strike="noStrike">
-              <a:solidFill>
-                <a:srgbClr val="000000"/>
-              </a:solidFill>
-              <a:latin typeface="Arial"/>
+            <a:endParaRPr lang="en-US" sz="1400" b="0" strike="noStrike" spc="-1">
+              <a:solidFill>
+                <a:srgbClr val="000000"/>
+              </a:solidFill>
+              <a:latin typeface="Arial" panose="020B0604020202020204"/>
             </a:endParaRPr>
           </a:p>
         </p:txBody>
@@ -2305,15 +2425,15 @@
           </a:ln>
         </p:spPr>
         <p:txBody>
-          <a:bodyPr lIns="0" rIns="0" tIns="0" bIns="0" anchor="t">
+          <a:bodyPr lIns="0" tIns="0" rIns="0" bIns="0" anchor="t">
             <a:normAutofit/>
           </a:bodyPr>
           <a:p>
-            <a:endParaRPr b="0" lang="en-US" sz="1400" spc="-1" strike="noStrike">
-              <a:solidFill>
-                <a:srgbClr val="000000"/>
-              </a:solidFill>
-              <a:latin typeface="Arial"/>
+            <a:endParaRPr lang="en-US" sz="1400" b="0" strike="noStrike" spc="-1">
+              <a:solidFill>
+                <a:srgbClr val="000000"/>
+              </a:solidFill>
+              <a:latin typeface="Arial" panose="020B0604020202020204"/>
             </a:endParaRPr>
           </a:p>
         </p:txBody>
@@ -2353,8 +2473,9 @@
           <a:bodyPr/>
           <a:p>
             <a:fld id="{41D23CFB-75D8-407A-A72F-7DC2E56C7455}" type="slidenum">
-              <a:t>&lt;#&gt;</a:t>
+              <a:rPr/>
             </a:fld>
+            <a:endParaRPr/>
           </a:p>
         </p:txBody>
       </p:sp>
@@ -2372,20 +2493,20 @@
         <p:txBody>
           <a:bodyPr/>
           <a:p>
-            <a:r>
-              <a:rPr lang="en-US"/>
-              <a:t/>
-            </a:r>
+            <a:endParaRPr lang="en-US"/>
           </a:p>
         </p:txBody>
       </p:sp>
     </p:spTree>
   </p:cSld>
+  <p:clrMapOvr>
+    <a:masterClrMapping/>
+  </p:clrMapOvr>
 </p:sldLayout>
 </file>
 
 <file path=ppt/slideLayouts/slideLayout22.xml><?xml version="1.0" encoding="utf-8"?>
-<p:sldLayout xmlns:a="http://schemas.openxmlformats.org/drawingml/2006/main" xmlns:p="http://schemas.openxmlformats.org/presentationml/2006/main" xmlns:r="http://schemas.openxmlformats.org/officeDocument/2006/relationships" xmlns:p14="http://schemas.microsoft.com/office/powerpoint/2010/main" xmlns:p15="http://schemas.microsoft.com/office/powerpoint/2012/main" xmlns:mc="http://schemas.openxmlformats.org/markup-compatibility/2006" type="objOverTx" preserve="1">
+<p:sldLayout xmlns:a="http://schemas.openxmlformats.org/drawingml/2006/main" xmlns:r="http://schemas.openxmlformats.org/officeDocument/2006/relationships" xmlns:p="http://schemas.openxmlformats.org/presentationml/2006/main" type="objOverTx" preserve="1">
   <p:cSld name="Title, Content over Content">
     <p:spTree>
       <p:nvGrpSpPr>
@@ -2425,15 +2546,15 @@
           </a:ln>
         </p:spPr>
         <p:txBody>
-          <a:bodyPr lIns="0" rIns="0" tIns="0" bIns="0" anchor="ctr">
+          <a:bodyPr lIns="0" tIns="0" rIns="0" bIns="0" anchor="ctr">
             <a:noAutofit/>
           </a:bodyPr>
           <a:p>
-            <a:endParaRPr b="0" lang="en-US" sz="1400" spc="-1" strike="noStrike">
-              <a:solidFill>
-                <a:srgbClr val="000000"/>
-              </a:solidFill>
-              <a:latin typeface="Arial"/>
+            <a:endParaRPr lang="en-US" sz="1400" b="0" strike="noStrike" spc="-1">
+              <a:solidFill>
+                <a:srgbClr val="000000"/>
+              </a:solidFill>
+              <a:latin typeface="Arial" panose="020B0604020202020204"/>
             </a:endParaRPr>
           </a:p>
         </p:txBody>
@@ -2462,15 +2583,15 @@
           </a:ln>
         </p:spPr>
         <p:txBody>
-          <a:bodyPr lIns="0" rIns="0" tIns="0" bIns="0" anchor="t">
+          <a:bodyPr lIns="0" tIns="0" rIns="0" bIns="0" anchor="t">
             <a:normAutofit/>
           </a:bodyPr>
           <a:p>
-            <a:endParaRPr b="0" lang="en-US" sz="1400" spc="-1" strike="noStrike">
-              <a:solidFill>
-                <a:srgbClr val="000000"/>
-              </a:solidFill>
-              <a:latin typeface="Arial"/>
+            <a:endParaRPr lang="en-US" sz="1400" b="0" strike="noStrike" spc="-1">
+              <a:solidFill>
+                <a:srgbClr val="000000"/>
+              </a:solidFill>
+              <a:latin typeface="Arial" panose="020B0604020202020204"/>
             </a:endParaRPr>
           </a:p>
         </p:txBody>
@@ -2499,15 +2620,15 @@
           </a:ln>
         </p:spPr>
         <p:txBody>
-          <a:bodyPr lIns="0" rIns="0" tIns="0" bIns="0" anchor="t">
+          <a:bodyPr lIns="0" tIns="0" rIns="0" bIns="0" anchor="t">
             <a:normAutofit/>
           </a:bodyPr>
           <a:p>
-            <a:endParaRPr b="0" lang="en-US" sz="1400" spc="-1" strike="noStrike">
-              <a:solidFill>
-                <a:srgbClr val="000000"/>
-              </a:solidFill>
-              <a:latin typeface="Arial"/>
+            <a:endParaRPr lang="en-US" sz="1400" b="0" strike="noStrike" spc="-1">
+              <a:solidFill>
+                <a:srgbClr val="000000"/>
+              </a:solidFill>
+              <a:latin typeface="Arial" panose="020B0604020202020204"/>
             </a:endParaRPr>
           </a:p>
         </p:txBody>
@@ -2547,8 +2668,9 @@
           <a:bodyPr/>
           <a:p>
             <a:fld id="{F2B82A52-625A-409A-8DDA-2ECAF5030914}" type="slidenum">
-              <a:t>&lt;#&gt;</a:t>
+              <a:rPr/>
             </a:fld>
+            <a:endParaRPr/>
           </a:p>
         </p:txBody>
       </p:sp>
@@ -2566,20 +2688,20 @@
         <p:txBody>
           <a:bodyPr/>
           <a:p>
-            <a:r>
-              <a:rPr lang="en-US"/>
-              <a:t/>
-            </a:r>
+            <a:endParaRPr lang="en-US"/>
           </a:p>
         </p:txBody>
       </p:sp>
     </p:spTree>
   </p:cSld>
+  <p:clrMapOvr>
+    <a:masterClrMapping/>
+  </p:clrMapOvr>
 </p:sldLayout>
 </file>
 
 <file path=ppt/slideLayouts/slideLayout23.xml><?xml version="1.0" encoding="utf-8"?>
-<p:sldLayout xmlns:a="http://schemas.openxmlformats.org/drawingml/2006/main" xmlns:p="http://schemas.openxmlformats.org/presentationml/2006/main" xmlns:r="http://schemas.openxmlformats.org/officeDocument/2006/relationships" xmlns:p14="http://schemas.microsoft.com/office/powerpoint/2010/main" xmlns:p15="http://schemas.microsoft.com/office/powerpoint/2012/main" xmlns:mc="http://schemas.openxmlformats.org/markup-compatibility/2006" type="fourObj" preserve="1">
+<p:sldLayout xmlns:a="http://schemas.openxmlformats.org/drawingml/2006/main" xmlns:r="http://schemas.openxmlformats.org/officeDocument/2006/relationships" xmlns:p="http://schemas.openxmlformats.org/presentationml/2006/main" type="fourObj" preserve="1">
   <p:cSld name="Title, 4 Content">
     <p:spTree>
       <p:nvGrpSpPr>
@@ -2619,15 +2741,15 @@
           </a:ln>
         </p:spPr>
         <p:txBody>
-          <a:bodyPr lIns="0" rIns="0" tIns="0" bIns="0" anchor="ctr">
+          <a:bodyPr lIns="0" tIns="0" rIns="0" bIns="0" anchor="ctr">
             <a:noAutofit/>
           </a:bodyPr>
           <a:p>
-            <a:endParaRPr b="0" lang="en-US" sz="1400" spc="-1" strike="noStrike">
-              <a:solidFill>
-                <a:srgbClr val="000000"/>
-              </a:solidFill>
-              <a:latin typeface="Arial"/>
+            <a:endParaRPr lang="en-US" sz="1400" b="0" strike="noStrike" spc="-1">
+              <a:solidFill>
+                <a:srgbClr val="000000"/>
+              </a:solidFill>
+              <a:latin typeface="Arial" panose="020B0604020202020204"/>
             </a:endParaRPr>
           </a:p>
         </p:txBody>
@@ -2656,15 +2778,15 @@
           </a:ln>
         </p:spPr>
         <p:txBody>
-          <a:bodyPr lIns="0" rIns="0" tIns="0" bIns="0" anchor="t">
+          <a:bodyPr lIns="0" tIns="0" rIns="0" bIns="0" anchor="t">
             <a:normAutofit/>
           </a:bodyPr>
           <a:p>
-            <a:endParaRPr b="0" lang="en-US" sz="1400" spc="-1" strike="noStrike">
-              <a:solidFill>
-                <a:srgbClr val="000000"/>
-              </a:solidFill>
-              <a:latin typeface="Arial"/>
+            <a:endParaRPr lang="en-US" sz="1400" b="0" strike="noStrike" spc="-1">
+              <a:solidFill>
+                <a:srgbClr val="000000"/>
+              </a:solidFill>
+              <a:latin typeface="Arial" panose="020B0604020202020204"/>
             </a:endParaRPr>
           </a:p>
         </p:txBody>
@@ -2693,15 +2815,15 @@
           </a:ln>
         </p:spPr>
         <p:txBody>
-          <a:bodyPr lIns="0" rIns="0" tIns="0" bIns="0" anchor="t">
+          <a:bodyPr lIns="0" tIns="0" rIns="0" bIns="0" anchor="t">
             <a:normAutofit/>
           </a:bodyPr>
           <a:p>
-            <a:endParaRPr b="0" lang="en-US" sz="1400" spc="-1" strike="noStrike">
-              <a:solidFill>
-                <a:srgbClr val="000000"/>
-              </a:solidFill>
-              <a:latin typeface="Arial"/>
+            <a:endParaRPr lang="en-US" sz="1400" b="0" strike="noStrike" spc="-1">
+              <a:solidFill>
+                <a:srgbClr val="000000"/>
+              </a:solidFill>
+              <a:latin typeface="Arial" panose="020B0604020202020204"/>
             </a:endParaRPr>
           </a:p>
         </p:txBody>
@@ -2730,15 +2852,15 @@
           </a:ln>
         </p:spPr>
         <p:txBody>
-          <a:bodyPr lIns="0" rIns="0" tIns="0" bIns="0" anchor="t">
+          <a:bodyPr lIns="0" tIns="0" rIns="0" bIns="0" anchor="t">
             <a:normAutofit/>
           </a:bodyPr>
           <a:p>
-            <a:endParaRPr b="0" lang="en-US" sz="1400" spc="-1" strike="noStrike">
-              <a:solidFill>
-                <a:srgbClr val="000000"/>
-              </a:solidFill>
-              <a:latin typeface="Arial"/>
+            <a:endParaRPr lang="en-US" sz="1400" b="0" strike="noStrike" spc="-1">
+              <a:solidFill>
+                <a:srgbClr val="000000"/>
+              </a:solidFill>
+              <a:latin typeface="Arial" panose="020B0604020202020204"/>
             </a:endParaRPr>
           </a:p>
         </p:txBody>
@@ -2767,15 +2889,15 @@
           </a:ln>
         </p:spPr>
         <p:txBody>
-          <a:bodyPr lIns="0" rIns="0" tIns="0" bIns="0" anchor="t">
+          <a:bodyPr lIns="0" tIns="0" rIns="0" bIns="0" anchor="t">
             <a:normAutofit/>
           </a:bodyPr>
           <a:p>
-            <a:endParaRPr b="0" lang="en-US" sz="1400" spc="-1" strike="noStrike">
-              <a:solidFill>
-                <a:srgbClr val="000000"/>
-              </a:solidFill>
-              <a:latin typeface="Arial"/>
+            <a:endParaRPr lang="en-US" sz="1400" b="0" strike="noStrike" spc="-1">
+              <a:solidFill>
+                <a:srgbClr val="000000"/>
+              </a:solidFill>
+              <a:latin typeface="Arial" panose="020B0604020202020204"/>
             </a:endParaRPr>
           </a:p>
         </p:txBody>
@@ -2815,8 +2937,9 @@
           <a:bodyPr/>
           <a:p>
             <a:fld id="{A8F21233-3696-430D-B81F-F34BDF057DCE}" type="slidenum">
-              <a:t>&lt;#&gt;</a:t>
+              <a:rPr/>
             </a:fld>
+            <a:endParaRPr/>
           </a:p>
         </p:txBody>
       </p:sp>
@@ -2834,20 +2957,20 @@
         <p:txBody>
           <a:bodyPr/>
           <a:p>
-            <a:r>
-              <a:rPr lang="en-US"/>
-              <a:t/>
-            </a:r>
+            <a:endParaRPr lang="en-US"/>
           </a:p>
         </p:txBody>
       </p:sp>
     </p:spTree>
   </p:cSld>
+  <p:clrMapOvr>
+    <a:masterClrMapping/>
+  </p:clrMapOvr>
 </p:sldLayout>
 </file>
 
 <file path=ppt/slideLayouts/slideLayout24.xml><?xml version="1.0" encoding="utf-8"?>
-<p:sldLayout xmlns:a="http://schemas.openxmlformats.org/drawingml/2006/main" xmlns:p="http://schemas.openxmlformats.org/presentationml/2006/main" xmlns:r="http://schemas.openxmlformats.org/officeDocument/2006/relationships" xmlns:p14="http://schemas.microsoft.com/office/powerpoint/2010/main" xmlns:p15="http://schemas.microsoft.com/office/powerpoint/2012/main" xmlns:mc="http://schemas.openxmlformats.org/markup-compatibility/2006" type="blank" preserve="1">
+<p:sldLayout xmlns:a="http://schemas.openxmlformats.org/drawingml/2006/main" xmlns:r="http://schemas.openxmlformats.org/officeDocument/2006/relationships" xmlns:p="http://schemas.openxmlformats.org/presentationml/2006/main" type="blank" preserve="1">
   <p:cSld name="Title, 6 Content">
     <p:spTree>
       <p:nvGrpSpPr>
@@ -2887,15 +3010,15 @@
           </a:ln>
         </p:spPr>
         <p:txBody>
-          <a:bodyPr lIns="0" rIns="0" tIns="0" bIns="0" anchor="ctr">
+          <a:bodyPr lIns="0" tIns="0" rIns="0" bIns="0" anchor="ctr">
             <a:noAutofit/>
           </a:bodyPr>
           <a:p>
-            <a:endParaRPr b="0" lang="en-US" sz="1400" spc="-1" strike="noStrike">
-              <a:solidFill>
-                <a:srgbClr val="000000"/>
-              </a:solidFill>
-              <a:latin typeface="Arial"/>
+            <a:endParaRPr lang="en-US" sz="1400" b="0" strike="noStrike" spc="-1">
+              <a:solidFill>
+                <a:srgbClr val="000000"/>
+              </a:solidFill>
+              <a:latin typeface="Arial" panose="020B0604020202020204"/>
             </a:endParaRPr>
           </a:p>
         </p:txBody>
@@ -2924,15 +3047,15 @@
           </a:ln>
         </p:spPr>
         <p:txBody>
-          <a:bodyPr lIns="0" rIns="0" tIns="0" bIns="0" anchor="t">
+          <a:bodyPr lIns="0" tIns="0" rIns="0" bIns="0" anchor="t">
             <a:normAutofit/>
           </a:bodyPr>
           <a:p>
-            <a:endParaRPr b="0" lang="en-US" sz="1400" spc="-1" strike="noStrike">
-              <a:solidFill>
-                <a:srgbClr val="000000"/>
-              </a:solidFill>
-              <a:latin typeface="Arial"/>
+            <a:endParaRPr lang="en-US" sz="1400" b="0" strike="noStrike" spc="-1">
+              <a:solidFill>
+                <a:srgbClr val="000000"/>
+              </a:solidFill>
+              <a:latin typeface="Arial" panose="020B0604020202020204"/>
             </a:endParaRPr>
           </a:p>
         </p:txBody>
@@ -2961,15 +3084,15 @@
           </a:ln>
         </p:spPr>
         <p:txBody>
-          <a:bodyPr lIns="0" rIns="0" tIns="0" bIns="0" anchor="t">
+          <a:bodyPr lIns="0" tIns="0" rIns="0" bIns="0" anchor="t">
             <a:normAutofit/>
           </a:bodyPr>
           <a:p>
-            <a:endParaRPr b="0" lang="en-US" sz="1400" spc="-1" strike="noStrike">
-              <a:solidFill>
-                <a:srgbClr val="000000"/>
-              </a:solidFill>
-              <a:latin typeface="Arial"/>
+            <a:endParaRPr lang="en-US" sz="1400" b="0" strike="noStrike" spc="-1">
+              <a:solidFill>
+                <a:srgbClr val="000000"/>
+              </a:solidFill>
+              <a:latin typeface="Arial" panose="020B0604020202020204"/>
             </a:endParaRPr>
           </a:p>
         </p:txBody>
@@ -2998,15 +3121,15 @@
           </a:ln>
         </p:spPr>
         <p:txBody>
-          <a:bodyPr lIns="0" rIns="0" tIns="0" bIns="0" anchor="t">
+          <a:bodyPr lIns="0" tIns="0" rIns="0" bIns="0" anchor="t">
             <a:normAutofit/>
           </a:bodyPr>
           <a:p>
-            <a:endParaRPr b="0" lang="en-US" sz="1400" spc="-1" strike="noStrike">
-              <a:solidFill>
-                <a:srgbClr val="000000"/>
-              </a:solidFill>
-              <a:latin typeface="Arial"/>
+            <a:endParaRPr lang="en-US" sz="1400" b="0" strike="noStrike" spc="-1">
+              <a:solidFill>
+                <a:srgbClr val="000000"/>
+              </a:solidFill>
+              <a:latin typeface="Arial" panose="020B0604020202020204"/>
             </a:endParaRPr>
           </a:p>
         </p:txBody>
@@ -3035,15 +3158,15 @@
           </a:ln>
         </p:spPr>
         <p:txBody>
-          <a:bodyPr lIns="0" rIns="0" tIns="0" bIns="0" anchor="t">
+          <a:bodyPr lIns="0" tIns="0" rIns="0" bIns="0" anchor="t">
             <a:normAutofit/>
           </a:bodyPr>
           <a:p>
-            <a:endParaRPr b="0" lang="en-US" sz="1400" spc="-1" strike="noStrike">
-              <a:solidFill>
-                <a:srgbClr val="000000"/>
-              </a:solidFill>
-              <a:latin typeface="Arial"/>
+            <a:endParaRPr lang="en-US" sz="1400" b="0" strike="noStrike" spc="-1">
+              <a:solidFill>
+                <a:srgbClr val="000000"/>
+              </a:solidFill>
+              <a:latin typeface="Arial" panose="020B0604020202020204"/>
             </a:endParaRPr>
           </a:p>
         </p:txBody>
@@ -3072,15 +3195,15 @@
           </a:ln>
         </p:spPr>
         <p:txBody>
-          <a:bodyPr lIns="0" rIns="0" tIns="0" bIns="0" anchor="t">
+          <a:bodyPr lIns="0" tIns="0" rIns="0" bIns="0" anchor="t">
             <a:normAutofit/>
           </a:bodyPr>
           <a:p>
-            <a:endParaRPr b="0" lang="en-US" sz="1400" spc="-1" strike="noStrike">
-              <a:solidFill>
-                <a:srgbClr val="000000"/>
-              </a:solidFill>
-              <a:latin typeface="Arial"/>
+            <a:endParaRPr lang="en-US" sz="1400" b="0" strike="noStrike" spc="-1">
+              <a:solidFill>
+                <a:srgbClr val="000000"/>
+              </a:solidFill>
+              <a:latin typeface="Arial" panose="020B0604020202020204"/>
             </a:endParaRPr>
           </a:p>
         </p:txBody>
@@ -3109,15 +3232,15 @@
           </a:ln>
         </p:spPr>
         <p:txBody>
-          <a:bodyPr lIns="0" rIns="0" tIns="0" bIns="0" anchor="t">
+          <a:bodyPr lIns="0" tIns="0" rIns="0" bIns="0" anchor="t">
             <a:normAutofit/>
           </a:bodyPr>
           <a:p>
-            <a:endParaRPr b="0" lang="en-US" sz="1400" spc="-1" strike="noStrike">
-              <a:solidFill>
-                <a:srgbClr val="000000"/>
-              </a:solidFill>
-              <a:latin typeface="Arial"/>
+            <a:endParaRPr lang="en-US" sz="1400" b="0" strike="noStrike" spc="-1">
+              <a:solidFill>
+                <a:srgbClr val="000000"/>
+              </a:solidFill>
+              <a:latin typeface="Arial" panose="020B0604020202020204"/>
             </a:endParaRPr>
           </a:p>
         </p:txBody>
@@ -3157,8 +3280,9 @@
           <a:bodyPr/>
           <a:p>
             <a:fld id="{BE39539D-08C3-44D6-A799-B2766DCCE0AF}" type="slidenum">
-              <a:t>&lt;#&gt;</a:t>
+              <a:rPr/>
             </a:fld>
+            <a:endParaRPr/>
           </a:p>
         </p:txBody>
       </p:sp>
@@ -3176,20 +3300,20 @@
         <p:txBody>
           <a:bodyPr/>
           <a:p>
-            <a:r>
-              <a:rPr lang="en-US"/>
-              <a:t/>
-            </a:r>
+            <a:endParaRPr lang="en-US"/>
           </a:p>
         </p:txBody>
       </p:sp>
     </p:spTree>
   </p:cSld>
+  <p:clrMapOvr>
+    <a:masterClrMapping/>
+  </p:clrMapOvr>
 </p:sldLayout>
 </file>
 
 <file path=ppt/slideLayouts/slideLayout25.xml><?xml version="1.0" encoding="utf-8"?>
-<p:sldLayout xmlns:a="http://schemas.openxmlformats.org/drawingml/2006/main" xmlns:p="http://schemas.openxmlformats.org/presentationml/2006/main" xmlns:r="http://schemas.openxmlformats.org/officeDocument/2006/relationships" xmlns:p14="http://schemas.microsoft.com/office/powerpoint/2010/main" xmlns:p15="http://schemas.microsoft.com/office/powerpoint/2012/main" xmlns:mc="http://schemas.openxmlformats.org/markup-compatibility/2006" type="blank" preserve="1">
+<p:sldLayout xmlns:a="http://schemas.openxmlformats.org/drawingml/2006/main" xmlns:r="http://schemas.openxmlformats.org/officeDocument/2006/relationships" xmlns:p="http://schemas.openxmlformats.org/presentationml/2006/main" type="blank" preserve="1">
   <p:cSld name="Blank Slide">
     <p:spTree>
       <p:nvGrpSpPr>
@@ -3220,18 +3344,22 @@
           <a:bodyPr/>
           <a:p>
             <a:fld id="{A6B42BEB-F3EF-450C-BD36-8BFC3BB6B7A5}" type="slidenum">
-              <a:t>&lt;#&gt;</a:t>
+              <a:rPr/>
             </a:fld>
+            <a:endParaRPr/>
           </a:p>
         </p:txBody>
       </p:sp>
     </p:spTree>
   </p:cSld>
+  <p:clrMapOvr>
+    <a:masterClrMapping/>
+  </p:clrMapOvr>
 </p:sldLayout>
 </file>
 
 <file path=ppt/slideLayouts/slideLayout26.xml><?xml version="1.0" encoding="utf-8"?>
-<p:sldLayout xmlns:a="http://schemas.openxmlformats.org/drawingml/2006/main" xmlns:p="http://schemas.openxmlformats.org/presentationml/2006/main" xmlns:r="http://schemas.openxmlformats.org/officeDocument/2006/relationships" xmlns:p14="http://schemas.microsoft.com/office/powerpoint/2010/main" xmlns:p15="http://schemas.microsoft.com/office/powerpoint/2012/main" xmlns:mc="http://schemas.openxmlformats.org/markup-compatibility/2006" type="tx" preserve="1">
+<p:sldLayout xmlns:a="http://schemas.openxmlformats.org/drawingml/2006/main" xmlns:r="http://schemas.openxmlformats.org/officeDocument/2006/relationships" xmlns:p="http://schemas.openxmlformats.org/presentationml/2006/main" type="tx" preserve="1">
   <p:cSld name="Title Slide">
     <p:spTree>
       <p:nvGrpSpPr>
@@ -3271,15 +3399,15 @@
           </a:ln>
         </p:spPr>
         <p:txBody>
-          <a:bodyPr lIns="0" rIns="0" tIns="0" bIns="0" anchor="ctr">
+          <a:bodyPr lIns="0" tIns="0" rIns="0" bIns="0" anchor="ctr">
             <a:noAutofit/>
           </a:bodyPr>
           <a:p>
-            <a:endParaRPr b="0" lang="en-US" sz="1400" spc="-1" strike="noStrike">
-              <a:solidFill>
-                <a:srgbClr val="000000"/>
-              </a:solidFill>
-              <a:latin typeface="Arial"/>
+            <a:endParaRPr lang="en-US" sz="1400" b="0" strike="noStrike" spc="-1">
+              <a:solidFill>
+                <a:srgbClr val="000000"/>
+              </a:solidFill>
+              <a:latin typeface="Arial" panose="020B0604020202020204"/>
             </a:endParaRPr>
           </a:p>
         </p:txBody>
@@ -3308,15 +3436,15 @@
           </a:ln>
         </p:spPr>
         <p:txBody>
-          <a:bodyPr lIns="0" rIns="0" tIns="0" bIns="0" anchor="ctr">
+          <a:bodyPr lIns="0" tIns="0" rIns="0" bIns="0" anchor="ctr">
             <a:noAutofit/>
           </a:bodyPr>
           <a:p>
             <a:pPr algn="ctr">
               <a:buNone/>
             </a:pPr>
-            <a:endParaRPr b="0" lang="en-US" sz="3200" spc="-1" strike="noStrike">
-              <a:latin typeface="Arial"/>
+            <a:endParaRPr lang="en-US" sz="3200" b="0" strike="noStrike" spc="-1">
+              <a:latin typeface="Arial" panose="020B0604020202020204"/>
             </a:endParaRPr>
           </a:p>
         </p:txBody>
@@ -3336,18 +3464,22 @@
           <a:bodyPr/>
           <a:p>
             <a:fld id="{5AEB0AED-CC33-4077-BD79-D933E365743D}" type="slidenum">
-              <a:t>&lt;#&gt;</a:t>
+              <a:rPr/>
             </a:fld>
+            <a:endParaRPr/>
           </a:p>
         </p:txBody>
       </p:sp>
     </p:spTree>
   </p:cSld>
+  <p:clrMapOvr>
+    <a:masterClrMapping/>
+  </p:clrMapOvr>
 </p:sldLayout>
 </file>
 
 <file path=ppt/slideLayouts/slideLayout27.xml><?xml version="1.0" encoding="utf-8"?>
-<p:sldLayout xmlns:a="http://schemas.openxmlformats.org/drawingml/2006/main" xmlns:p="http://schemas.openxmlformats.org/presentationml/2006/main" xmlns:r="http://schemas.openxmlformats.org/officeDocument/2006/relationships" xmlns:p14="http://schemas.microsoft.com/office/powerpoint/2010/main" xmlns:p15="http://schemas.microsoft.com/office/powerpoint/2012/main" xmlns:mc="http://schemas.openxmlformats.org/markup-compatibility/2006" type="obj" preserve="1">
+<p:sldLayout xmlns:a="http://schemas.openxmlformats.org/drawingml/2006/main" xmlns:r="http://schemas.openxmlformats.org/officeDocument/2006/relationships" xmlns:p="http://schemas.openxmlformats.org/presentationml/2006/main" type="obj" preserve="1">
   <p:cSld name="Title, Content">
     <p:spTree>
       <p:nvGrpSpPr>
@@ -3387,15 +3519,15 @@
           </a:ln>
         </p:spPr>
         <p:txBody>
-          <a:bodyPr lIns="0" rIns="0" tIns="0" bIns="0" anchor="ctr">
+          <a:bodyPr lIns="0" tIns="0" rIns="0" bIns="0" anchor="ctr">
             <a:noAutofit/>
           </a:bodyPr>
           <a:p>
-            <a:endParaRPr b="0" lang="en-US" sz="1400" spc="-1" strike="noStrike">
-              <a:solidFill>
-                <a:srgbClr val="000000"/>
-              </a:solidFill>
-              <a:latin typeface="Arial"/>
+            <a:endParaRPr lang="en-US" sz="1400" b="0" strike="noStrike" spc="-1">
+              <a:solidFill>
+                <a:srgbClr val="000000"/>
+              </a:solidFill>
+              <a:latin typeface="Arial" panose="020B0604020202020204"/>
             </a:endParaRPr>
           </a:p>
         </p:txBody>
@@ -3424,15 +3556,15 @@
           </a:ln>
         </p:spPr>
         <p:txBody>
-          <a:bodyPr lIns="0" rIns="0" tIns="0" bIns="0" anchor="t">
+          <a:bodyPr lIns="0" tIns="0" rIns="0" bIns="0" anchor="t">
             <a:normAutofit/>
           </a:bodyPr>
           <a:p>
-            <a:endParaRPr b="0" lang="en-US" sz="1400" spc="-1" strike="noStrike">
-              <a:solidFill>
-                <a:srgbClr val="000000"/>
-              </a:solidFill>
-              <a:latin typeface="Arial"/>
+            <a:endParaRPr lang="en-US" sz="1400" b="0" strike="noStrike" spc="-1">
+              <a:solidFill>
+                <a:srgbClr val="000000"/>
+              </a:solidFill>
+              <a:latin typeface="Arial" panose="020B0604020202020204"/>
             </a:endParaRPr>
           </a:p>
         </p:txBody>
@@ -3452,18 +3584,22 @@
           <a:bodyPr/>
           <a:p>
             <a:fld id="{27A850EC-31C1-40BC-8727-01CDFCC4AA38}" type="slidenum">
-              <a:t>&lt;#&gt;</a:t>
+              <a:rPr/>
             </a:fld>
+            <a:endParaRPr/>
           </a:p>
         </p:txBody>
       </p:sp>
     </p:spTree>
   </p:cSld>
+  <p:clrMapOvr>
+    <a:masterClrMapping/>
+  </p:clrMapOvr>
 </p:sldLayout>
 </file>
 
 <file path=ppt/slideLayouts/slideLayout28.xml><?xml version="1.0" encoding="utf-8"?>
-<p:sldLayout xmlns:a="http://schemas.openxmlformats.org/drawingml/2006/main" xmlns:p="http://schemas.openxmlformats.org/presentationml/2006/main" xmlns:r="http://schemas.openxmlformats.org/officeDocument/2006/relationships" xmlns:p14="http://schemas.microsoft.com/office/powerpoint/2010/main" xmlns:p15="http://schemas.microsoft.com/office/powerpoint/2012/main" xmlns:mc="http://schemas.openxmlformats.org/markup-compatibility/2006" type="twoObj" preserve="1">
+<p:sldLayout xmlns:a="http://schemas.openxmlformats.org/drawingml/2006/main" xmlns:r="http://schemas.openxmlformats.org/officeDocument/2006/relationships" xmlns:p="http://schemas.openxmlformats.org/presentationml/2006/main" type="twoObj" preserve="1">
   <p:cSld name="Title, 2 Content">
     <p:spTree>
       <p:nvGrpSpPr>
@@ -3503,15 +3639,15 @@
           </a:ln>
         </p:spPr>
         <p:txBody>
-          <a:bodyPr lIns="0" rIns="0" tIns="0" bIns="0" anchor="ctr">
+          <a:bodyPr lIns="0" tIns="0" rIns="0" bIns="0" anchor="ctr">
             <a:noAutofit/>
           </a:bodyPr>
           <a:p>
-            <a:endParaRPr b="0" lang="en-US" sz="1400" spc="-1" strike="noStrike">
-              <a:solidFill>
-                <a:srgbClr val="000000"/>
-              </a:solidFill>
-              <a:latin typeface="Arial"/>
+            <a:endParaRPr lang="en-US" sz="1400" b="0" strike="noStrike" spc="-1">
+              <a:solidFill>
+                <a:srgbClr val="000000"/>
+              </a:solidFill>
+              <a:latin typeface="Arial" panose="020B0604020202020204"/>
             </a:endParaRPr>
           </a:p>
         </p:txBody>
@@ -3540,15 +3676,15 @@
           </a:ln>
         </p:spPr>
         <p:txBody>
-          <a:bodyPr lIns="0" rIns="0" tIns="0" bIns="0" anchor="t">
+          <a:bodyPr lIns="0" tIns="0" rIns="0" bIns="0" anchor="t">
             <a:normAutofit/>
           </a:bodyPr>
           <a:p>
-            <a:endParaRPr b="0" lang="en-US" sz="1400" spc="-1" strike="noStrike">
-              <a:solidFill>
-                <a:srgbClr val="000000"/>
-              </a:solidFill>
-              <a:latin typeface="Arial"/>
+            <a:endParaRPr lang="en-US" sz="1400" b="0" strike="noStrike" spc="-1">
+              <a:solidFill>
+                <a:srgbClr val="000000"/>
+              </a:solidFill>
+              <a:latin typeface="Arial" panose="020B0604020202020204"/>
             </a:endParaRPr>
           </a:p>
         </p:txBody>
@@ -3577,15 +3713,15 @@
           </a:ln>
         </p:spPr>
         <p:txBody>
-          <a:bodyPr lIns="0" rIns="0" tIns="0" bIns="0" anchor="t">
+          <a:bodyPr lIns="0" tIns="0" rIns="0" bIns="0" anchor="t">
             <a:normAutofit/>
           </a:bodyPr>
           <a:p>
-            <a:endParaRPr b="0" lang="en-US" sz="1400" spc="-1" strike="noStrike">
-              <a:solidFill>
-                <a:srgbClr val="000000"/>
-              </a:solidFill>
-              <a:latin typeface="Arial"/>
+            <a:endParaRPr lang="en-US" sz="1400" b="0" strike="noStrike" spc="-1">
+              <a:solidFill>
+                <a:srgbClr val="000000"/>
+              </a:solidFill>
+              <a:latin typeface="Arial" panose="020B0604020202020204"/>
             </a:endParaRPr>
           </a:p>
         </p:txBody>
@@ -3605,18 +3741,22 @@
           <a:bodyPr/>
           <a:p>
             <a:fld id="{E9BAADBD-8DF6-4561-924D-1C8E9B738E7D}" type="slidenum">
-              <a:t>&lt;#&gt;</a:t>
+              <a:rPr/>
             </a:fld>
+            <a:endParaRPr/>
           </a:p>
         </p:txBody>
       </p:sp>
     </p:spTree>
   </p:cSld>
+  <p:clrMapOvr>
+    <a:masterClrMapping/>
+  </p:clrMapOvr>
 </p:sldLayout>
 </file>
 
 <file path=ppt/slideLayouts/slideLayout29.xml><?xml version="1.0" encoding="utf-8"?>
-<p:sldLayout xmlns:a="http://schemas.openxmlformats.org/drawingml/2006/main" xmlns:p="http://schemas.openxmlformats.org/presentationml/2006/main" xmlns:r="http://schemas.openxmlformats.org/officeDocument/2006/relationships" xmlns:p14="http://schemas.microsoft.com/office/powerpoint/2010/main" xmlns:p15="http://schemas.microsoft.com/office/powerpoint/2012/main" xmlns:mc="http://schemas.openxmlformats.org/markup-compatibility/2006" type="titleOnly" preserve="1">
+<p:sldLayout xmlns:a="http://schemas.openxmlformats.org/drawingml/2006/main" xmlns:r="http://schemas.openxmlformats.org/officeDocument/2006/relationships" xmlns:p="http://schemas.openxmlformats.org/presentationml/2006/main" type="titleOnly" preserve="1">
   <p:cSld name="Title Only">
     <p:spTree>
       <p:nvGrpSpPr>
@@ -3656,15 +3796,15 @@
           </a:ln>
         </p:spPr>
         <p:txBody>
-          <a:bodyPr lIns="0" rIns="0" tIns="0" bIns="0" anchor="ctr">
+          <a:bodyPr lIns="0" tIns="0" rIns="0" bIns="0" anchor="ctr">
             <a:noAutofit/>
           </a:bodyPr>
           <a:p>
-            <a:endParaRPr b="0" lang="en-US" sz="1400" spc="-1" strike="noStrike">
-              <a:solidFill>
-                <a:srgbClr val="000000"/>
-              </a:solidFill>
-              <a:latin typeface="Arial"/>
+            <a:endParaRPr lang="en-US" sz="1400" b="0" strike="noStrike" spc="-1">
+              <a:solidFill>
+                <a:srgbClr val="000000"/>
+              </a:solidFill>
+              <a:latin typeface="Arial" panose="020B0604020202020204"/>
             </a:endParaRPr>
           </a:p>
         </p:txBody>
@@ -3684,18 +3824,22 @@
           <a:bodyPr/>
           <a:p>
             <a:fld id="{4FED238B-0912-47C8-BAD2-2EB0B39BE273}" type="slidenum">
-              <a:t>&lt;#&gt;</a:t>
+              <a:rPr/>
             </a:fld>
+            <a:endParaRPr/>
           </a:p>
         </p:txBody>
       </p:sp>
     </p:spTree>
   </p:cSld>
+  <p:clrMapOvr>
+    <a:masterClrMapping/>
+  </p:clrMapOvr>
 </p:sldLayout>
 </file>
 
 <file path=ppt/slideLayouts/slideLayout3.xml><?xml version="1.0" encoding="utf-8"?>
-<p:sldLayout xmlns:a="http://schemas.openxmlformats.org/drawingml/2006/main" xmlns:p="http://schemas.openxmlformats.org/presentationml/2006/main" xmlns:r="http://schemas.openxmlformats.org/officeDocument/2006/relationships" xmlns:p14="http://schemas.microsoft.com/office/powerpoint/2010/main" xmlns:p15="http://schemas.microsoft.com/office/powerpoint/2012/main" xmlns:mc="http://schemas.openxmlformats.org/markup-compatibility/2006" type="obj" preserve="1">
+<p:sldLayout xmlns:a="http://schemas.openxmlformats.org/drawingml/2006/main" xmlns:r="http://schemas.openxmlformats.org/officeDocument/2006/relationships" xmlns:p="http://schemas.openxmlformats.org/presentationml/2006/main" type="obj" preserve="1">
   <p:cSld name="Title, Content">
     <p:spTree>
       <p:nvGrpSpPr>
@@ -3735,15 +3879,15 @@
           </a:ln>
         </p:spPr>
         <p:txBody>
-          <a:bodyPr lIns="0" rIns="0" tIns="0" bIns="0" anchor="ctr">
+          <a:bodyPr lIns="0" tIns="0" rIns="0" bIns="0" anchor="ctr">
             <a:noAutofit/>
           </a:bodyPr>
           <a:p>
-            <a:endParaRPr b="0" lang="en-US" sz="1400" spc="-1" strike="noStrike">
-              <a:solidFill>
-                <a:srgbClr val="000000"/>
-              </a:solidFill>
-              <a:latin typeface="Arial"/>
+            <a:endParaRPr lang="en-US" sz="1400" b="0" strike="noStrike" spc="-1">
+              <a:solidFill>
+                <a:srgbClr val="000000"/>
+              </a:solidFill>
+              <a:latin typeface="Arial" panose="020B0604020202020204"/>
             </a:endParaRPr>
           </a:p>
         </p:txBody>
@@ -3772,15 +3916,15 @@
           </a:ln>
         </p:spPr>
         <p:txBody>
-          <a:bodyPr lIns="0" rIns="0" tIns="0" bIns="0" anchor="t">
+          <a:bodyPr lIns="0" tIns="0" rIns="0" bIns="0" anchor="t">
             <a:normAutofit/>
           </a:bodyPr>
           <a:p>
-            <a:endParaRPr b="0" lang="en-US" sz="1400" spc="-1" strike="noStrike">
-              <a:solidFill>
-                <a:srgbClr val="000000"/>
-              </a:solidFill>
-              <a:latin typeface="Arial"/>
+            <a:endParaRPr lang="en-US" sz="1400" b="0" strike="noStrike" spc="-1">
+              <a:solidFill>
+                <a:srgbClr val="000000"/>
+              </a:solidFill>
+              <a:latin typeface="Arial" panose="020B0604020202020204"/>
             </a:endParaRPr>
           </a:p>
         </p:txBody>
@@ -3800,18 +3944,22 @@
           <a:bodyPr/>
           <a:p>
             <a:fld id="{CCB87216-A821-47E2-A295-7666025945A7}" type="slidenum">
-              <a:t>&lt;#&gt;</a:t>
+              <a:rPr/>
             </a:fld>
+            <a:endParaRPr/>
           </a:p>
         </p:txBody>
       </p:sp>
     </p:spTree>
   </p:cSld>
+  <p:clrMapOvr>
+    <a:masterClrMapping/>
+  </p:clrMapOvr>
 </p:sldLayout>
 </file>
 
 <file path=ppt/slideLayouts/slideLayout30.xml><?xml version="1.0" encoding="utf-8"?>
-<p:sldLayout xmlns:a="http://schemas.openxmlformats.org/drawingml/2006/main" xmlns:p="http://schemas.openxmlformats.org/presentationml/2006/main" xmlns:r="http://schemas.openxmlformats.org/officeDocument/2006/relationships" xmlns:p14="http://schemas.microsoft.com/office/powerpoint/2010/main" xmlns:p15="http://schemas.microsoft.com/office/powerpoint/2012/main" xmlns:mc="http://schemas.openxmlformats.org/markup-compatibility/2006" type="objOnly" preserve="1">
+<p:sldLayout xmlns:a="http://schemas.openxmlformats.org/drawingml/2006/main" xmlns:r="http://schemas.openxmlformats.org/officeDocument/2006/relationships" xmlns:p="http://schemas.openxmlformats.org/presentationml/2006/main" type="objOnly" preserve="1">
   <p:cSld name="Centered Text">
     <p:spTree>
       <p:nvGrpSpPr>
@@ -3851,15 +3999,15 @@
           </a:ln>
         </p:spPr>
         <p:txBody>
-          <a:bodyPr lIns="0" rIns="0" tIns="0" bIns="0" anchor="ctr">
+          <a:bodyPr lIns="0" tIns="0" rIns="0" bIns="0" anchor="ctr">
             <a:noAutofit/>
           </a:bodyPr>
           <a:p>
             <a:pPr algn="ctr">
               <a:buNone/>
             </a:pPr>
-            <a:endParaRPr b="0" lang="en-US" sz="3200" spc="-1" strike="noStrike">
-              <a:latin typeface="Arial"/>
+            <a:endParaRPr lang="en-US" sz="3200" b="0" strike="noStrike" spc="-1">
+              <a:latin typeface="Arial" panose="020B0604020202020204"/>
             </a:endParaRPr>
           </a:p>
         </p:txBody>
@@ -3879,18 +4027,22 @@
           <a:bodyPr/>
           <a:p>
             <a:fld id="{F4397BD3-7E76-43AC-B5DB-CE492093D575}" type="slidenum">
-              <a:t>&lt;#&gt;</a:t>
+              <a:rPr/>
             </a:fld>
+            <a:endParaRPr/>
           </a:p>
         </p:txBody>
       </p:sp>
     </p:spTree>
   </p:cSld>
+  <p:clrMapOvr>
+    <a:masterClrMapping/>
+  </p:clrMapOvr>
 </p:sldLayout>
 </file>
 
 <file path=ppt/slideLayouts/slideLayout31.xml><?xml version="1.0" encoding="utf-8"?>
-<p:sldLayout xmlns:a="http://schemas.openxmlformats.org/drawingml/2006/main" xmlns:p="http://schemas.openxmlformats.org/presentationml/2006/main" xmlns:r="http://schemas.openxmlformats.org/officeDocument/2006/relationships" xmlns:p14="http://schemas.microsoft.com/office/powerpoint/2010/main" xmlns:p15="http://schemas.microsoft.com/office/powerpoint/2012/main" xmlns:mc="http://schemas.openxmlformats.org/markup-compatibility/2006" type="twoObjAndObj" preserve="1">
+<p:sldLayout xmlns:a="http://schemas.openxmlformats.org/drawingml/2006/main" xmlns:r="http://schemas.openxmlformats.org/officeDocument/2006/relationships" xmlns:p="http://schemas.openxmlformats.org/presentationml/2006/main" type="twoObjAndObj" preserve="1">
   <p:cSld name="Title, 2 Content and Content">
     <p:spTree>
       <p:nvGrpSpPr>
@@ -3930,15 +4082,15 @@
           </a:ln>
         </p:spPr>
         <p:txBody>
-          <a:bodyPr lIns="0" rIns="0" tIns="0" bIns="0" anchor="ctr">
+          <a:bodyPr lIns="0" tIns="0" rIns="0" bIns="0" anchor="ctr">
             <a:noAutofit/>
           </a:bodyPr>
           <a:p>
-            <a:endParaRPr b="0" lang="en-US" sz="1400" spc="-1" strike="noStrike">
-              <a:solidFill>
-                <a:srgbClr val="000000"/>
-              </a:solidFill>
-              <a:latin typeface="Arial"/>
+            <a:endParaRPr lang="en-US" sz="1400" b="0" strike="noStrike" spc="-1">
+              <a:solidFill>
+                <a:srgbClr val="000000"/>
+              </a:solidFill>
+              <a:latin typeface="Arial" panose="020B0604020202020204"/>
             </a:endParaRPr>
           </a:p>
         </p:txBody>
@@ -3967,15 +4119,15 @@
           </a:ln>
         </p:spPr>
         <p:txBody>
-          <a:bodyPr lIns="0" rIns="0" tIns="0" bIns="0" anchor="t">
+          <a:bodyPr lIns="0" tIns="0" rIns="0" bIns="0" anchor="t">
             <a:normAutofit/>
           </a:bodyPr>
           <a:p>
-            <a:endParaRPr b="0" lang="en-US" sz="1400" spc="-1" strike="noStrike">
-              <a:solidFill>
-                <a:srgbClr val="000000"/>
-              </a:solidFill>
-              <a:latin typeface="Arial"/>
+            <a:endParaRPr lang="en-US" sz="1400" b="0" strike="noStrike" spc="-1">
+              <a:solidFill>
+                <a:srgbClr val="000000"/>
+              </a:solidFill>
+              <a:latin typeface="Arial" panose="020B0604020202020204"/>
             </a:endParaRPr>
           </a:p>
         </p:txBody>
@@ -4004,15 +4156,15 @@
           </a:ln>
         </p:spPr>
         <p:txBody>
-          <a:bodyPr lIns="0" rIns="0" tIns="0" bIns="0" anchor="t">
+          <a:bodyPr lIns="0" tIns="0" rIns="0" bIns="0" anchor="t">
             <a:normAutofit/>
           </a:bodyPr>
           <a:p>
-            <a:endParaRPr b="0" lang="en-US" sz="1400" spc="-1" strike="noStrike">
-              <a:solidFill>
-                <a:srgbClr val="000000"/>
-              </a:solidFill>
-              <a:latin typeface="Arial"/>
+            <a:endParaRPr lang="en-US" sz="1400" b="0" strike="noStrike" spc="-1">
+              <a:solidFill>
+                <a:srgbClr val="000000"/>
+              </a:solidFill>
+              <a:latin typeface="Arial" panose="020B0604020202020204"/>
             </a:endParaRPr>
           </a:p>
         </p:txBody>
@@ -4041,15 +4193,15 @@
           </a:ln>
         </p:spPr>
         <p:txBody>
-          <a:bodyPr lIns="0" rIns="0" tIns="0" bIns="0" anchor="t">
+          <a:bodyPr lIns="0" tIns="0" rIns="0" bIns="0" anchor="t">
             <a:normAutofit/>
           </a:bodyPr>
           <a:p>
-            <a:endParaRPr b="0" lang="en-US" sz="1400" spc="-1" strike="noStrike">
-              <a:solidFill>
-                <a:srgbClr val="000000"/>
-              </a:solidFill>
-              <a:latin typeface="Arial"/>
+            <a:endParaRPr lang="en-US" sz="1400" b="0" strike="noStrike" spc="-1">
+              <a:solidFill>
+                <a:srgbClr val="000000"/>
+              </a:solidFill>
+              <a:latin typeface="Arial" panose="020B0604020202020204"/>
             </a:endParaRPr>
           </a:p>
         </p:txBody>
@@ -4069,18 +4221,22 @@
           <a:bodyPr/>
           <a:p>
             <a:fld id="{11BCCD64-5F15-4BCA-BF0D-869C1DEF54FA}" type="slidenum">
-              <a:t>&lt;#&gt;</a:t>
+              <a:rPr/>
             </a:fld>
+            <a:endParaRPr/>
           </a:p>
         </p:txBody>
       </p:sp>
     </p:spTree>
   </p:cSld>
+  <p:clrMapOvr>
+    <a:masterClrMapping/>
+  </p:clrMapOvr>
 </p:sldLayout>
 </file>
 
 <file path=ppt/slideLayouts/slideLayout32.xml><?xml version="1.0" encoding="utf-8"?>
-<p:sldLayout xmlns:a="http://schemas.openxmlformats.org/drawingml/2006/main" xmlns:p="http://schemas.openxmlformats.org/presentationml/2006/main" xmlns:r="http://schemas.openxmlformats.org/officeDocument/2006/relationships" xmlns:p14="http://schemas.microsoft.com/office/powerpoint/2010/main" xmlns:p15="http://schemas.microsoft.com/office/powerpoint/2012/main" xmlns:mc="http://schemas.openxmlformats.org/markup-compatibility/2006" type="objAndTwoObj" preserve="1">
+<p:sldLayout xmlns:a="http://schemas.openxmlformats.org/drawingml/2006/main" xmlns:r="http://schemas.openxmlformats.org/officeDocument/2006/relationships" xmlns:p="http://schemas.openxmlformats.org/presentationml/2006/main" type="objAndTwoObj" preserve="1">
   <p:cSld name="Title Content and 2 Content">
     <p:spTree>
       <p:nvGrpSpPr>
@@ -4120,15 +4276,15 @@
           </a:ln>
         </p:spPr>
         <p:txBody>
-          <a:bodyPr lIns="0" rIns="0" tIns="0" bIns="0" anchor="ctr">
+          <a:bodyPr lIns="0" tIns="0" rIns="0" bIns="0" anchor="ctr">
             <a:noAutofit/>
           </a:bodyPr>
           <a:p>
-            <a:endParaRPr b="0" lang="en-US" sz="1400" spc="-1" strike="noStrike">
-              <a:solidFill>
-                <a:srgbClr val="000000"/>
-              </a:solidFill>
-              <a:latin typeface="Arial"/>
+            <a:endParaRPr lang="en-US" sz="1400" b="0" strike="noStrike" spc="-1">
+              <a:solidFill>
+                <a:srgbClr val="000000"/>
+              </a:solidFill>
+              <a:latin typeface="Arial" panose="020B0604020202020204"/>
             </a:endParaRPr>
           </a:p>
         </p:txBody>
@@ -4157,15 +4313,15 @@
           </a:ln>
         </p:spPr>
         <p:txBody>
-          <a:bodyPr lIns="0" rIns="0" tIns="0" bIns="0" anchor="t">
+          <a:bodyPr lIns="0" tIns="0" rIns="0" bIns="0" anchor="t">
             <a:normAutofit/>
           </a:bodyPr>
           <a:p>
-            <a:endParaRPr b="0" lang="en-US" sz="1400" spc="-1" strike="noStrike">
-              <a:solidFill>
-                <a:srgbClr val="000000"/>
-              </a:solidFill>
-              <a:latin typeface="Arial"/>
+            <a:endParaRPr lang="en-US" sz="1400" b="0" strike="noStrike" spc="-1">
+              <a:solidFill>
+                <a:srgbClr val="000000"/>
+              </a:solidFill>
+              <a:latin typeface="Arial" panose="020B0604020202020204"/>
             </a:endParaRPr>
           </a:p>
         </p:txBody>
@@ -4194,15 +4350,15 @@
           </a:ln>
         </p:spPr>
         <p:txBody>
-          <a:bodyPr lIns="0" rIns="0" tIns="0" bIns="0" anchor="t">
+          <a:bodyPr lIns="0" tIns="0" rIns="0" bIns="0" anchor="t">
             <a:normAutofit/>
           </a:bodyPr>
           <a:p>
-            <a:endParaRPr b="0" lang="en-US" sz="1400" spc="-1" strike="noStrike">
-              <a:solidFill>
-                <a:srgbClr val="000000"/>
-              </a:solidFill>
-              <a:latin typeface="Arial"/>
+            <a:endParaRPr lang="en-US" sz="1400" b="0" strike="noStrike" spc="-1">
+              <a:solidFill>
+                <a:srgbClr val="000000"/>
+              </a:solidFill>
+              <a:latin typeface="Arial" panose="020B0604020202020204"/>
             </a:endParaRPr>
           </a:p>
         </p:txBody>
@@ -4231,15 +4387,15 @@
           </a:ln>
         </p:spPr>
         <p:txBody>
-          <a:bodyPr lIns="0" rIns="0" tIns="0" bIns="0" anchor="t">
+          <a:bodyPr lIns="0" tIns="0" rIns="0" bIns="0" anchor="t">
             <a:normAutofit/>
           </a:bodyPr>
           <a:p>
-            <a:endParaRPr b="0" lang="en-US" sz="1400" spc="-1" strike="noStrike">
-              <a:solidFill>
-                <a:srgbClr val="000000"/>
-              </a:solidFill>
-              <a:latin typeface="Arial"/>
+            <a:endParaRPr lang="en-US" sz="1400" b="0" strike="noStrike" spc="-1">
+              <a:solidFill>
+                <a:srgbClr val="000000"/>
+              </a:solidFill>
+              <a:latin typeface="Arial" panose="020B0604020202020204"/>
             </a:endParaRPr>
           </a:p>
         </p:txBody>
@@ -4259,18 +4415,22 @@
           <a:bodyPr/>
           <a:p>
             <a:fld id="{5B6B7689-244D-4B17-9F37-4AFA5E5EEC0D}" type="slidenum">
-              <a:t>&lt;#&gt;</a:t>
+              <a:rPr/>
             </a:fld>
+            <a:endParaRPr/>
           </a:p>
         </p:txBody>
       </p:sp>
     </p:spTree>
   </p:cSld>
+  <p:clrMapOvr>
+    <a:masterClrMapping/>
+  </p:clrMapOvr>
 </p:sldLayout>
 </file>
 
 <file path=ppt/slideLayouts/slideLayout33.xml><?xml version="1.0" encoding="utf-8"?>
-<p:sldLayout xmlns:a="http://schemas.openxmlformats.org/drawingml/2006/main" xmlns:p="http://schemas.openxmlformats.org/presentationml/2006/main" xmlns:r="http://schemas.openxmlformats.org/officeDocument/2006/relationships" xmlns:p14="http://schemas.microsoft.com/office/powerpoint/2010/main" xmlns:p15="http://schemas.microsoft.com/office/powerpoint/2012/main" xmlns:mc="http://schemas.openxmlformats.org/markup-compatibility/2006" type="twoObjOverTx" preserve="1">
+<p:sldLayout xmlns:a="http://schemas.openxmlformats.org/drawingml/2006/main" xmlns:r="http://schemas.openxmlformats.org/officeDocument/2006/relationships" xmlns:p="http://schemas.openxmlformats.org/presentationml/2006/main" type="twoObjOverTx" preserve="1">
   <p:cSld name="Title, 2 Content over Content">
     <p:spTree>
       <p:nvGrpSpPr>
@@ -4310,15 +4470,15 @@
           </a:ln>
         </p:spPr>
         <p:txBody>
-          <a:bodyPr lIns="0" rIns="0" tIns="0" bIns="0" anchor="ctr">
+          <a:bodyPr lIns="0" tIns="0" rIns="0" bIns="0" anchor="ctr">
             <a:noAutofit/>
           </a:bodyPr>
           <a:p>
-            <a:endParaRPr b="0" lang="en-US" sz="1400" spc="-1" strike="noStrike">
-              <a:solidFill>
-                <a:srgbClr val="000000"/>
-              </a:solidFill>
-              <a:latin typeface="Arial"/>
+            <a:endParaRPr lang="en-US" sz="1400" b="0" strike="noStrike" spc="-1">
+              <a:solidFill>
+                <a:srgbClr val="000000"/>
+              </a:solidFill>
+              <a:latin typeface="Arial" panose="020B0604020202020204"/>
             </a:endParaRPr>
           </a:p>
         </p:txBody>
@@ -4347,15 +4507,15 @@
           </a:ln>
         </p:spPr>
         <p:txBody>
-          <a:bodyPr lIns="0" rIns="0" tIns="0" bIns="0" anchor="t">
+          <a:bodyPr lIns="0" tIns="0" rIns="0" bIns="0" anchor="t">
             <a:normAutofit/>
           </a:bodyPr>
           <a:p>
-            <a:endParaRPr b="0" lang="en-US" sz="1400" spc="-1" strike="noStrike">
-              <a:solidFill>
-                <a:srgbClr val="000000"/>
-              </a:solidFill>
-              <a:latin typeface="Arial"/>
+            <a:endParaRPr lang="en-US" sz="1400" b="0" strike="noStrike" spc="-1">
+              <a:solidFill>
+                <a:srgbClr val="000000"/>
+              </a:solidFill>
+              <a:latin typeface="Arial" panose="020B0604020202020204"/>
             </a:endParaRPr>
           </a:p>
         </p:txBody>
@@ -4384,15 +4544,15 @@
           </a:ln>
         </p:spPr>
         <p:txBody>
-          <a:bodyPr lIns="0" rIns="0" tIns="0" bIns="0" anchor="t">
+          <a:bodyPr lIns="0" tIns="0" rIns="0" bIns="0" anchor="t">
             <a:normAutofit/>
           </a:bodyPr>
           <a:p>
-            <a:endParaRPr b="0" lang="en-US" sz="1400" spc="-1" strike="noStrike">
-              <a:solidFill>
-                <a:srgbClr val="000000"/>
-              </a:solidFill>
-              <a:latin typeface="Arial"/>
+            <a:endParaRPr lang="en-US" sz="1400" b="0" strike="noStrike" spc="-1">
+              <a:solidFill>
+                <a:srgbClr val="000000"/>
+              </a:solidFill>
+              <a:latin typeface="Arial" panose="020B0604020202020204"/>
             </a:endParaRPr>
           </a:p>
         </p:txBody>
@@ -4421,15 +4581,15 @@
           </a:ln>
         </p:spPr>
         <p:txBody>
-          <a:bodyPr lIns="0" rIns="0" tIns="0" bIns="0" anchor="t">
+          <a:bodyPr lIns="0" tIns="0" rIns="0" bIns="0" anchor="t">
             <a:normAutofit/>
           </a:bodyPr>
           <a:p>
-            <a:endParaRPr b="0" lang="en-US" sz="1400" spc="-1" strike="noStrike">
-              <a:solidFill>
-                <a:srgbClr val="000000"/>
-              </a:solidFill>
-              <a:latin typeface="Arial"/>
+            <a:endParaRPr lang="en-US" sz="1400" b="0" strike="noStrike" spc="-1">
+              <a:solidFill>
+                <a:srgbClr val="000000"/>
+              </a:solidFill>
+              <a:latin typeface="Arial" panose="020B0604020202020204"/>
             </a:endParaRPr>
           </a:p>
         </p:txBody>
@@ -4449,18 +4609,22 @@
           <a:bodyPr/>
           <a:p>
             <a:fld id="{767A7EA2-6512-4534-8E49-24435CEE8180}" type="slidenum">
-              <a:t>&lt;#&gt;</a:t>
+              <a:rPr/>
             </a:fld>
+            <a:endParaRPr/>
           </a:p>
         </p:txBody>
       </p:sp>
     </p:spTree>
   </p:cSld>
+  <p:clrMapOvr>
+    <a:masterClrMapping/>
+  </p:clrMapOvr>
 </p:sldLayout>
 </file>
 
 <file path=ppt/slideLayouts/slideLayout34.xml><?xml version="1.0" encoding="utf-8"?>
-<p:sldLayout xmlns:a="http://schemas.openxmlformats.org/drawingml/2006/main" xmlns:p="http://schemas.openxmlformats.org/presentationml/2006/main" xmlns:r="http://schemas.openxmlformats.org/officeDocument/2006/relationships" xmlns:p14="http://schemas.microsoft.com/office/powerpoint/2010/main" xmlns:p15="http://schemas.microsoft.com/office/powerpoint/2012/main" xmlns:mc="http://schemas.openxmlformats.org/markup-compatibility/2006" type="objOverTx" preserve="1">
+<p:sldLayout xmlns:a="http://schemas.openxmlformats.org/drawingml/2006/main" xmlns:r="http://schemas.openxmlformats.org/officeDocument/2006/relationships" xmlns:p="http://schemas.openxmlformats.org/presentationml/2006/main" type="objOverTx" preserve="1">
   <p:cSld name="Title, Content over Content">
     <p:spTree>
       <p:nvGrpSpPr>
@@ -4500,15 +4664,15 @@
           </a:ln>
         </p:spPr>
         <p:txBody>
-          <a:bodyPr lIns="0" rIns="0" tIns="0" bIns="0" anchor="ctr">
+          <a:bodyPr lIns="0" tIns="0" rIns="0" bIns="0" anchor="ctr">
             <a:noAutofit/>
           </a:bodyPr>
           <a:p>
-            <a:endParaRPr b="0" lang="en-US" sz="1400" spc="-1" strike="noStrike">
-              <a:solidFill>
-                <a:srgbClr val="000000"/>
-              </a:solidFill>
-              <a:latin typeface="Arial"/>
+            <a:endParaRPr lang="en-US" sz="1400" b="0" strike="noStrike" spc="-1">
+              <a:solidFill>
+                <a:srgbClr val="000000"/>
+              </a:solidFill>
+              <a:latin typeface="Arial" panose="020B0604020202020204"/>
             </a:endParaRPr>
           </a:p>
         </p:txBody>
@@ -4537,15 +4701,15 @@
           </a:ln>
         </p:spPr>
         <p:txBody>
-          <a:bodyPr lIns="0" rIns="0" tIns="0" bIns="0" anchor="t">
+          <a:bodyPr lIns="0" tIns="0" rIns="0" bIns="0" anchor="t">
             <a:normAutofit/>
           </a:bodyPr>
           <a:p>
-            <a:endParaRPr b="0" lang="en-US" sz="1400" spc="-1" strike="noStrike">
-              <a:solidFill>
-                <a:srgbClr val="000000"/>
-              </a:solidFill>
-              <a:latin typeface="Arial"/>
+            <a:endParaRPr lang="en-US" sz="1400" b="0" strike="noStrike" spc="-1">
+              <a:solidFill>
+                <a:srgbClr val="000000"/>
+              </a:solidFill>
+              <a:latin typeface="Arial" panose="020B0604020202020204"/>
             </a:endParaRPr>
           </a:p>
         </p:txBody>
@@ -4574,15 +4738,15 @@
           </a:ln>
         </p:spPr>
         <p:txBody>
-          <a:bodyPr lIns="0" rIns="0" tIns="0" bIns="0" anchor="t">
+          <a:bodyPr lIns="0" tIns="0" rIns="0" bIns="0" anchor="t">
             <a:normAutofit/>
           </a:bodyPr>
           <a:p>
-            <a:endParaRPr b="0" lang="en-US" sz="1400" spc="-1" strike="noStrike">
-              <a:solidFill>
-                <a:srgbClr val="000000"/>
-              </a:solidFill>
-              <a:latin typeface="Arial"/>
+            <a:endParaRPr lang="en-US" sz="1400" b="0" strike="noStrike" spc="-1">
+              <a:solidFill>
+                <a:srgbClr val="000000"/>
+              </a:solidFill>
+              <a:latin typeface="Arial" panose="020B0604020202020204"/>
             </a:endParaRPr>
           </a:p>
         </p:txBody>
@@ -4602,18 +4766,22 @@
           <a:bodyPr/>
           <a:p>
             <a:fld id="{431D69F3-B830-4052-9D52-62F4D288B535}" type="slidenum">
-              <a:t>&lt;#&gt;</a:t>
+              <a:rPr/>
             </a:fld>
+            <a:endParaRPr/>
           </a:p>
         </p:txBody>
       </p:sp>
     </p:spTree>
   </p:cSld>
+  <p:clrMapOvr>
+    <a:masterClrMapping/>
+  </p:clrMapOvr>
 </p:sldLayout>
 </file>
 
 <file path=ppt/slideLayouts/slideLayout35.xml><?xml version="1.0" encoding="utf-8"?>
-<p:sldLayout xmlns:a="http://schemas.openxmlformats.org/drawingml/2006/main" xmlns:p="http://schemas.openxmlformats.org/presentationml/2006/main" xmlns:r="http://schemas.openxmlformats.org/officeDocument/2006/relationships" xmlns:p14="http://schemas.microsoft.com/office/powerpoint/2010/main" xmlns:p15="http://schemas.microsoft.com/office/powerpoint/2012/main" xmlns:mc="http://schemas.openxmlformats.org/markup-compatibility/2006" type="fourObj" preserve="1">
+<p:sldLayout xmlns:a="http://schemas.openxmlformats.org/drawingml/2006/main" xmlns:r="http://schemas.openxmlformats.org/officeDocument/2006/relationships" xmlns:p="http://schemas.openxmlformats.org/presentationml/2006/main" type="fourObj" preserve="1">
   <p:cSld name="Title, 4 Content">
     <p:spTree>
       <p:nvGrpSpPr>
@@ -4653,15 +4821,15 @@
           </a:ln>
         </p:spPr>
         <p:txBody>
-          <a:bodyPr lIns="0" rIns="0" tIns="0" bIns="0" anchor="ctr">
+          <a:bodyPr lIns="0" tIns="0" rIns="0" bIns="0" anchor="ctr">
             <a:noAutofit/>
           </a:bodyPr>
           <a:p>
-            <a:endParaRPr b="0" lang="en-US" sz="1400" spc="-1" strike="noStrike">
-              <a:solidFill>
-                <a:srgbClr val="000000"/>
-              </a:solidFill>
-              <a:latin typeface="Arial"/>
+            <a:endParaRPr lang="en-US" sz="1400" b="0" strike="noStrike" spc="-1">
+              <a:solidFill>
+                <a:srgbClr val="000000"/>
+              </a:solidFill>
+              <a:latin typeface="Arial" panose="020B0604020202020204"/>
             </a:endParaRPr>
           </a:p>
         </p:txBody>
@@ -4690,15 +4858,15 @@
           </a:ln>
         </p:spPr>
         <p:txBody>
-          <a:bodyPr lIns="0" rIns="0" tIns="0" bIns="0" anchor="t">
+          <a:bodyPr lIns="0" tIns="0" rIns="0" bIns="0" anchor="t">
             <a:normAutofit/>
           </a:bodyPr>
           <a:p>
-            <a:endParaRPr b="0" lang="en-US" sz="1400" spc="-1" strike="noStrike">
-              <a:solidFill>
-                <a:srgbClr val="000000"/>
-              </a:solidFill>
-              <a:latin typeface="Arial"/>
+            <a:endParaRPr lang="en-US" sz="1400" b="0" strike="noStrike" spc="-1">
+              <a:solidFill>
+                <a:srgbClr val="000000"/>
+              </a:solidFill>
+              <a:latin typeface="Arial" panose="020B0604020202020204"/>
             </a:endParaRPr>
           </a:p>
         </p:txBody>
@@ -4727,15 +4895,15 @@
           </a:ln>
         </p:spPr>
         <p:txBody>
-          <a:bodyPr lIns="0" rIns="0" tIns="0" bIns="0" anchor="t">
+          <a:bodyPr lIns="0" tIns="0" rIns="0" bIns="0" anchor="t">
             <a:normAutofit/>
           </a:bodyPr>
           <a:p>
-            <a:endParaRPr b="0" lang="en-US" sz="1400" spc="-1" strike="noStrike">
-              <a:solidFill>
-                <a:srgbClr val="000000"/>
-              </a:solidFill>
-              <a:latin typeface="Arial"/>
+            <a:endParaRPr lang="en-US" sz="1400" b="0" strike="noStrike" spc="-1">
+              <a:solidFill>
+                <a:srgbClr val="000000"/>
+              </a:solidFill>
+              <a:latin typeface="Arial" panose="020B0604020202020204"/>
             </a:endParaRPr>
           </a:p>
         </p:txBody>
@@ -4764,15 +4932,15 @@
           </a:ln>
         </p:spPr>
         <p:txBody>
-          <a:bodyPr lIns="0" rIns="0" tIns="0" bIns="0" anchor="t">
+          <a:bodyPr lIns="0" tIns="0" rIns="0" bIns="0" anchor="t">
             <a:normAutofit/>
           </a:bodyPr>
           <a:p>
-            <a:endParaRPr b="0" lang="en-US" sz="1400" spc="-1" strike="noStrike">
-              <a:solidFill>
-                <a:srgbClr val="000000"/>
-              </a:solidFill>
-              <a:latin typeface="Arial"/>
+            <a:endParaRPr lang="en-US" sz="1400" b="0" strike="noStrike" spc="-1">
+              <a:solidFill>
+                <a:srgbClr val="000000"/>
+              </a:solidFill>
+              <a:latin typeface="Arial" panose="020B0604020202020204"/>
             </a:endParaRPr>
           </a:p>
         </p:txBody>
@@ -4801,15 +4969,15 @@
           </a:ln>
         </p:spPr>
         <p:txBody>
-          <a:bodyPr lIns="0" rIns="0" tIns="0" bIns="0" anchor="t">
+          <a:bodyPr lIns="0" tIns="0" rIns="0" bIns="0" anchor="t">
             <a:normAutofit/>
           </a:bodyPr>
           <a:p>
-            <a:endParaRPr b="0" lang="en-US" sz="1400" spc="-1" strike="noStrike">
-              <a:solidFill>
-                <a:srgbClr val="000000"/>
-              </a:solidFill>
-              <a:latin typeface="Arial"/>
+            <a:endParaRPr lang="en-US" sz="1400" b="0" strike="noStrike" spc="-1">
+              <a:solidFill>
+                <a:srgbClr val="000000"/>
+              </a:solidFill>
+              <a:latin typeface="Arial" panose="020B0604020202020204"/>
             </a:endParaRPr>
           </a:p>
         </p:txBody>
@@ -4829,18 +4997,22 @@
           <a:bodyPr/>
           <a:p>
             <a:fld id="{EBB8FD1B-7AC8-4B3C-8F4B-7F49DEC2569F}" type="slidenum">
-              <a:t>&lt;#&gt;</a:t>
+              <a:rPr/>
             </a:fld>
+            <a:endParaRPr/>
           </a:p>
         </p:txBody>
       </p:sp>
     </p:spTree>
   </p:cSld>
+  <p:clrMapOvr>
+    <a:masterClrMapping/>
+  </p:clrMapOvr>
 </p:sldLayout>
 </file>
 
 <file path=ppt/slideLayouts/slideLayout36.xml><?xml version="1.0" encoding="utf-8"?>
-<p:sldLayout xmlns:a="http://schemas.openxmlformats.org/drawingml/2006/main" xmlns:p="http://schemas.openxmlformats.org/presentationml/2006/main" xmlns:r="http://schemas.openxmlformats.org/officeDocument/2006/relationships" xmlns:p14="http://schemas.microsoft.com/office/powerpoint/2010/main" xmlns:p15="http://schemas.microsoft.com/office/powerpoint/2012/main" xmlns:mc="http://schemas.openxmlformats.org/markup-compatibility/2006" type="blank" preserve="1">
+<p:sldLayout xmlns:a="http://schemas.openxmlformats.org/drawingml/2006/main" xmlns:r="http://schemas.openxmlformats.org/officeDocument/2006/relationships" xmlns:p="http://schemas.openxmlformats.org/presentationml/2006/main" type="blank" preserve="1">
   <p:cSld name="Title, 6 Content">
     <p:spTree>
       <p:nvGrpSpPr>
@@ -4880,15 +5052,15 @@
           </a:ln>
         </p:spPr>
         <p:txBody>
-          <a:bodyPr lIns="0" rIns="0" tIns="0" bIns="0" anchor="ctr">
+          <a:bodyPr lIns="0" tIns="0" rIns="0" bIns="0" anchor="ctr">
             <a:noAutofit/>
           </a:bodyPr>
           <a:p>
-            <a:endParaRPr b="0" lang="en-US" sz="1400" spc="-1" strike="noStrike">
-              <a:solidFill>
-                <a:srgbClr val="000000"/>
-              </a:solidFill>
-              <a:latin typeface="Arial"/>
+            <a:endParaRPr lang="en-US" sz="1400" b="0" strike="noStrike" spc="-1">
+              <a:solidFill>
+                <a:srgbClr val="000000"/>
+              </a:solidFill>
+              <a:latin typeface="Arial" panose="020B0604020202020204"/>
             </a:endParaRPr>
           </a:p>
         </p:txBody>
@@ -4917,15 +5089,15 @@
           </a:ln>
         </p:spPr>
         <p:txBody>
-          <a:bodyPr lIns="0" rIns="0" tIns="0" bIns="0" anchor="t">
+          <a:bodyPr lIns="0" tIns="0" rIns="0" bIns="0" anchor="t">
             <a:normAutofit/>
           </a:bodyPr>
           <a:p>
-            <a:endParaRPr b="0" lang="en-US" sz="1400" spc="-1" strike="noStrike">
-              <a:solidFill>
-                <a:srgbClr val="000000"/>
-              </a:solidFill>
-              <a:latin typeface="Arial"/>
+            <a:endParaRPr lang="en-US" sz="1400" b="0" strike="noStrike" spc="-1">
+              <a:solidFill>
+                <a:srgbClr val="000000"/>
+              </a:solidFill>
+              <a:latin typeface="Arial" panose="020B0604020202020204"/>
             </a:endParaRPr>
           </a:p>
         </p:txBody>
@@ -4954,15 +5126,15 @@
           </a:ln>
         </p:spPr>
         <p:txBody>
-          <a:bodyPr lIns="0" rIns="0" tIns="0" bIns="0" anchor="t">
+          <a:bodyPr lIns="0" tIns="0" rIns="0" bIns="0" anchor="t">
             <a:normAutofit/>
           </a:bodyPr>
           <a:p>
-            <a:endParaRPr b="0" lang="en-US" sz="1400" spc="-1" strike="noStrike">
-              <a:solidFill>
-                <a:srgbClr val="000000"/>
-              </a:solidFill>
-              <a:latin typeface="Arial"/>
+            <a:endParaRPr lang="en-US" sz="1400" b="0" strike="noStrike" spc="-1">
+              <a:solidFill>
+                <a:srgbClr val="000000"/>
+              </a:solidFill>
+              <a:latin typeface="Arial" panose="020B0604020202020204"/>
             </a:endParaRPr>
           </a:p>
         </p:txBody>
@@ -4991,15 +5163,15 @@
           </a:ln>
         </p:spPr>
         <p:txBody>
-          <a:bodyPr lIns="0" rIns="0" tIns="0" bIns="0" anchor="t">
+          <a:bodyPr lIns="0" tIns="0" rIns="0" bIns="0" anchor="t">
             <a:normAutofit/>
           </a:bodyPr>
           <a:p>
-            <a:endParaRPr b="0" lang="en-US" sz="1400" spc="-1" strike="noStrike">
-              <a:solidFill>
-                <a:srgbClr val="000000"/>
-              </a:solidFill>
-              <a:latin typeface="Arial"/>
+            <a:endParaRPr lang="en-US" sz="1400" b="0" strike="noStrike" spc="-1">
+              <a:solidFill>
+                <a:srgbClr val="000000"/>
+              </a:solidFill>
+              <a:latin typeface="Arial" panose="020B0604020202020204"/>
             </a:endParaRPr>
           </a:p>
         </p:txBody>
@@ -5028,15 +5200,15 @@
           </a:ln>
         </p:spPr>
         <p:txBody>
-          <a:bodyPr lIns="0" rIns="0" tIns="0" bIns="0" anchor="t">
+          <a:bodyPr lIns="0" tIns="0" rIns="0" bIns="0" anchor="t">
             <a:normAutofit/>
           </a:bodyPr>
           <a:p>
-            <a:endParaRPr b="0" lang="en-US" sz="1400" spc="-1" strike="noStrike">
-              <a:solidFill>
-                <a:srgbClr val="000000"/>
-              </a:solidFill>
-              <a:latin typeface="Arial"/>
+            <a:endParaRPr lang="en-US" sz="1400" b="0" strike="noStrike" spc="-1">
+              <a:solidFill>
+                <a:srgbClr val="000000"/>
+              </a:solidFill>
+              <a:latin typeface="Arial" panose="020B0604020202020204"/>
             </a:endParaRPr>
           </a:p>
         </p:txBody>
@@ -5065,15 +5237,15 @@
           </a:ln>
         </p:spPr>
         <p:txBody>
-          <a:bodyPr lIns="0" rIns="0" tIns="0" bIns="0" anchor="t">
+          <a:bodyPr lIns="0" tIns="0" rIns="0" bIns="0" anchor="t">
             <a:normAutofit/>
           </a:bodyPr>
           <a:p>
-            <a:endParaRPr b="0" lang="en-US" sz="1400" spc="-1" strike="noStrike">
-              <a:solidFill>
-                <a:srgbClr val="000000"/>
-              </a:solidFill>
-              <a:latin typeface="Arial"/>
+            <a:endParaRPr lang="en-US" sz="1400" b="0" strike="noStrike" spc="-1">
+              <a:solidFill>
+                <a:srgbClr val="000000"/>
+              </a:solidFill>
+              <a:latin typeface="Arial" panose="020B0604020202020204"/>
             </a:endParaRPr>
           </a:p>
         </p:txBody>
@@ -5102,15 +5274,15 @@
           </a:ln>
         </p:spPr>
         <p:txBody>
-          <a:bodyPr lIns="0" rIns="0" tIns="0" bIns="0" anchor="t">
+          <a:bodyPr lIns="0" tIns="0" rIns="0" bIns="0" anchor="t">
             <a:normAutofit/>
           </a:bodyPr>
           <a:p>
-            <a:endParaRPr b="0" lang="en-US" sz="1400" spc="-1" strike="noStrike">
-              <a:solidFill>
-                <a:srgbClr val="000000"/>
-              </a:solidFill>
-              <a:latin typeface="Arial"/>
+            <a:endParaRPr lang="en-US" sz="1400" b="0" strike="noStrike" spc="-1">
+              <a:solidFill>
+                <a:srgbClr val="000000"/>
+              </a:solidFill>
+              <a:latin typeface="Arial" panose="020B0604020202020204"/>
             </a:endParaRPr>
           </a:p>
         </p:txBody>
@@ -5130,18 +5302,22 @@
           <a:bodyPr/>
           <a:p>
             <a:fld id="{7A52C060-3D08-428D-ABD1-BEF00E110A53}" type="slidenum">
-              <a:t>&lt;#&gt;</a:t>
+              <a:rPr/>
             </a:fld>
+            <a:endParaRPr/>
           </a:p>
         </p:txBody>
       </p:sp>
     </p:spTree>
   </p:cSld>
+  <p:clrMapOvr>
+    <a:masterClrMapping/>
+  </p:clrMapOvr>
 </p:sldLayout>
 </file>
 
 <file path=ppt/slideLayouts/slideLayout4.xml><?xml version="1.0" encoding="utf-8"?>
-<p:sldLayout xmlns:a="http://schemas.openxmlformats.org/drawingml/2006/main" xmlns:p="http://schemas.openxmlformats.org/presentationml/2006/main" xmlns:r="http://schemas.openxmlformats.org/officeDocument/2006/relationships" xmlns:p14="http://schemas.microsoft.com/office/powerpoint/2010/main" xmlns:p15="http://schemas.microsoft.com/office/powerpoint/2012/main" xmlns:mc="http://schemas.openxmlformats.org/markup-compatibility/2006" type="twoObj" preserve="1">
+<p:sldLayout xmlns:a="http://schemas.openxmlformats.org/drawingml/2006/main" xmlns:r="http://schemas.openxmlformats.org/officeDocument/2006/relationships" xmlns:p="http://schemas.openxmlformats.org/presentationml/2006/main" type="twoObj" preserve="1">
   <p:cSld name="Title, 2 Content">
     <p:spTree>
       <p:nvGrpSpPr>
@@ -5181,15 +5357,15 @@
           </a:ln>
         </p:spPr>
         <p:txBody>
-          <a:bodyPr lIns="0" rIns="0" tIns="0" bIns="0" anchor="ctr">
+          <a:bodyPr lIns="0" tIns="0" rIns="0" bIns="0" anchor="ctr">
             <a:noAutofit/>
           </a:bodyPr>
           <a:p>
-            <a:endParaRPr b="0" lang="en-US" sz="1400" spc="-1" strike="noStrike">
-              <a:solidFill>
-                <a:srgbClr val="000000"/>
-              </a:solidFill>
-              <a:latin typeface="Arial"/>
+            <a:endParaRPr lang="en-US" sz="1400" b="0" strike="noStrike" spc="-1">
+              <a:solidFill>
+                <a:srgbClr val="000000"/>
+              </a:solidFill>
+              <a:latin typeface="Arial" panose="020B0604020202020204"/>
             </a:endParaRPr>
           </a:p>
         </p:txBody>
@@ -5218,15 +5394,15 @@
           </a:ln>
         </p:spPr>
         <p:txBody>
-          <a:bodyPr lIns="0" rIns="0" tIns="0" bIns="0" anchor="t">
+          <a:bodyPr lIns="0" tIns="0" rIns="0" bIns="0" anchor="t">
             <a:normAutofit/>
           </a:bodyPr>
           <a:p>
-            <a:endParaRPr b="0" lang="en-US" sz="1400" spc="-1" strike="noStrike">
-              <a:solidFill>
-                <a:srgbClr val="000000"/>
-              </a:solidFill>
-              <a:latin typeface="Arial"/>
+            <a:endParaRPr lang="en-US" sz="1400" b="0" strike="noStrike" spc="-1">
+              <a:solidFill>
+                <a:srgbClr val="000000"/>
+              </a:solidFill>
+              <a:latin typeface="Arial" panose="020B0604020202020204"/>
             </a:endParaRPr>
           </a:p>
         </p:txBody>
@@ -5255,15 +5431,15 @@
           </a:ln>
         </p:spPr>
         <p:txBody>
-          <a:bodyPr lIns="0" rIns="0" tIns="0" bIns="0" anchor="t">
+          <a:bodyPr lIns="0" tIns="0" rIns="0" bIns="0" anchor="t">
             <a:normAutofit/>
           </a:bodyPr>
           <a:p>
-            <a:endParaRPr b="0" lang="en-US" sz="1400" spc="-1" strike="noStrike">
-              <a:solidFill>
-                <a:srgbClr val="000000"/>
-              </a:solidFill>
-              <a:latin typeface="Arial"/>
+            <a:endParaRPr lang="en-US" sz="1400" b="0" strike="noStrike" spc="-1">
+              <a:solidFill>
+                <a:srgbClr val="000000"/>
+              </a:solidFill>
+              <a:latin typeface="Arial" panose="020B0604020202020204"/>
             </a:endParaRPr>
           </a:p>
         </p:txBody>
@@ -5283,18 +5459,22 @@
           <a:bodyPr/>
           <a:p>
             <a:fld id="{47DDD11F-AF1D-486D-8BA7-096CE8A370B2}" type="slidenum">
-              <a:t>&lt;#&gt;</a:t>
+              <a:rPr/>
             </a:fld>
+            <a:endParaRPr/>
           </a:p>
         </p:txBody>
       </p:sp>
     </p:spTree>
   </p:cSld>
+  <p:clrMapOvr>
+    <a:masterClrMapping/>
+  </p:clrMapOvr>
 </p:sldLayout>
 </file>
 
 <file path=ppt/slideLayouts/slideLayout5.xml><?xml version="1.0" encoding="utf-8"?>
-<p:sldLayout xmlns:a="http://schemas.openxmlformats.org/drawingml/2006/main" xmlns:p="http://schemas.openxmlformats.org/presentationml/2006/main" xmlns:r="http://schemas.openxmlformats.org/officeDocument/2006/relationships" xmlns:p14="http://schemas.microsoft.com/office/powerpoint/2010/main" xmlns:p15="http://schemas.microsoft.com/office/powerpoint/2012/main" xmlns:mc="http://schemas.openxmlformats.org/markup-compatibility/2006" type="titleOnly" preserve="1">
+<p:sldLayout xmlns:a="http://schemas.openxmlformats.org/drawingml/2006/main" xmlns:r="http://schemas.openxmlformats.org/officeDocument/2006/relationships" xmlns:p="http://schemas.openxmlformats.org/presentationml/2006/main" type="titleOnly" preserve="1">
   <p:cSld name="Title Only">
     <p:spTree>
       <p:nvGrpSpPr>
@@ -5334,15 +5514,15 @@
           </a:ln>
         </p:spPr>
         <p:txBody>
-          <a:bodyPr lIns="0" rIns="0" tIns="0" bIns="0" anchor="ctr">
+          <a:bodyPr lIns="0" tIns="0" rIns="0" bIns="0" anchor="ctr">
             <a:noAutofit/>
           </a:bodyPr>
           <a:p>
-            <a:endParaRPr b="0" lang="en-US" sz="1400" spc="-1" strike="noStrike">
-              <a:solidFill>
-                <a:srgbClr val="000000"/>
-              </a:solidFill>
-              <a:latin typeface="Arial"/>
+            <a:endParaRPr lang="en-US" sz="1400" b="0" strike="noStrike" spc="-1">
+              <a:solidFill>
+                <a:srgbClr val="000000"/>
+              </a:solidFill>
+              <a:latin typeface="Arial" panose="020B0604020202020204"/>
             </a:endParaRPr>
           </a:p>
         </p:txBody>
@@ -5362,18 +5542,22 @@
           <a:bodyPr/>
           <a:p>
             <a:fld id="{CDF25BC1-E58E-4216-8DB0-35D53A2A82DC}" type="slidenum">
-              <a:t>&lt;#&gt;</a:t>
+              <a:rPr/>
             </a:fld>
+            <a:endParaRPr/>
           </a:p>
         </p:txBody>
       </p:sp>
     </p:spTree>
   </p:cSld>
+  <p:clrMapOvr>
+    <a:masterClrMapping/>
+  </p:clrMapOvr>
 </p:sldLayout>
 </file>
 
 <file path=ppt/slideLayouts/slideLayout6.xml><?xml version="1.0" encoding="utf-8"?>
-<p:sldLayout xmlns:a="http://schemas.openxmlformats.org/drawingml/2006/main" xmlns:p="http://schemas.openxmlformats.org/presentationml/2006/main" xmlns:r="http://schemas.openxmlformats.org/officeDocument/2006/relationships" xmlns:p14="http://schemas.microsoft.com/office/powerpoint/2010/main" xmlns:p15="http://schemas.microsoft.com/office/powerpoint/2012/main" xmlns:mc="http://schemas.openxmlformats.org/markup-compatibility/2006" type="objOnly" preserve="1">
+<p:sldLayout xmlns:a="http://schemas.openxmlformats.org/drawingml/2006/main" xmlns:r="http://schemas.openxmlformats.org/officeDocument/2006/relationships" xmlns:p="http://schemas.openxmlformats.org/presentationml/2006/main" type="objOnly" preserve="1">
   <p:cSld name="Centered Text">
     <p:spTree>
       <p:nvGrpSpPr>
@@ -5413,15 +5597,15 @@
           </a:ln>
         </p:spPr>
         <p:txBody>
-          <a:bodyPr lIns="0" rIns="0" tIns="0" bIns="0" anchor="ctr">
+          <a:bodyPr lIns="0" tIns="0" rIns="0" bIns="0" anchor="ctr">
             <a:noAutofit/>
           </a:bodyPr>
           <a:p>
             <a:pPr algn="ctr">
               <a:buNone/>
             </a:pPr>
-            <a:endParaRPr b="0" lang="en-US" sz="3200" spc="-1" strike="noStrike">
-              <a:latin typeface="Arial"/>
+            <a:endParaRPr lang="en-US" sz="3200" b="0" strike="noStrike" spc="-1">
+              <a:latin typeface="Arial" panose="020B0604020202020204"/>
             </a:endParaRPr>
           </a:p>
         </p:txBody>
@@ -5441,18 +5625,22 @@
           <a:bodyPr/>
           <a:p>
             <a:fld id="{9CA92975-EF96-488A-948A-2B722DEF1295}" type="slidenum">
-              <a:t>&lt;#&gt;</a:t>
+              <a:rPr/>
             </a:fld>
+            <a:endParaRPr/>
           </a:p>
         </p:txBody>
       </p:sp>
     </p:spTree>
   </p:cSld>
+  <p:clrMapOvr>
+    <a:masterClrMapping/>
+  </p:clrMapOvr>
 </p:sldLayout>
 </file>
 
 <file path=ppt/slideLayouts/slideLayout7.xml><?xml version="1.0" encoding="utf-8"?>
-<p:sldLayout xmlns:a="http://schemas.openxmlformats.org/drawingml/2006/main" xmlns:p="http://schemas.openxmlformats.org/presentationml/2006/main" xmlns:r="http://schemas.openxmlformats.org/officeDocument/2006/relationships" xmlns:p14="http://schemas.microsoft.com/office/powerpoint/2010/main" xmlns:p15="http://schemas.microsoft.com/office/powerpoint/2012/main" xmlns:mc="http://schemas.openxmlformats.org/markup-compatibility/2006" type="twoObjAndObj" preserve="1">
+<p:sldLayout xmlns:a="http://schemas.openxmlformats.org/drawingml/2006/main" xmlns:r="http://schemas.openxmlformats.org/officeDocument/2006/relationships" xmlns:p="http://schemas.openxmlformats.org/presentationml/2006/main" type="twoObjAndObj" preserve="1">
   <p:cSld name="Title, 2 Content and Content">
     <p:spTree>
       <p:nvGrpSpPr>
@@ -5492,15 +5680,15 @@
           </a:ln>
         </p:spPr>
         <p:txBody>
-          <a:bodyPr lIns="0" rIns="0" tIns="0" bIns="0" anchor="ctr">
+          <a:bodyPr lIns="0" tIns="0" rIns="0" bIns="0" anchor="ctr">
             <a:noAutofit/>
           </a:bodyPr>
           <a:p>
-            <a:endParaRPr b="0" lang="en-US" sz="1400" spc="-1" strike="noStrike">
-              <a:solidFill>
-                <a:srgbClr val="000000"/>
-              </a:solidFill>
-              <a:latin typeface="Arial"/>
+            <a:endParaRPr lang="en-US" sz="1400" b="0" strike="noStrike" spc="-1">
+              <a:solidFill>
+                <a:srgbClr val="000000"/>
+              </a:solidFill>
+              <a:latin typeface="Arial" panose="020B0604020202020204"/>
             </a:endParaRPr>
           </a:p>
         </p:txBody>
@@ -5529,15 +5717,15 @@
           </a:ln>
         </p:spPr>
         <p:txBody>
-          <a:bodyPr lIns="0" rIns="0" tIns="0" bIns="0" anchor="t">
+          <a:bodyPr lIns="0" tIns="0" rIns="0" bIns="0" anchor="t">
             <a:normAutofit/>
           </a:bodyPr>
           <a:p>
-            <a:endParaRPr b="0" lang="en-US" sz="1400" spc="-1" strike="noStrike">
-              <a:solidFill>
-                <a:srgbClr val="000000"/>
-              </a:solidFill>
-              <a:latin typeface="Arial"/>
+            <a:endParaRPr lang="en-US" sz="1400" b="0" strike="noStrike" spc="-1">
+              <a:solidFill>
+                <a:srgbClr val="000000"/>
+              </a:solidFill>
+              <a:latin typeface="Arial" panose="020B0604020202020204"/>
             </a:endParaRPr>
           </a:p>
         </p:txBody>
@@ -5566,15 +5754,15 @@
           </a:ln>
         </p:spPr>
         <p:txBody>
-          <a:bodyPr lIns="0" rIns="0" tIns="0" bIns="0" anchor="t">
+          <a:bodyPr lIns="0" tIns="0" rIns="0" bIns="0" anchor="t">
             <a:normAutofit/>
           </a:bodyPr>
           <a:p>
-            <a:endParaRPr b="0" lang="en-US" sz="1400" spc="-1" strike="noStrike">
-              <a:solidFill>
-                <a:srgbClr val="000000"/>
-              </a:solidFill>
-              <a:latin typeface="Arial"/>
+            <a:endParaRPr lang="en-US" sz="1400" b="0" strike="noStrike" spc="-1">
+              <a:solidFill>
+                <a:srgbClr val="000000"/>
+              </a:solidFill>
+              <a:latin typeface="Arial" panose="020B0604020202020204"/>
             </a:endParaRPr>
           </a:p>
         </p:txBody>
@@ -5603,15 +5791,15 @@
           </a:ln>
         </p:spPr>
         <p:txBody>
-          <a:bodyPr lIns="0" rIns="0" tIns="0" bIns="0" anchor="t">
+          <a:bodyPr lIns="0" tIns="0" rIns="0" bIns="0" anchor="t">
             <a:normAutofit/>
           </a:bodyPr>
           <a:p>
-            <a:endParaRPr b="0" lang="en-US" sz="1400" spc="-1" strike="noStrike">
-              <a:solidFill>
-                <a:srgbClr val="000000"/>
-              </a:solidFill>
-              <a:latin typeface="Arial"/>
+            <a:endParaRPr lang="en-US" sz="1400" b="0" strike="noStrike" spc="-1">
+              <a:solidFill>
+                <a:srgbClr val="000000"/>
+              </a:solidFill>
+              <a:latin typeface="Arial" panose="020B0604020202020204"/>
             </a:endParaRPr>
           </a:p>
         </p:txBody>
@@ -5631,18 +5819,22 @@
           <a:bodyPr/>
           <a:p>
             <a:fld id="{4532D06E-C616-4AD6-94E2-FE0777B3A7F2}" type="slidenum">
-              <a:t>&lt;#&gt;</a:t>
+              <a:rPr/>
             </a:fld>
+            <a:endParaRPr/>
           </a:p>
         </p:txBody>
       </p:sp>
     </p:spTree>
   </p:cSld>
+  <p:clrMapOvr>
+    <a:masterClrMapping/>
+  </p:clrMapOvr>
 </p:sldLayout>
 </file>
 
 <file path=ppt/slideLayouts/slideLayout8.xml><?xml version="1.0" encoding="utf-8"?>
-<p:sldLayout xmlns:a="http://schemas.openxmlformats.org/drawingml/2006/main" xmlns:p="http://schemas.openxmlformats.org/presentationml/2006/main" xmlns:r="http://schemas.openxmlformats.org/officeDocument/2006/relationships" xmlns:p14="http://schemas.microsoft.com/office/powerpoint/2010/main" xmlns:p15="http://schemas.microsoft.com/office/powerpoint/2012/main" xmlns:mc="http://schemas.openxmlformats.org/markup-compatibility/2006" type="objAndTwoObj" preserve="1">
+<p:sldLayout xmlns:a="http://schemas.openxmlformats.org/drawingml/2006/main" xmlns:r="http://schemas.openxmlformats.org/officeDocument/2006/relationships" xmlns:p="http://schemas.openxmlformats.org/presentationml/2006/main" type="objAndTwoObj" preserve="1">
   <p:cSld name="Title Content and 2 Content">
     <p:spTree>
       <p:nvGrpSpPr>
@@ -5682,15 +5874,15 @@
           </a:ln>
         </p:spPr>
         <p:txBody>
-          <a:bodyPr lIns="0" rIns="0" tIns="0" bIns="0" anchor="ctr">
+          <a:bodyPr lIns="0" tIns="0" rIns="0" bIns="0" anchor="ctr">
             <a:noAutofit/>
           </a:bodyPr>
           <a:p>
-            <a:endParaRPr b="0" lang="en-US" sz="1400" spc="-1" strike="noStrike">
-              <a:solidFill>
-                <a:srgbClr val="000000"/>
-              </a:solidFill>
-              <a:latin typeface="Arial"/>
+            <a:endParaRPr lang="en-US" sz="1400" b="0" strike="noStrike" spc="-1">
+              <a:solidFill>
+                <a:srgbClr val="000000"/>
+              </a:solidFill>
+              <a:latin typeface="Arial" panose="020B0604020202020204"/>
             </a:endParaRPr>
           </a:p>
         </p:txBody>
@@ -5719,15 +5911,15 @@
           </a:ln>
         </p:spPr>
         <p:txBody>
-          <a:bodyPr lIns="0" rIns="0" tIns="0" bIns="0" anchor="t">
+          <a:bodyPr lIns="0" tIns="0" rIns="0" bIns="0" anchor="t">
             <a:normAutofit/>
           </a:bodyPr>
           <a:p>
-            <a:endParaRPr b="0" lang="en-US" sz="1400" spc="-1" strike="noStrike">
-              <a:solidFill>
-                <a:srgbClr val="000000"/>
-              </a:solidFill>
-              <a:latin typeface="Arial"/>
+            <a:endParaRPr lang="en-US" sz="1400" b="0" strike="noStrike" spc="-1">
+              <a:solidFill>
+                <a:srgbClr val="000000"/>
+              </a:solidFill>
+              <a:latin typeface="Arial" panose="020B0604020202020204"/>
             </a:endParaRPr>
           </a:p>
         </p:txBody>
@@ -5756,15 +5948,15 @@
           </a:ln>
         </p:spPr>
         <p:txBody>
-          <a:bodyPr lIns="0" rIns="0" tIns="0" bIns="0" anchor="t">
+          <a:bodyPr lIns="0" tIns="0" rIns="0" bIns="0" anchor="t">
             <a:normAutofit/>
           </a:bodyPr>
           <a:p>
-            <a:endParaRPr b="0" lang="en-US" sz="1400" spc="-1" strike="noStrike">
-              <a:solidFill>
-                <a:srgbClr val="000000"/>
-              </a:solidFill>
-              <a:latin typeface="Arial"/>
+            <a:endParaRPr lang="en-US" sz="1400" b="0" strike="noStrike" spc="-1">
+              <a:solidFill>
+                <a:srgbClr val="000000"/>
+              </a:solidFill>
+              <a:latin typeface="Arial" panose="020B0604020202020204"/>
             </a:endParaRPr>
           </a:p>
         </p:txBody>
@@ -5793,15 +5985,15 @@
           </a:ln>
         </p:spPr>
         <p:txBody>
-          <a:bodyPr lIns="0" rIns="0" tIns="0" bIns="0" anchor="t">
+          <a:bodyPr lIns="0" tIns="0" rIns="0" bIns="0" anchor="t">
             <a:normAutofit/>
           </a:bodyPr>
           <a:p>
-            <a:endParaRPr b="0" lang="en-US" sz="1400" spc="-1" strike="noStrike">
-              <a:solidFill>
-                <a:srgbClr val="000000"/>
-              </a:solidFill>
-              <a:latin typeface="Arial"/>
+            <a:endParaRPr lang="en-US" sz="1400" b="0" strike="noStrike" spc="-1">
+              <a:solidFill>
+                <a:srgbClr val="000000"/>
+              </a:solidFill>
+              <a:latin typeface="Arial" panose="020B0604020202020204"/>
             </a:endParaRPr>
           </a:p>
         </p:txBody>
@@ -5821,18 +6013,22 @@
           <a:bodyPr/>
           <a:p>
             <a:fld id="{F867D709-4C94-4F87-B470-B22DC1132FF4}" type="slidenum">
-              <a:t>&lt;#&gt;</a:t>
+              <a:rPr/>
             </a:fld>
+            <a:endParaRPr/>
           </a:p>
         </p:txBody>
       </p:sp>
     </p:spTree>
   </p:cSld>
+  <p:clrMapOvr>
+    <a:masterClrMapping/>
+  </p:clrMapOvr>
 </p:sldLayout>
 </file>
 
 <file path=ppt/slideLayouts/slideLayout9.xml><?xml version="1.0" encoding="utf-8"?>
-<p:sldLayout xmlns:a="http://schemas.openxmlformats.org/drawingml/2006/main" xmlns:p="http://schemas.openxmlformats.org/presentationml/2006/main" xmlns:r="http://schemas.openxmlformats.org/officeDocument/2006/relationships" xmlns:p14="http://schemas.microsoft.com/office/powerpoint/2010/main" xmlns:p15="http://schemas.microsoft.com/office/powerpoint/2012/main" xmlns:mc="http://schemas.openxmlformats.org/markup-compatibility/2006" type="twoObjOverTx" preserve="1">
+<p:sldLayout xmlns:a="http://schemas.openxmlformats.org/drawingml/2006/main" xmlns:r="http://schemas.openxmlformats.org/officeDocument/2006/relationships" xmlns:p="http://schemas.openxmlformats.org/presentationml/2006/main" type="twoObjOverTx" preserve="1">
   <p:cSld name="Title, 2 Content over Content">
     <p:spTree>
       <p:nvGrpSpPr>
@@ -5872,15 +6068,15 @@
           </a:ln>
         </p:spPr>
         <p:txBody>
-          <a:bodyPr lIns="0" rIns="0" tIns="0" bIns="0" anchor="ctr">
+          <a:bodyPr lIns="0" tIns="0" rIns="0" bIns="0" anchor="ctr">
             <a:noAutofit/>
           </a:bodyPr>
           <a:p>
-            <a:endParaRPr b="0" lang="en-US" sz="1400" spc="-1" strike="noStrike">
-              <a:solidFill>
-                <a:srgbClr val="000000"/>
-              </a:solidFill>
-              <a:latin typeface="Arial"/>
+            <a:endParaRPr lang="en-US" sz="1400" b="0" strike="noStrike" spc="-1">
+              <a:solidFill>
+                <a:srgbClr val="000000"/>
+              </a:solidFill>
+              <a:latin typeface="Arial" panose="020B0604020202020204"/>
             </a:endParaRPr>
           </a:p>
         </p:txBody>
@@ -5909,15 +6105,15 @@
           </a:ln>
         </p:spPr>
         <p:txBody>
-          <a:bodyPr lIns="0" rIns="0" tIns="0" bIns="0" anchor="t">
+          <a:bodyPr lIns="0" tIns="0" rIns="0" bIns="0" anchor="t">
             <a:normAutofit/>
           </a:bodyPr>
           <a:p>
-            <a:endParaRPr b="0" lang="en-US" sz="1400" spc="-1" strike="noStrike">
-              <a:solidFill>
-                <a:srgbClr val="000000"/>
-              </a:solidFill>
-              <a:latin typeface="Arial"/>
+            <a:endParaRPr lang="en-US" sz="1400" b="0" strike="noStrike" spc="-1">
+              <a:solidFill>
+                <a:srgbClr val="000000"/>
+              </a:solidFill>
+              <a:latin typeface="Arial" panose="020B0604020202020204"/>
             </a:endParaRPr>
           </a:p>
         </p:txBody>
@@ -5946,15 +6142,15 @@
           </a:ln>
         </p:spPr>
         <p:txBody>
-          <a:bodyPr lIns="0" rIns="0" tIns="0" bIns="0" anchor="t">
+          <a:bodyPr lIns="0" tIns="0" rIns="0" bIns="0" anchor="t">
             <a:normAutofit/>
           </a:bodyPr>
           <a:p>
-            <a:endParaRPr b="0" lang="en-US" sz="1400" spc="-1" strike="noStrike">
-              <a:solidFill>
-                <a:srgbClr val="000000"/>
-              </a:solidFill>
-              <a:latin typeface="Arial"/>
+            <a:endParaRPr lang="en-US" sz="1400" b="0" strike="noStrike" spc="-1">
+              <a:solidFill>
+                <a:srgbClr val="000000"/>
+              </a:solidFill>
+              <a:latin typeface="Arial" panose="020B0604020202020204"/>
             </a:endParaRPr>
           </a:p>
         </p:txBody>
@@ -5983,15 +6179,15 @@
           </a:ln>
         </p:spPr>
         <p:txBody>
-          <a:bodyPr lIns="0" rIns="0" tIns="0" bIns="0" anchor="t">
+          <a:bodyPr lIns="0" tIns="0" rIns="0" bIns="0" anchor="t">
             <a:normAutofit/>
           </a:bodyPr>
           <a:p>
-            <a:endParaRPr b="0" lang="en-US" sz="1400" spc="-1" strike="noStrike">
-              <a:solidFill>
-                <a:srgbClr val="000000"/>
-              </a:solidFill>
-              <a:latin typeface="Arial"/>
+            <a:endParaRPr lang="en-US" sz="1400" b="0" strike="noStrike" spc="-1">
+              <a:solidFill>
+                <a:srgbClr val="000000"/>
+              </a:solidFill>
+              <a:latin typeface="Arial" panose="020B0604020202020204"/>
             </a:endParaRPr>
           </a:p>
         </p:txBody>
@@ -6011,24 +6207,29 @@
           <a:bodyPr/>
           <a:p>
             <a:fld id="{C2252A42-B6C7-4197-9F03-4A8637A97A04}" type="slidenum">
-              <a:t>&lt;#&gt;</a:t>
+              <a:rPr/>
             </a:fld>
+            <a:endParaRPr/>
           </a:p>
         </p:txBody>
       </p:sp>
     </p:spTree>
   </p:cSld>
+  <p:clrMapOvr>
+    <a:masterClrMapping/>
+  </p:clrMapOvr>
 </p:sldLayout>
 </file>
 
 <file path=ppt/slideMasters/slideMaster1.xml><?xml version="1.0" encoding="utf-8"?>
-<p:sldMaster xmlns:a="http://schemas.openxmlformats.org/drawingml/2006/main" xmlns:p="http://schemas.openxmlformats.org/presentationml/2006/main" xmlns:r="http://schemas.openxmlformats.org/officeDocument/2006/relationships" xmlns:p14="http://schemas.microsoft.com/office/powerpoint/2010/main" xmlns:p15="http://schemas.microsoft.com/office/powerpoint/2012/main" xmlns:mc="http://schemas.openxmlformats.org/markup-compatibility/2006">
+<p:sldMaster xmlns:a="http://schemas.openxmlformats.org/drawingml/2006/main" xmlns:r="http://schemas.openxmlformats.org/officeDocument/2006/relationships" xmlns:p="http://schemas.openxmlformats.org/presentationml/2006/main">
   <p:cSld>
     <p:bg>
       <p:bgPr>
         <a:solidFill>
-          <a:srgbClr val="ffffff"/>
+          <a:srgbClr val="FFFFFF"/>
         </a:solidFill>
+        <a:effectLst/>
       </p:bgPr>
     </p:bg>
     <p:spTree>
@@ -6067,15 +6268,21 @@
           </a:ln>
         </p:spPr>
         <p:style>
-          <a:lnRef idx="0"/>
-          <a:fillRef idx="0"/>
-          <a:effectRef idx="0"/>
+          <a:lnRef idx="0">
+            <a:srgbClr val="FFFFFF"/>
+          </a:lnRef>
+          <a:fillRef idx="0">
+            <a:srgbClr val="FFFFFF"/>
+          </a:fillRef>
+          <a:effectRef idx="0">
+            <a:srgbClr val="FFFFFF"/>
+          </a:effectRef>
           <a:fontRef idx="minor"/>
         </p:style>
       </p:sp>
       <p:sp>
         <p:nvSpPr>
-          <p:cNvPr id="1" name="Google Shape;11;p15"/>
+          <p:cNvPr id="2" name="Google Shape;11;p15"/>
           <p:cNvSpPr/>
           <p:nvPr/>
         </p:nvSpPr>
@@ -6088,6 +6295,7 @@
             <a:avLst/>
             <a:gdLst/>
             <a:ahLst/>
+            <a:cxnLst/>
             <a:rect l="l" t="t" r="r" b="b"/>
             <a:pathLst>
               <a:path w="172545" h="175975">
@@ -6115,15 +6323,21 @@
           </a:ln>
         </p:spPr>
         <p:style>
-          <a:lnRef idx="0"/>
-          <a:fillRef idx="0"/>
-          <a:effectRef idx="0"/>
+          <a:lnRef idx="0">
+            <a:srgbClr val="FFFFFF"/>
+          </a:lnRef>
+          <a:fillRef idx="0">
+            <a:srgbClr val="FFFFFF"/>
+          </a:fillRef>
+          <a:effectRef idx="0">
+            <a:srgbClr val="FFFFFF"/>
+          </a:effectRef>
           <a:fontRef idx="minor"/>
         </p:style>
       </p:sp>
       <p:sp>
         <p:nvSpPr>
-          <p:cNvPr id="2" name="Google Shape;12;p15"/>
+          <p:cNvPr id="3" name="Google Shape;12;p15"/>
           <p:cNvSpPr/>
           <p:nvPr/>
         </p:nvSpPr>
@@ -6136,6 +6350,7 @@
             <a:avLst/>
             <a:gdLst/>
             <a:ahLst/>
+            <a:cxnLst/>
             <a:rect l="l" t="t" r="r" b="b"/>
             <a:pathLst>
               <a:path w="172676" h="175824">
@@ -6163,15 +6378,21 @@
           </a:ln>
         </p:spPr>
         <p:style>
-          <a:lnRef idx="0"/>
-          <a:fillRef idx="0"/>
-          <a:effectRef idx="0"/>
+          <a:lnRef idx="0">
+            <a:srgbClr val="FFFFFF"/>
+          </a:lnRef>
+          <a:fillRef idx="0">
+            <a:srgbClr val="FFFFFF"/>
+          </a:fillRef>
+          <a:effectRef idx="0">
+            <a:srgbClr val="FFFFFF"/>
+          </a:effectRef>
           <a:fontRef idx="minor"/>
         </p:style>
       </p:sp>
       <p:sp>
         <p:nvSpPr>
-          <p:cNvPr id="3" name="PlaceHolder 1"/>
+          <p:cNvPr id="4" name="PlaceHolder 1"/>
           <p:cNvSpPr>
             <a:spLocks noGrp="1"/>
           </p:cNvSpPr>
@@ -6198,26 +6419,26 @@
           </a:bodyPr>
           <a:p>
             <a:r>
-              <a:rPr b="0" lang="en-US" sz="2800" spc="-1" strike="noStrike">
+              <a:rPr lang="en-US" sz="2800" b="0" strike="noStrike" spc="-1">
                 <a:solidFill>
                   <a:srgbClr val="000000"/>
                 </a:solidFill>
-                <a:latin typeface="Arial"/>
+                <a:latin typeface="Arial" panose="020B0604020202020204"/>
               </a:rPr>
               <a:t>Click to edit the title text format</a:t>
             </a:r>
-            <a:endParaRPr b="0" lang="en-US" sz="2800" spc="-1" strike="noStrike">
-              <a:solidFill>
-                <a:srgbClr val="000000"/>
-              </a:solidFill>
-              <a:latin typeface="Arial"/>
-            </a:endParaRPr>
-          </a:p>
-        </p:txBody>
-      </p:sp>
-      <p:sp>
-        <p:nvSpPr>
-          <p:cNvPr id="4" name="PlaceHolder 2"/>
+            <a:endParaRPr lang="en-US" sz="2800" b="0" strike="noStrike" spc="-1">
+              <a:solidFill>
+                <a:srgbClr val="000000"/>
+              </a:solidFill>
+              <a:latin typeface="Arial" panose="020B0604020202020204"/>
+            </a:endParaRPr>
+          </a:p>
+        </p:txBody>
+      </p:sp>
+      <p:sp>
+        <p:nvSpPr>
+          <p:cNvPr id="5" name="PlaceHolder 2"/>
           <p:cNvSpPr>
             <a:spLocks noGrp="1"/>
           </p:cNvSpPr>
@@ -6243,63 +6464,63 @@
             <a:noAutofit/>
           </a:bodyPr>
           <a:p>
-            <a:pPr marL="432000" indent="-324000">
+            <a:pPr marL="431800" indent="-323850">
               <a:spcBef>
-                <a:spcPts val="1417"/>
+                <a:spcPts val="1415"/>
               </a:spcBef>
               <a:buClr>
                 <a:srgbClr val="000000"/>
               </a:buClr>
               <a:buSzPct val="45000"/>
-              <a:buFont typeface="Wingdings" charset="2"/>
+              <a:buFont typeface="Wingdings" panose="05000000000000000000" pitchFamily="2" charset="2"/>
               <a:buChar char=""/>
             </a:pPr>
             <a:r>
-              <a:rPr b="0" lang="en-US" sz="1300" spc="-1" strike="noStrike">
+              <a:rPr lang="en-US" sz="1300" b="0" strike="noStrike" spc="-1">
                 <a:solidFill>
                   <a:srgbClr val="000000"/>
                 </a:solidFill>
-                <a:latin typeface="Arial"/>
+                <a:latin typeface="Arial" panose="020B0604020202020204"/>
               </a:rPr>
               <a:t>Click to edit the outline text format</a:t>
             </a:r>
-            <a:endParaRPr b="0" lang="en-US" sz="1300" spc="-1" strike="noStrike">
-              <a:solidFill>
-                <a:srgbClr val="000000"/>
-              </a:solidFill>
-              <a:latin typeface="Arial"/>
-            </a:endParaRPr>
-          </a:p>
-          <a:p>
-            <a:pPr lvl="1" marL="864000" indent="-324000">
+            <a:endParaRPr lang="en-US" sz="1300" b="0" strike="noStrike" spc="-1">
+              <a:solidFill>
+                <a:srgbClr val="000000"/>
+              </a:solidFill>
+              <a:latin typeface="Arial" panose="020B0604020202020204"/>
+            </a:endParaRPr>
+          </a:p>
+          <a:p>
+            <a:pPr marL="864235" lvl="1" indent="-323850">
               <a:spcBef>
-                <a:spcPts val="1134"/>
+                <a:spcPts val="1135"/>
               </a:spcBef>
               <a:buClr>
                 <a:srgbClr val="000000"/>
               </a:buClr>
               <a:buSzPct val="75000"/>
-              <a:buFont typeface="Symbol" charset="2"/>
+              <a:buFont typeface="Symbol" panose="05050102010706020507" charset="2"/>
               <a:buChar char=""/>
             </a:pPr>
             <a:r>
-              <a:rPr b="0" lang="en-US" sz="1300" spc="-1" strike="noStrike">
+              <a:rPr lang="en-US" sz="1300" b="0" strike="noStrike" spc="-1">
                 <a:solidFill>
                   <a:srgbClr val="000000"/>
                 </a:solidFill>
-                <a:latin typeface="Arial"/>
+                <a:latin typeface="Arial" panose="020B0604020202020204"/>
               </a:rPr>
               <a:t>Second Outline Level</a:t>
             </a:r>
-            <a:endParaRPr b="0" lang="en-US" sz="1300" spc="-1" strike="noStrike">
-              <a:solidFill>
-                <a:srgbClr val="000000"/>
-              </a:solidFill>
-              <a:latin typeface="Arial"/>
-            </a:endParaRPr>
-          </a:p>
-          <a:p>
-            <a:pPr lvl="2" marL="1296000" indent="-288000">
+            <a:endParaRPr lang="en-US" sz="1300" b="0" strike="noStrike" spc="-1">
+              <a:solidFill>
+                <a:srgbClr val="000000"/>
+              </a:solidFill>
+              <a:latin typeface="Arial" panose="020B0604020202020204"/>
+            </a:endParaRPr>
+          </a:p>
+          <a:p>
+            <a:pPr marL="1296035" lvl="2" indent="-288290">
               <a:spcBef>
                 <a:spcPts val="850"/>
               </a:spcBef>
@@ -6307,142 +6528,142 @@
                 <a:srgbClr val="000000"/>
               </a:buClr>
               <a:buSzPct val="45000"/>
-              <a:buFont typeface="Wingdings" charset="2"/>
+              <a:buFont typeface="Wingdings" panose="05000000000000000000" pitchFamily="2" charset="2"/>
               <a:buChar char=""/>
             </a:pPr>
             <a:r>
-              <a:rPr b="0" lang="en-US" sz="1300" spc="-1" strike="noStrike">
+              <a:rPr lang="en-US" sz="1300" b="0" strike="noStrike" spc="-1">
                 <a:solidFill>
                   <a:srgbClr val="000000"/>
                 </a:solidFill>
-                <a:latin typeface="Arial"/>
+                <a:latin typeface="Arial" panose="020B0604020202020204"/>
               </a:rPr>
               <a:t>Third Outline Level</a:t>
             </a:r>
-            <a:endParaRPr b="0" lang="en-US" sz="1300" spc="-1" strike="noStrike">
-              <a:solidFill>
-                <a:srgbClr val="000000"/>
-              </a:solidFill>
-              <a:latin typeface="Arial"/>
-            </a:endParaRPr>
-          </a:p>
-          <a:p>
-            <a:pPr lvl="3" marL="1728000" indent="-216000">
+            <a:endParaRPr lang="en-US" sz="1300" b="0" strike="noStrike" spc="-1">
+              <a:solidFill>
+                <a:srgbClr val="000000"/>
+              </a:solidFill>
+              <a:latin typeface="Arial" panose="020B0604020202020204"/>
+            </a:endParaRPr>
+          </a:p>
+          <a:p>
+            <a:pPr marL="1727835" lvl="3" indent="-215900">
               <a:spcBef>
-                <a:spcPts val="567"/>
+                <a:spcPts val="565"/>
               </a:spcBef>
               <a:buClr>
                 <a:srgbClr val="000000"/>
               </a:buClr>
               <a:buSzPct val="75000"/>
-              <a:buFont typeface="Symbol" charset="2"/>
+              <a:buFont typeface="Symbol" panose="05050102010706020507" charset="2"/>
               <a:buChar char=""/>
             </a:pPr>
             <a:r>
-              <a:rPr b="0" lang="en-US" sz="1300" spc="-1" strike="noStrike">
+              <a:rPr lang="en-US" sz="1300" b="0" strike="noStrike" spc="-1">
                 <a:solidFill>
                   <a:srgbClr val="000000"/>
                 </a:solidFill>
-                <a:latin typeface="Arial"/>
+                <a:latin typeface="Arial" panose="020B0604020202020204"/>
               </a:rPr>
               <a:t>Fourth Outline Level</a:t>
             </a:r>
-            <a:endParaRPr b="0" lang="en-US" sz="1300" spc="-1" strike="noStrike">
-              <a:solidFill>
-                <a:srgbClr val="000000"/>
-              </a:solidFill>
-              <a:latin typeface="Arial"/>
-            </a:endParaRPr>
-          </a:p>
-          <a:p>
-            <a:pPr lvl="4" marL="2160000" indent="-216000">
+            <a:endParaRPr lang="en-US" sz="1300" b="0" strike="noStrike" spc="-1">
+              <a:solidFill>
+                <a:srgbClr val="000000"/>
+              </a:solidFill>
+              <a:latin typeface="Arial" panose="020B0604020202020204"/>
+            </a:endParaRPr>
+          </a:p>
+          <a:p>
+            <a:pPr marL="2160270" lvl="4" indent="-215900">
               <a:spcBef>
-                <a:spcPts val="283"/>
+                <a:spcPts val="285"/>
               </a:spcBef>
               <a:buClr>
                 <a:srgbClr val="000000"/>
               </a:buClr>
               <a:buSzPct val="45000"/>
-              <a:buFont typeface="Wingdings" charset="2"/>
+              <a:buFont typeface="Wingdings" panose="05000000000000000000" pitchFamily="2" charset="2"/>
               <a:buChar char=""/>
             </a:pPr>
             <a:r>
-              <a:rPr b="0" lang="en-US" sz="1300" spc="-1" strike="noStrike">
+              <a:rPr lang="en-US" sz="1300" b="0" strike="noStrike" spc="-1">
                 <a:solidFill>
                   <a:srgbClr val="000000"/>
                 </a:solidFill>
-                <a:latin typeface="Arial"/>
+                <a:latin typeface="Arial" panose="020B0604020202020204"/>
               </a:rPr>
               <a:t>Fifth Outline Level</a:t>
             </a:r>
-            <a:endParaRPr b="0" lang="en-US" sz="1300" spc="-1" strike="noStrike">
-              <a:solidFill>
-                <a:srgbClr val="000000"/>
-              </a:solidFill>
-              <a:latin typeface="Arial"/>
-            </a:endParaRPr>
-          </a:p>
-          <a:p>
-            <a:pPr lvl="5" marL="2592000" indent="-216000">
+            <a:endParaRPr lang="en-US" sz="1300" b="0" strike="noStrike" spc="-1">
+              <a:solidFill>
+                <a:srgbClr val="000000"/>
+              </a:solidFill>
+              <a:latin typeface="Arial" panose="020B0604020202020204"/>
+            </a:endParaRPr>
+          </a:p>
+          <a:p>
+            <a:pPr marL="2592070" lvl="5" indent="-215900">
               <a:spcBef>
-                <a:spcPts val="283"/>
+                <a:spcPts val="285"/>
               </a:spcBef>
               <a:buClr>
                 <a:srgbClr val="000000"/>
               </a:buClr>
               <a:buSzPct val="45000"/>
-              <a:buFont typeface="Wingdings" charset="2"/>
+              <a:buFont typeface="Wingdings" panose="05000000000000000000" pitchFamily="2" charset="2"/>
               <a:buChar char=""/>
             </a:pPr>
             <a:r>
-              <a:rPr b="0" lang="en-US" sz="1300" spc="-1" strike="noStrike">
+              <a:rPr lang="en-US" sz="1300" b="0" strike="noStrike" spc="-1">
                 <a:solidFill>
                   <a:srgbClr val="000000"/>
                 </a:solidFill>
-                <a:latin typeface="Arial"/>
+                <a:latin typeface="Arial" panose="020B0604020202020204"/>
               </a:rPr>
               <a:t>Sixth Outline Level</a:t>
             </a:r>
-            <a:endParaRPr b="0" lang="en-US" sz="1300" spc="-1" strike="noStrike">
-              <a:solidFill>
-                <a:srgbClr val="000000"/>
-              </a:solidFill>
-              <a:latin typeface="Arial"/>
-            </a:endParaRPr>
-          </a:p>
-          <a:p>
-            <a:pPr lvl="6" marL="3024000" indent="-216000">
+            <a:endParaRPr lang="en-US" sz="1300" b="0" strike="noStrike" spc="-1">
+              <a:solidFill>
+                <a:srgbClr val="000000"/>
+              </a:solidFill>
+              <a:latin typeface="Arial" panose="020B0604020202020204"/>
+            </a:endParaRPr>
+          </a:p>
+          <a:p>
+            <a:pPr marL="3023870" lvl="6" indent="-215900">
               <a:spcBef>
-                <a:spcPts val="283"/>
+                <a:spcPts val="285"/>
               </a:spcBef>
               <a:buClr>
                 <a:srgbClr val="000000"/>
               </a:buClr>
               <a:buSzPct val="45000"/>
-              <a:buFont typeface="Wingdings" charset="2"/>
+              <a:buFont typeface="Wingdings" panose="05000000000000000000" pitchFamily="2" charset="2"/>
               <a:buChar char=""/>
             </a:pPr>
             <a:r>
-              <a:rPr b="0" lang="en-US" sz="1300" spc="-1" strike="noStrike">
+              <a:rPr lang="en-US" sz="1300" b="0" strike="noStrike" spc="-1">
                 <a:solidFill>
                   <a:srgbClr val="000000"/>
                 </a:solidFill>
-                <a:latin typeface="Arial"/>
+                <a:latin typeface="Arial" panose="020B0604020202020204"/>
               </a:rPr>
               <a:t>Seventh Outline Level</a:t>
             </a:r>
-            <a:endParaRPr b="0" lang="en-US" sz="1300" spc="-1" strike="noStrike">
-              <a:solidFill>
-                <a:srgbClr val="000000"/>
-              </a:solidFill>
-              <a:latin typeface="Arial"/>
-            </a:endParaRPr>
-          </a:p>
-        </p:txBody>
-      </p:sp>
-      <p:sp>
-        <p:nvSpPr>
-          <p:cNvPr id="5" name="PlaceHolder 3"/>
+            <a:endParaRPr lang="en-US" sz="1300" b="0" strike="noStrike" spc="-1">
+              <a:solidFill>
+                <a:srgbClr val="000000"/>
+              </a:solidFill>
+              <a:latin typeface="Arial" panose="020B0604020202020204"/>
+            </a:endParaRPr>
+          </a:p>
+        </p:txBody>
+      </p:sp>
+      <p:sp>
+        <p:nvSpPr>
+          <p:cNvPr id="6" name="PlaceHolder 3"/>
           <p:cNvSpPr>
             <a:spLocks noGrp="1"/>
           </p:cNvSpPr>
@@ -6474,11 +6695,11 @@
               </a:lnSpc>
               <a:buNone/>
               <a:tabLst>
-                <a:tab algn="l" pos="0"/>
+                <a:tab pos="0" algn="l"/>
               </a:tabLst>
-              <a:defRPr b="0" lang="en-US" sz="1340" spc="-1" strike="noStrike">
+              <a:defRPr lang="en-US" sz="1340" b="0" strike="noStrike" spc="-1">
                 <a:solidFill>
-                  <a:srgbClr val="6b038b"/>
+                  <a:srgbClr val="6B038B"/>
                 </a:solidFill>
                 <a:latin typeface="Roboto"/>
                 <a:ea typeface="Roboto"/>
@@ -6492,53 +6713,58 @@
               </a:lnSpc>
               <a:buNone/>
               <a:tabLst>
-                <a:tab algn="l" pos="0"/>
+                <a:tab pos="0" algn="l"/>
               </a:tabLst>
             </a:pPr>
             <a:fld id="{6FFC2703-FD5F-4C1D-8FF5-16B4CC41FB9F}" type="slidenum">
-              <a:rPr b="0" lang="en-US" sz="1340" spc="-1" strike="noStrike">
+              <a:rPr lang="en-US" sz="1340" b="0" strike="noStrike" spc="-1">
                 <a:solidFill>
-                  <a:srgbClr val="6b038b"/>
+                  <a:srgbClr val="6B038B"/>
                 </a:solidFill>
                 <a:latin typeface="Roboto"/>
                 <a:ea typeface="Roboto"/>
               </a:rPr>
-              <a:t>&lt;number&gt;</a:t>
             </a:fld>
-            <a:endParaRPr b="0" lang="en-US" sz="1340" spc="-1" strike="noStrike">
-              <a:latin typeface="Times New Roman"/>
+            <a:endParaRPr lang="en-US" sz="1340" b="0" strike="noStrike" spc="-1">
+              <a:latin typeface="Times New Roman" panose="02020603050405020304"/>
             </a:endParaRPr>
           </a:p>
         </p:txBody>
       </p:sp>
     </p:spTree>
   </p:cSld>
-  <p:clrMap bg1="lt1" bg2="lt2" tx1="dk1" tx2="dk2" accent1="accent1" accent2="accent2" accent3="accent3" accent4="accent4" accent5="accent5" accent6="accent6" hlink="hlink" folHlink="folHlink"/>
+  <p:clrMap bg1="lt1" tx1="dk1" bg2="lt2" tx2="dk2" accent1="accent1" accent2="accent2" accent3="accent3" accent4="accent4" accent5="accent5" accent6="accent6" hlink="hlink" folHlink="folHlink"/>
   <p:sldLayoutIdLst>
-    <p:sldLayoutId id="2147483649" r:id="rId2"/>
-    <p:sldLayoutId id="2147483650" r:id="rId3"/>
-    <p:sldLayoutId id="2147483651" r:id="rId4"/>
-    <p:sldLayoutId id="2147483652" r:id="rId5"/>
-    <p:sldLayoutId id="2147483653" r:id="rId6"/>
-    <p:sldLayoutId id="2147483654" r:id="rId7"/>
-    <p:sldLayoutId id="2147483655" r:id="rId8"/>
-    <p:sldLayoutId id="2147483656" r:id="rId9"/>
-    <p:sldLayoutId id="2147483657" r:id="rId10"/>
-    <p:sldLayoutId id="2147483658" r:id="rId11"/>
-    <p:sldLayoutId id="2147483659" r:id="rId12"/>
-    <p:sldLayoutId id="2147483660" r:id="rId13"/>
+    <p:sldLayoutId id="2147483649" r:id="rId1"/>
+    <p:sldLayoutId id="2147483650" r:id="rId2"/>
+    <p:sldLayoutId id="2147483651" r:id="rId3"/>
+    <p:sldLayoutId id="2147483652" r:id="rId4"/>
+    <p:sldLayoutId id="2147483653" r:id="rId5"/>
+    <p:sldLayoutId id="2147483654" r:id="rId6"/>
+    <p:sldLayoutId id="2147483655" r:id="rId7"/>
+    <p:sldLayoutId id="2147483656" r:id="rId8"/>
+    <p:sldLayoutId id="2147483657" r:id="rId9"/>
+    <p:sldLayoutId id="2147483658" r:id="rId10"/>
+    <p:sldLayoutId id="2147483659" r:id="rId11"/>
+    <p:sldLayoutId id="2147483660" r:id="rId12"/>
   </p:sldLayoutIdLst>
+  <p:txStyles>
+    <p:titleStyle/>
+    <p:bodyStyle/>
+    <p:otherStyle/>
+  </p:txStyles>
 </p:sldMaster>
 </file>
 
 <file path=ppt/slideMasters/slideMaster2.xml><?xml version="1.0" encoding="utf-8"?>
-<p:sldMaster xmlns:a="http://schemas.openxmlformats.org/drawingml/2006/main" xmlns:p="http://schemas.openxmlformats.org/presentationml/2006/main" xmlns:r="http://schemas.openxmlformats.org/officeDocument/2006/relationships" xmlns:p14="http://schemas.microsoft.com/office/powerpoint/2010/main" xmlns:p15="http://schemas.microsoft.com/office/powerpoint/2012/main" xmlns:mc="http://schemas.openxmlformats.org/markup-compatibility/2006">
+<p:sldMaster xmlns:a="http://schemas.openxmlformats.org/drawingml/2006/main" xmlns:r="http://schemas.openxmlformats.org/officeDocument/2006/relationships" xmlns:p="http://schemas.openxmlformats.org/presentationml/2006/main">
   <p:cSld>
     <p:bg>
       <p:bgPr>
         <a:solidFill>
-          <a:srgbClr val="ffffff"/>
+          <a:srgbClr val="FFFFFF"/>
         </a:solidFill>
+        <a:effectLst/>
       </p:bgPr>
     </p:bg>
     <p:spTree>
@@ -6584,19 +6810,19 @@
           </a:bodyPr>
           <a:p>
             <a:r>
-              <a:rPr b="0" lang="en-US" sz="2800" spc="-1" strike="noStrike">
+              <a:rPr lang="en-US" sz="2800" b="0" strike="noStrike" spc="-1">
                 <a:solidFill>
                   <a:srgbClr val="000000"/>
                 </a:solidFill>
-                <a:latin typeface="Arial"/>
+                <a:latin typeface="Arial" panose="020B0604020202020204"/>
               </a:rPr>
               <a:t>Click to edit the title text format</a:t>
             </a:r>
-            <a:endParaRPr b="0" lang="en-US" sz="2800" spc="-1" strike="noStrike">
-              <a:solidFill>
-                <a:srgbClr val="000000"/>
-              </a:solidFill>
-              <a:latin typeface="Arial"/>
+            <a:endParaRPr lang="en-US" sz="2800" b="0" strike="noStrike" spc="-1">
+              <a:solidFill>
+                <a:srgbClr val="000000"/>
+              </a:solidFill>
+              <a:latin typeface="Arial" panose="020B0604020202020204"/>
             </a:endParaRPr>
           </a:p>
         </p:txBody>
@@ -6629,63 +6855,63 @@
             <a:noAutofit/>
           </a:bodyPr>
           <a:p>
-            <a:pPr marL="432000" indent="-324000">
+            <a:pPr marL="431800" indent="-323850">
               <a:spcBef>
-                <a:spcPts val="1417"/>
+                <a:spcPts val="1415"/>
               </a:spcBef>
               <a:buClr>
                 <a:srgbClr val="000000"/>
               </a:buClr>
               <a:buSzPct val="45000"/>
-              <a:buFont typeface="Wingdings" charset="2"/>
+              <a:buFont typeface="Wingdings" panose="05000000000000000000" pitchFamily="2" charset="2"/>
               <a:buChar char=""/>
             </a:pPr>
             <a:r>
-              <a:rPr b="0" lang="en-US" sz="1300" spc="-1" strike="noStrike">
+              <a:rPr lang="en-US" sz="1300" b="0" strike="noStrike" spc="-1">
                 <a:solidFill>
                   <a:srgbClr val="000000"/>
                 </a:solidFill>
-                <a:latin typeface="Arial"/>
+                <a:latin typeface="Arial" panose="020B0604020202020204"/>
               </a:rPr>
               <a:t>Click to edit the outline text format</a:t>
             </a:r>
-            <a:endParaRPr b="0" lang="en-US" sz="1300" spc="-1" strike="noStrike">
-              <a:solidFill>
-                <a:srgbClr val="000000"/>
-              </a:solidFill>
-              <a:latin typeface="Arial"/>
-            </a:endParaRPr>
-          </a:p>
-          <a:p>
-            <a:pPr lvl="1" marL="864000" indent="-324000">
+            <a:endParaRPr lang="en-US" sz="1300" b="0" strike="noStrike" spc="-1">
+              <a:solidFill>
+                <a:srgbClr val="000000"/>
+              </a:solidFill>
+              <a:latin typeface="Arial" panose="020B0604020202020204"/>
+            </a:endParaRPr>
+          </a:p>
+          <a:p>
+            <a:pPr marL="864235" lvl="1" indent="-323850">
               <a:spcBef>
-                <a:spcPts val="1134"/>
+                <a:spcPts val="1135"/>
               </a:spcBef>
               <a:buClr>
                 <a:srgbClr val="000000"/>
               </a:buClr>
               <a:buSzPct val="75000"/>
-              <a:buFont typeface="Symbol" charset="2"/>
+              <a:buFont typeface="Symbol" panose="05050102010706020507" charset="2"/>
               <a:buChar char=""/>
             </a:pPr>
             <a:r>
-              <a:rPr b="0" lang="en-US" sz="1300" spc="-1" strike="noStrike">
+              <a:rPr lang="en-US" sz="1300" b="0" strike="noStrike" spc="-1">
                 <a:solidFill>
                   <a:srgbClr val="000000"/>
                 </a:solidFill>
-                <a:latin typeface="Arial"/>
+                <a:latin typeface="Arial" panose="020B0604020202020204"/>
               </a:rPr>
               <a:t>Second Outline Level</a:t>
             </a:r>
-            <a:endParaRPr b="0" lang="en-US" sz="1300" spc="-1" strike="noStrike">
-              <a:solidFill>
-                <a:srgbClr val="000000"/>
-              </a:solidFill>
-              <a:latin typeface="Arial"/>
-            </a:endParaRPr>
-          </a:p>
-          <a:p>
-            <a:pPr lvl="2" marL="1296000" indent="-288000">
+            <a:endParaRPr lang="en-US" sz="1300" b="0" strike="noStrike" spc="-1">
+              <a:solidFill>
+                <a:srgbClr val="000000"/>
+              </a:solidFill>
+              <a:latin typeface="Arial" panose="020B0604020202020204"/>
+            </a:endParaRPr>
+          </a:p>
+          <a:p>
+            <a:pPr marL="1296035" lvl="2" indent="-288290">
               <a:spcBef>
                 <a:spcPts val="850"/>
               </a:spcBef>
@@ -6693,135 +6919,135 @@
                 <a:srgbClr val="000000"/>
               </a:buClr>
               <a:buSzPct val="45000"/>
-              <a:buFont typeface="Wingdings" charset="2"/>
+              <a:buFont typeface="Wingdings" panose="05000000000000000000" pitchFamily="2" charset="2"/>
               <a:buChar char=""/>
             </a:pPr>
             <a:r>
-              <a:rPr b="0" lang="en-US" sz="1300" spc="-1" strike="noStrike">
+              <a:rPr lang="en-US" sz="1300" b="0" strike="noStrike" spc="-1">
                 <a:solidFill>
                   <a:srgbClr val="000000"/>
                 </a:solidFill>
-                <a:latin typeface="Arial"/>
+                <a:latin typeface="Arial" panose="020B0604020202020204"/>
               </a:rPr>
               <a:t>Third Outline Level</a:t>
             </a:r>
-            <a:endParaRPr b="0" lang="en-US" sz="1300" spc="-1" strike="noStrike">
-              <a:solidFill>
-                <a:srgbClr val="000000"/>
-              </a:solidFill>
-              <a:latin typeface="Arial"/>
-            </a:endParaRPr>
-          </a:p>
-          <a:p>
-            <a:pPr lvl="3" marL="1728000" indent="-216000">
+            <a:endParaRPr lang="en-US" sz="1300" b="0" strike="noStrike" spc="-1">
+              <a:solidFill>
+                <a:srgbClr val="000000"/>
+              </a:solidFill>
+              <a:latin typeface="Arial" panose="020B0604020202020204"/>
+            </a:endParaRPr>
+          </a:p>
+          <a:p>
+            <a:pPr marL="1727835" lvl="3" indent="-215900">
               <a:spcBef>
-                <a:spcPts val="567"/>
+                <a:spcPts val="565"/>
               </a:spcBef>
               <a:buClr>
                 <a:srgbClr val="000000"/>
               </a:buClr>
               <a:buSzPct val="75000"/>
-              <a:buFont typeface="Symbol" charset="2"/>
+              <a:buFont typeface="Symbol" panose="05050102010706020507" charset="2"/>
               <a:buChar char=""/>
             </a:pPr>
             <a:r>
-              <a:rPr b="0" lang="en-US" sz="1300" spc="-1" strike="noStrike">
+              <a:rPr lang="en-US" sz="1300" b="0" strike="noStrike" spc="-1">
                 <a:solidFill>
                   <a:srgbClr val="000000"/>
                 </a:solidFill>
-                <a:latin typeface="Arial"/>
+                <a:latin typeface="Arial" panose="020B0604020202020204"/>
               </a:rPr>
               <a:t>Fourth Outline Level</a:t>
             </a:r>
-            <a:endParaRPr b="0" lang="en-US" sz="1300" spc="-1" strike="noStrike">
-              <a:solidFill>
-                <a:srgbClr val="000000"/>
-              </a:solidFill>
-              <a:latin typeface="Arial"/>
-            </a:endParaRPr>
-          </a:p>
-          <a:p>
-            <a:pPr lvl="4" marL="2160000" indent="-216000">
+            <a:endParaRPr lang="en-US" sz="1300" b="0" strike="noStrike" spc="-1">
+              <a:solidFill>
+                <a:srgbClr val="000000"/>
+              </a:solidFill>
+              <a:latin typeface="Arial" panose="020B0604020202020204"/>
+            </a:endParaRPr>
+          </a:p>
+          <a:p>
+            <a:pPr marL="2160270" lvl="4" indent="-215900">
               <a:spcBef>
-                <a:spcPts val="283"/>
+                <a:spcPts val="285"/>
               </a:spcBef>
               <a:buClr>
                 <a:srgbClr val="000000"/>
               </a:buClr>
               <a:buSzPct val="45000"/>
-              <a:buFont typeface="Wingdings" charset="2"/>
+              <a:buFont typeface="Wingdings" panose="05000000000000000000" pitchFamily="2" charset="2"/>
               <a:buChar char=""/>
             </a:pPr>
             <a:r>
-              <a:rPr b="0" lang="en-US" sz="1300" spc="-1" strike="noStrike">
+              <a:rPr lang="en-US" sz="1300" b="0" strike="noStrike" spc="-1">
                 <a:solidFill>
                   <a:srgbClr val="000000"/>
                 </a:solidFill>
-                <a:latin typeface="Arial"/>
+                <a:latin typeface="Arial" panose="020B0604020202020204"/>
               </a:rPr>
               <a:t>Fifth Outline Level</a:t>
             </a:r>
-            <a:endParaRPr b="0" lang="en-US" sz="1300" spc="-1" strike="noStrike">
-              <a:solidFill>
-                <a:srgbClr val="000000"/>
-              </a:solidFill>
-              <a:latin typeface="Arial"/>
-            </a:endParaRPr>
-          </a:p>
-          <a:p>
-            <a:pPr lvl="5" marL="2592000" indent="-216000">
+            <a:endParaRPr lang="en-US" sz="1300" b="0" strike="noStrike" spc="-1">
+              <a:solidFill>
+                <a:srgbClr val="000000"/>
+              </a:solidFill>
+              <a:latin typeface="Arial" panose="020B0604020202020204"/>
+            </a:endParaRPr>
+          </a:p>
+          <a:p>
+            <a:pPr marL="2592070" lvl="5" indent="-215900">
               <a:spcBef>
-                <a:spcPts val="283"/>
+                <a:spcPts val="285"/>
               </a:spcBef>
               <a:buClr>
                 <a:srgbClr val="000000"/>
               </a:buClr>
               <a:buSzPct val="45000"/>
-              <a:buFont typeface="Wingdings" charset="2"/>
+              <a:buFont typeface="Wingdings" panose="05000000000000000000" pitchFamily="2" charset="2"/>
               <a:buChar char=""/>
             </a:pPr>
             <a:r>
-              <a:rPr b="0" lang="en-US" sz="1300" spc="-1" strike="noStrike">
+              <a:rPr lang="en-US" sz="1300" b="0" strike="noStrike" spc="-1">
                 <a:solidFill>
                   <a:srgbClr val="000000"/>
                 </a:solidFill>
-                <a:latin typeface="Arial"/>
+                <a:latin typeface="Arial" panose="020B0604020202020204"/>
               </a:rPr>
               <a:t>Sixth Outline Level</a:t>
             </a:r>
-            <a:endParaRPr b="0" lang="en-US" sz="1300" spc="-1" strike="noStrike">
-              <a:solidFill>
-                <a:srgbClr val="000000"/>
-              </a:solidFill>
-              <a:latin typeface="Arial"/>
-            </a:endParaRPr>
-          </a:p>
-          <a:p>
-            <a:pPr lvl="6" marL="3024000" indent="-216000">
+            <a:endParaRPr lang="en-US" sz="1300" b="0" strike="noStrike" spc="-1">
+              <a:solidFill>
+                <a:srgbClr val="000000"/>
+              </a:solidFill>
+              <a:latin typeface="Arial" panose="020B0604020202020204"/>
+            </a:endParaRPr>
+          </a:p>
+          <a:p>
+            <a:pPr marL="3023870" lvl="6" indent="-215900">
               <a:spcBef>
-                <a:spcPts val="283"/>
+                <a:spcPts val="285"/>
               </a:spcBef>
               <a:buClr>
                 <a:srgbClr val="000000"/>
               </a:buClr>
               <a:buSzPct val="45000"/>
-              <a:buFont typeface="Wingdings" charset="2"/>
+              <a:buFont typeface="Wingdings" panose="05000000000000000000" pitchFamily="2" charset="2"/>
               <a:buChar char=""/>
             </a:pPr>
             <a:r>
-              <a:rPr b="0" lang="en-US" sz="1300" spc="-1" strike="noStrike">
+              <a:rPr lang="en-US" sz="1300" b="0" strike="noStrike" spc="-1">
                 <a:solidFill>
                   <a:srgbClr val="000000"/>
                 </a:solidFill>
-                <a:latin typeface="Arial"/>
+                <a:latin typeface="Arial" panose="020B0604020202020204"/>
               </a:rPr>
               <a:t>Seventh Outline Level</a:t>
             </a:r>
-            <a:endParaRPr b="0" lang="en-US" sz="1300" spc="-1" strike="noStrike">
-              <a:solidFill>
-                <a:srgbClr val="000000"/>
-              </a:solidFill>
-              <a:latin typeface="Arial"/>
+            <a:endParaRPr lang="en-US" sz="1300" b="0" strike="noStrike" spc="-1">
+              <a:solidFill>
+                <a:srgbClr val="000000"/>
+              </a:solidFill>
+              <a:latin typeface="Arial" panose="020B0604020202020204"/>
             </a:endParaRPr>
           </a:p>
         </p:txBody>
@@ -6855,20 +7081,20 @@
           </a:bodyPr>
           <a:lstStyle>
             <a:lvl1pPr>
-              <a:defRPr b="0" lang="en-US" sz="1400" spc="-1" strike="noStrike">
-                <a:latin typeface="Times New Roman"/>
+              <a:defRPr lang="en-US" sz="1400" b="0" strike="noStrike" spc="-1">
+                <a:latin typeface="Times New Roman" panose="02020603050405020304"/>
               </a:defRPr>
             </a:lvl1pPr>
           </a:lstStyle>
           <a:p>
             <a:r>
-              <a:rPr b="0" lang="en-US" sz="1400" spc="-1" strike="noStrike">
-                <a:latin typeface="Times New Roman"/>
+              <a:rPr lang="en-US" sz="1400" b="0" strike="noStrike" spc="-1">
+                <a:latin typeface="Times New Roman" panose="02020603050405020304"/>
               </a:rPr>
               <a:t>&lt;date/time&gt;</a:t>
             </a:r>
-            <a:endParaRPr b="0" lang="en-US" sz="1400" spc="-1" strike="noStrike">
-              <a:latin typeface="Times New Roman"/>
+            <a:endParaRPr lang="en-US" sz="1400" b="0" strike="noStrike" spc="-1">
+              <a:latin typeface="Times New Roman" panose="02020603050405020304"/>
             </a:endParaRPr>
           </a:p>
         </p:txBody>
@@ -6903,8 +7129,8 @@
           <a:lstStyle>
             <a:lvl1pPr algn="ctr">
               <a:buNone/>
-              <a:defRPr b="0" lang="en-US" sz="1400" spc="-1" strike="noStrike">
-                <a:latin typeface="Times New Roman"/>
+              <a:defRPr lang="en-US" sz="1400" b="0" strike="noStrike" spc="-1">
+                <a:latin typeface="Times New Roman" panose="02020603050405020304"/>
               </a:defRPr>
             </a:lvl1pPr>
           </a:lstStyle>
@@ -6913,13 +7139,13 @@
               <a:buNone/>
             </a:pPr>
             <a:r>
-              <a:rPr b="0" lang="en-US" sz="1400" spc="-1" strike="noStrike">
-                <a:latin typeface="Times New Roman"/>
+              <a:rPr lang="en-US" sz="1400" b="0" strike="noStrike" spc="-1">
+                <a:latin typeface="Times New Roman" panose="02020603050405020304"/>
               </a:rPr>
               <a:t>&lt;footer&gt;</a:t>
             </a:r>
-            <a:endParaRPr b="0" lang="en-US" sz="1400" spc="-1" strike="noStrike">
-              <a:latin typeface="Times New Roman"/>
+            <a:endParaRPr lang="en-US" sz="1400" b="0" strike="noStrike" spc="-1">
+              <a:latin typeface="Times New Roman" panose="02020603050405020304"/>
             </a:endParaRPr>
           </a:p>
         </p:txBody>
@@ -6958,11 +7184,11 @@
               </a:lnSpc>
               <a:buNone/>
               <a:tabLst>
-                <a:tab algn="l" pos="0"/>
+                <a:tab pos="0" algn="l"/>
               </a:tabLst>
-              <a:defRPr b="0" lang="en-US" sz="1340" spc="-1" strike="noStrike">
+              <a:defRPr lang="en-US" sz="1340" b="0" strike="noStrike" spc="-1">
                 <a:solidFill>
-                  <a:srgbClr val="6b038b"/>
+                  <a:srgbClr val="6B038B"/>
                 </a:solidFill>
                 <a:latin typeface="Roboto"/>
                 <a:ea typeface="Roboto"/>
@@ -6976,53 +7202,58 @@
               </a:lnSpc>
               <a:buNone/>
               <a:tabLst>
-                <a:tab algn="l" pos="0"/>
+                <a:tab pos="0" algn="l"/>
               </a:tabLst>
             </a:pPr>
             <a:fld id="{5E8A428E-D5C4-49C3-886F-CD7D5D4222B0}" type="slidenum">
-              <a:rPr b="0" lang="en-US" sz="1340" spc="-1" strike="noStrike">
+              <a:rPr lang="en-US" sz="1340" b="0" strike="noStrike" spc="-1">
                 <a:solidFill>
-                  <a:srgbClr val="6b038b"/>
+                  <a:srgbClr val="6B038B"/>
                 </a:solidFill>
                 <a:latin typeface="Roboto"/>
                 <a:ea typeface="Roboto"/>
               </a:rPr>
-              <a:t>&lt;number&gt;</a:t>
             </a:fld>
-            <a:endParaRPr b="0" lang="en-US" sz="1340" spc="-1" strike="noStrike">
-              <a:latin typeface="Times New Roman"/>
+            <a:endParaRPr lang="en-US" sz="1340" b="0" strike="noStrike" spc="-1">
+              <a:latin typeface="Times New Roman" panose="02020603050405020304"/>
             </a:endParaRPr>
           </a:p>
         </p:txBody>
       </p:sp>
     </p:spTree>
   </p:cSld>
-  <p:clrMap bg1="lt1" bg2="lt2" tx1="dk1" tx2="dk2" accent1="accent1" accent2="accent2" accent3="accent3" accent4="accent4" accent5="accent5" accent6="accent6" hlink="hlink" folHlink="folHlink"/>
+  <p:clrMap bg1="lt1" tx1="dk1" bg2="lt2" tx2="dk2" accent1="accent1" accent2="accent2" accent3="accent3" accent4="accent4" accent5="accent5" accent6="accent6" hlink="hlink" folHlink="folHlink"/>
   <p:sldLayoutIdLst>
-    <p:sldLayoutId id="2147483662" r:id="rId2"/>
-    <p:sldLayoutId id="2147483663" r:id="rId3"/>
-    <p:sldLayoutId id="2147483664" r:id="rId4"/>
-    <p:sldLayoutId id="2147483665" r:id="rId5"/>
-    <p:sldLayoutId id="2147483666" r:id="rId6"/>
-    <p:sldLayoutId id="2147483667" r:id="rId7"/>
-    <p:sldLayoutId id="2147483668" r:id="rId8"/>
-    <p:sldLayoutId id="2147483669" r:id="rId9"/>
-    <p:sldLayoutId id="2147483670" r:id="rId10"/>
-    <p:sldLayoutId id="2147483671" r:id="rId11"/>
-    <p:sldLayoutId id="2147483672" r:id="rId12"/>
-    <p:sldLayoutId id="2147483673" r:id="rId13"/>
+    <p:sldLayoutId id="2147483662" r:id="rId1"/>
+    <p:sldLayoutId id="2147483663" r:id="rId2"/>
+    <p:sldLayoutId id="2147483664" r:id="rId3"/>
+    <p:sldLayoutId id="2147483665" r:id="rId4"/>
+    <p:sldLayoutId id="2147483666" r:id="rId5"/>
+    <p:sldLayoutId id="2147483667" r:id="rId6"/>
+    <p:sldLayoutId id="2147483668" r:id="rId7"/>
+    <p:sldLayoutId id="2147483669" r:id="rId8"/>
+    <p:sldLayoutId id="2147483670" r:id="rId9"/>
+    <p:sldLayoutId id="2147483671" r:id="rId10"/>
+    <p:sldLayoutId id="2147483672" r:id="rId11"/>
+    <p:sldLayoutId id="2147483673" r:id="rId12"/>
   </p:sldLayoutIdLst>
+  <p:txStyles>
+    <p:titleStyle/>
+    <p:bodyStyle/>
+    <p:otherStyle/>
+  </p:txStyles>
 </p:sldMaster>
 </file>
 
 <file path=ppt/slideMasters/slideMaster3.xml><?xml version="1.0" encoding="utf-8"?>
-<p:sldMaster xmlns:a="http://schemas.openxmlformats.org/drawingml/2006/main" xmlns:p="http://schemas.openxmlformats.org/presentationml/2006/main" xmlns:r="http://schemas.openxmlformats.org/officeDocument/2006/relationships" xmlns:p14="http://schemas.microsoft.com/office/powerpoint/2010/main" xmlns:p15="http://schemas.microsoft.com/office/powerpoint/2012/main" xmlns:mc="http://schemas.openxmlformats.org/markup-compatibility/2006">
+<p:sldMaster xmlns:a="http://schemas.openxmlformats.org/drawingml/2006/main" xmlns:r="http://schemas.openxmlformats.org/officeDocument/2006/relationships" xmlns:p="http://schemas.openxmlformats.org/presentationml/2006/main">
   <p:cSld>
     <p:bg>
       <p:bgPr>
         <a:solidFill>
           <a:srgbClr val="525252"/>
         </a:solidFill>
+        <a:effectLst/>
       </p:bgPr>
     </p:bg>
     <p:spTree>
@@ -7054,6 +7285,7 @@
             <a:avLst/>
             <a:gdLst/>
             <a:ahLst/>
+            <a:cxnLst/>
             <a:rect l="l" t="t" r="r" b="b"/>
             <a:pathLst>
               <a:path w="365770" h="175924">
@@ -7081,9 +7313,15 @@
           </a:ln>
         </p:spPr>
         <p:style>
-          <a:lnRef idx="0"/>
-          <a:fillRef idx="0"/>
-          <a:effectRef idx="0"/>
+          <a:lnRef idx="0">
+            <a:srgbClr val="FFFFFF"/>
+          </a:lnRef>
+          <a:fillRef idx="0">
+            <a:srgbClr val="FFFFFF"/>
+          </a:fillRef>
+          <a:effectRef idx="0">
+            <a:srgbClr val="FFFFFF"/>
+          </a:effectRef>
           <a:fontRef idx="minor"/>
         </p:style>
       </p:sp>
@@ -7111,24 +7349,24 @@
           </a:ln>
         </p:spPr>
         <p:txBody>
-          <a:bodyPr lIns="122040" rIns="122040" tIns="122040" bIns="122040" anchor="t">
+          <a:bodyPr lIns="122040" tIns="122040" rIns="122040" bIns="122040" anchor="t">
             <a:noAutofit/>
           </a:bodyPr>
           <a:p>
             <a:r>
-              <a:rPr b="0" lang="en-US" sz="4800" spc="-1" strike="noStrike">
+              <a:rPr lang="en-US" sz="4800" b="0" strike="noStrike" spc="-1">
                 <a:solidFill>
                   <a:srgbClr val="000000"/>
                 </a:solidFill>
-                <a:latin typeface="Arial"/>
+                <a:latin typeface="Arial" panose="020B0604020202020204"/>
               </a:rPr>
               <a:t>Click to edit the title text format</a:t>
             </a:r>
-            <a:endParaRPr b="0" lang="en-US" sz="4800" spc="-1" strike="noStrike">
-              <a:solidFill>
-                <a:srgbClr val="000000"/>
-              </a:solidFill>
-              <a:latin typeface="Arial"/>
+            <a:endParaRPr lang="en-US" sz="4800" b="0" strike="noStrike" spc="-1">
+              <a:solidFill>
+                <a:srgbClr val="000000"/>
+              </a:solidFill>
+              <a:latin typeface="Arial" panose="020B0604020202020204"/>
             </a:endParaRPr>
           </a:p>
         </p:txBody>
@@ -7157,7 +7395,7 @@
           </a:ln>
         </p:spPr>
         <p:txBody>
-          <a:bodyPr lIns="122040" rIns="122040" tIns="122040" bIns="122040" anchor="ctr">
+          <a:bodyPr lIns="122040" tIns="122040" rIns="122040" bIns="122040" anchor="ctr">
             <a:noAutofit/>
           </a:bodyPr>
           <a:lstStyle>
@@ -7167,11 +7405,11 @@
               </a:lnSpc>
               <a:buNone/>
               <a:tabLst>
-                <a:tab algn="l" pos="0"/>
+                <a:tab pos="0" algn="l"/>
               </a:tabLst>
-              <a:defRPr b="0" lang="en-US" sz="1300" spc="-1" strike="noStrike">
+              <a:defRPr lang="en-US" sz="1300" b="0" strike="noStrike" spc="-1">
                 <a:solidFill>
-                  <a:srgbClr val="ffffff"/>
+                  <a:srgbClr val="FFFFFF"/>
                 </a:solidFill>
                 <a:latin typeface="Roboto"/>
                 <a:ea typeface="Roboto"/>
@@ -7185,21 +7423,20 @@
               </a:lnSpc>
               <a:buNone/>
               <a:tabLst>
-                <a:tab algn="l" pos="0"/>
+                <a:tab pos="0" algn="l"/>
               </a:tabLst>
             </a:pPr>
             <a:fld id="{F5F4C020-B1E8-4A97-A56E-5326BAE8F817}" type="slidenum">
-              <a:rPr b="0" lang="en-US" sz="1300" spc="-1" strike="noStrike">
+              <a:rPr lang="en-US" sz="1300" b="0" strike="noStrike" spc="-1">
                 <a:solidFill>
-                  <a:srgbClr val="ffffff"/>
+                  <a:srgbClr val="FFFFFF"/>
                 </a:solidFill>
                 <a:latin typeface="Roboto"/>
                 <a:ea typeface="Roboto"/>
               </a:rPr>
-              <a:t>&lt;number&gt;</a:t>
             </a:fld>
-            <a:endParaRPr b="0" lang="en-US" sz="1300" spc="-1" strike="noStrike">
-              <a:latin typeface="Times New Roman"/>
+            <a:endParaRPr lang="en-US" sz="1300" b="0" strike="noStrike" spc="-1">
+              <a:latin typeface="Times New Roman" panose="02020603050405020304"/>
             </a:endParaRPr>
           </a:p>
         </p:txBody>
@@ -7228,67 +7465,67 @@
           </a:ln>
         </p:spPr>
         <p:txBody>
-          <a:bodyPr lIns="0" rIns="0" tIns="0" bIns="0" anchor="t">
+          <a:bodyPr lIns="0" tIns="0" rIns="0" bIns="0" anchor="t">
             <a:normAutofit/>
           </a:bodyPr>
           <a:p>
-            <a:pPr marL="432000" indent="-324000">
+            <a:pPr marL="431800" indent="-323850">
               <a:spcBef>
-                <a:spcPts val="1417"/>
+                <a:spcPts val="1415"/>
               </a:spcBef>
               <a:buClr>
                 <a:srgbClr val="000000"/>
               </a:buClr>
               <a:buSzPct val="45000"/>
-              <a:buFont typeface="Wingdings" charset="2"/>
+              <a:buFont typeface="Wingdings" panose="05000000000000000000" pitchFamily="2" charset="2"/>
               <a:buChar char=""/>
             </a:pPr>
             <a:r>
-              <a:rPr b="0" lang="en-US" sz="1400" spc="-1" strike="noStrike">
+              <a:rPr lang="en-US" sz="1400" b="0" strike="noStrike" spc="-1">
                 <a:solidFill>
                   <a:srgbClr val="000000"/>
                 </a:solidFill>
-                <a:latin typeface="Arial"/>
+                <a:latin typeface="Arial" panose="020B0604020202020204"/>
               </a:rPr>
               <a:t>Click to edit the outline text format</a:t>
             </a:r>
-            <a:endParaRPr b="0" lang="en-US" sz="1400" spc="-1" strike="noStrike">
-              <a:solidFill>
-                <a:srgbClr val="000000"/>
-              </a:solidFill>
-              <a:latin typeface="Arial"/>
-            </a:endParaRPr>
-          </a:p>
-          <a:p>
-            <a:pPr lvl="1" marL="864000" indent="-324000">
+            <a:endParaRPr lang="en-US" sz="1400" b="0" strike="noStrike" spc="-1">
+              <a:solidFill>
+                <a:srgbClr val="000000"/>
+              </a:solidFill>
+              <a:latin typeface="Arial" panose="020B0604020202020204"/>
+            </a:endParaRPr>
+          </a:p>
+          <a:p>
+            <a:pPr marL="864235" lvl="1" indent="-323850">
               <a:spcBef>
-                <a:spcPts val="1134"/>
+                <a:spcPts val="1135"/>
               </a:spcBef>
               <a:buClr>
                 <a:srgbClr val="000000"/>
               </a:buClr>
               <a:buSzPct val="75000"/>
-              <a:buFont typeface="Symbol" charset="2"/>
+              <a:buFont typeface="Symbol" panose="05050102010706020507" charset="2"/>
               <a:buChar char=""/>
             </a:pPr>
             <a:r>
-              <a:rPr b="0" lang="en-US" sz="1400" spc="-1" strike="noStrike">
+              <a:rPr lang="en-US" sz="1400" b="0" strike="noStrike" spc="-1">
                 <a:solidFill>
                   <a:srgbClr val="000000"/>
                 </a:solidFill>
-                <a:latin typeface="Arial"/>
+                <a:latin typeface="Arial" panose="020B0604020202020204"/>
               </a:rPr>
               <a:t>Second Outline Level</a:t>
             </a:r>
-            <a:endParaRPr b="0" lang="en-US" sz="1400" spc="-1" strike="noStrike">
-              <a:solidFill>
-                <a:srgbClr val="000000"/>
-              </a:solidFill>
-              <a:latin typeface="Arial"/>
-            </a:endParaRPr>
-          </a:p>
-          <a:p>
-            <a:pPr lvl="2" marL="1296000" indent="-288000">
+            <a:endParaRPr lang="en-US" sz="1400" b="0" strike="noStrike" spc="-1">
+              <a:solidFill>
+                <a:srgbClr val="000000"/>
+              </a:solidFill>
+              <a:latin typeface="Arial" panose="020B0604020202020204"/>
+            </a:endParaRPr>
+          </a:p>
+          <a:p>
+            <a:pPr marL="1296035" lvl="2" indent="-288290">
               <a:spcBef>
                 <a:spcPts val="850"/>
               </a:spcBef>
@@ -7296,161 +7533,166 @@
                 <a:srgbClr val="000000"/>
               </a:buClr>
               <a:buSzPct val="45000"/>
-              <a:buFont typeface="Wingdings" charset="2"/>
+              <a:buFont typeface="Wingdings" panose="05000000000000000000" pitchFamily="2" charset="2"/>
               <a:buChar char=""/>
             </a:pPr>
             <a:r>
-              <a:rPr b="0" lang="en-US" sz="1400" spc="-1" strike="noStrike">
+              <a:rPr lang="en-US" sz="1400" b="0" strike="noStrike" spc="-1">
                 <a:solidFill>
                   <a:srgbClr val="000000"/>
                 </a:solidFill>
-                <a:latin typeface="Arial"/>
+                <a:latin typeface="Arial" panose="020B0604020202020204"/>
               </a:rPr>
               <a:t>Third Outline Level</a:t>
             </a:r>
-            <a:endParaRPr b="0" lang="en-US" sz="1400" spc="-1" strike="noStrike">
-              <a:solidFill>
-                <a:srgbClr val="000000"/>
-              </a:solidFill>
-              <a:latin typeface="Arial"/>
-            </a:endParaRPr>
-          </a:p>
-          <a:p>
-            <a:pPr lvl="3" marL="1728000" indent="-216000">
+            <a:endParaRPr lang="en-US" sz="1400" b="0" strike="noStrike" spc="-1">
+              <a:solidFill>
+                <a:srgbClr val="000000"/>
+              </a:solidFill>
+              <a:latin typeface="Arial" panose="020B0604020202020204"/>
+            </a:endParaRPr>
+          </a:p>
+          <a:p>
+            <a:pPr marL="1727835" lvl="3" indent="-215900">
               <a:spcBef>
-                <a:spcPts val="567"/>
+                <a:spcPts val="565"/>
               </a:spcBef>
               <a:buClr>
                 <a:srgbClr val="000000"/>
               </a:buClr>
               <a:buSzPct val="75000"/>
-              <a:buFont typeface="Symbol" charset="2"/>
+              <a:buFont typeface="Symbol" panose="05050102010706020507" charset="2"/>
               <a:buChar char=""/>
             </a:pPr>
             <a:r>
-              <a:rPr b="0" lang="en-US" sz="1400" spc="-1" strike="noStrike">
+              <a:rPr lang="en-US" sz="1400" b="0" strike="noStrike" spc="-1">
                 <a:solidFill>
                   <a:srgbClr val="000000"/>
                 </a:solidFill>
-                <a:latin typeface="Arial"/>
+                <a:latin typeface="Arial" panose="020B0604020202020204"/>
               </a:rPr>
               <a:t>Fourth Outline Level</a:t>
             </a:r>
-            <a:endParaRPr b="0" lang="en-US" sz="1400" spc="-1" strike="noStrike">
-              <a:solidFill>
-                <a:srgbClr val="000000"/>
-              </a:solidFill>
-              <a:latin typeface="Arial"/>
-            </a:endParaRPr>
-          </a:p>
-          <a:p>
-            <a:pPr lvl="4" marL="2160000" indent="-216000">
+            <a:endParaRPr lang="en-US" sz="1400" b="0" strike="noStrike" spc="-1">
+              <a:solidFill>
+                <a:srgbClr val="000000"/>
+              </a:solidFill>
+              <a:latin typeface="Arial" panose="020B0604020202020204"/>
+            </a:endParaRPr>
+          </a:p>
+          <a:p>
+            <a:pPr marL="2160270" lvl="4" indent="-215900">
               <a:spcBef>
-                <a:spcPts val="283"/>
+                <a:spcPts val="285"/>
               </a:spcBef>
               <a:buClr>
                 <a:srgbClr val="000000"/>
               </a:buClr>
               <a:buSzPct val="45000"/>
-              <a:buFont typeface="Wingdings" charset="2"/>
+              <a:buFont typeface="Wingdings" panose="05000000000000000000" pitchFamily="2" charset="2"/>
               <a:buChar char=""/>
             </a:pPr>
             <a:r>
-              <a:rPr b="0" lang="en-US" sz="2000" spc="-1" strike="noStrike">
+              <a:rPr lang="en-US" sz="2000" b="0" strike="noStrike" spc="-1">
                 <a:solidFill>
                   <a:srgbClr val="000000"/>
                 </a:solidFill>
-                <a:latin typeface="Arial"/>
+                <a:latin typeface="Arial" panose="020B0604020202020204"/>
               </a:rPr>
               <a:t>Fifth Outline Level</a:t>
             </a:r>
-            <a:endParaRPr b="0" lang="en-US" sz="2000" spc="-1" strike="noStrike">
-              <a:solidFill>
-                <a:srgbClr val="000000"/>
-              </a:solidFill>
-              <a:latin typeface="Arial"/>
-            </a:endParaRPr>
-          </a:p>
-          <a:p>
-            <a:pPr lvl="5" marL="2592000" indent="-216000">
+            <a:endParaRPr lang="en-US" sz="2000" b="0" strike="noStrike" spc="-1">
+              <a:solidFill>
+                <a:srgbClr val="000000"/>
+              </a:solidFill>
+              <a:latin typeface="Arial" panose="020B0604020202020204"/>
+            </a:endParaRPr>
+          </a:p>
+          <a:p>
+            <a:pPr marL="2592070" lvl="5" indent="-215900">
               <a:spcBef>
-                <a:spcPts val="283"/>
+                <a:spcPts val="285"/>
               </a:spcBef>
               <a:buClr>
                 <a:srgbClr val="000000"/>
               </a:buClr>
               <a:buSzPct val="45000"/>
-              <a:buFont typeface="Wingdings" charset="2"/>
+              <a:buFont typeface="Wingdings" panose="05000000000000000000" pitchFamily="2" charset="2"/>
               <a:buChar char=""/>
             </a:pPr>
             <a:r>
-              <a:rPr b="0" lang="en-US" sz="2000" spc="-1" strike="noStrike">
+              <a:rPr lang="en-US" sz="2000" b="0" strike="noStrike" spc="-1">
                 <a:solidFill>
                   <a:srgbClr val="000000"/>
                 </a:solidFill>
-                <a:latin typeface="Arial"/>
+                <a:latin typeface="Arial" panose="020B0604020202020204"/>
               </a:rPr>
               <a:t>Sixth Outline Level</a:t>
             </a:r>
-            <a:endParaRPr b="0" lang="en-US" sz="2000" spc="-1" strike="noStrike">
-              <a:solidFill>
-                <a:srgbClr val="000000"/>
-              </a:solidFill>
-              <a:latin typeface="Arial"/>
-            </a:endParaRPr>
-          </a:p>
-          <a:p>
-            <a:pPr lvl="6" marL="3024000" indent="-216000">
+            <a:endParaRPr lang="en-US" sz="2000" b="0" strike="noStrike" spc="-1">
+              <a:solidFill>
+                <a:srgbClr val="000000"/>
+              </a:solidFill>
+              <a:latin typeface="Arial" panose="020B0604020202020204"/>
+            </a:endParaRPr>
+          </a:p>
+          <a:p>
+            <a:pPr marL="3023870" lvl="6" indent="-215900">
               <a:spcBef>
-                <a:spcPts val="283"/>
+                <a:spcPts val="285"/>
               </a:spcBef>
               <a:buClr>
                 <a:srgbClr val="000000"/>
               </a:buClr>
               <a:buSzPct val="45000"/>
-              <a:buFont typeface="Wingdings" charset="2"/>
+              <a:buFont typeface="Wingdings" panose="05000000000000000000" pitchFamily="2" charset="2"/>
               <a:buChar char=""/>
             </a:pPr>
             <a:r>
-              <a:rPr b="0" lang="en-US" sz="2000" spc="-1" strike="noStrike">
+              <a:rPr lang="en-US" sz="2000" b="0" strike="noStrike" spc="-1">
                 <a:solidFill>
                   <a:srgbClr val="000000"/>
                 </a:solidFill>
-                <a:latin typeface="Arial"/>
+                <a:latin typeface="Arial" panose="020B0604020202020204"/>
               </a:rPr>
               <a:t>Seventh Outline Level</a:t>
             </a:r>
-            <a:endParaRPr b="0" lang="en-US" sz="2000" spc="-1" strike="noStrike">
-              <a:solidFill>
-                <a:srgbClr val="000000"/>
-              </a:solidFill>
-              <a:latin typeface="Arial"/>
+            <a:endParaRPr lang="en-US" sz="2000" b="0" strike="noStrike" spc="-1">
+              <a:solidFill>
+                <a:srgbClr val="000000"/>
+              </a:solidFill>
+              <a:latin typeface="Arial" panose="020B0604020202020204"/>
             </a:endParaRPr>
           </a:p>
         </p:txBody>
       </p:sp>
     </p:spTree>
   </p:cSld>
-  <p:clrMap bg1="lt1" bg2="lt2" tx1="dk1" tx2="dk2" accent1="accent1" accent2="accent2" accent3="accent3" accent4="accent4" accent5="accent5" accent6="accent6" hlink="hlink" folHlink="folHlink"/>
+  <p:clrMap bg1="lt1" tx1="dk1" bg2="lt2" tx2="dk2" accent1="accent1" accent2="accent2" accent3="accent3" accent4="accent4" accent5="accent5" accent6="accent6" hlink="hlink" folHlink="folHlink"/>
   <p:sldLayoutIdLst>
-    <p:sldLayoutId id="2147483675" r:id="rId2"/>
-    <p:sldLayoutId id="2147483676" r:id="rId3"/>
-    <p:sldLayoutId id="2147483677" r:id="rId4"/>
-    <p:sldLayoutId id="2147483678" r:id="rId5"/>
-    <p:sldLayoutId id="2147483679" r:id="rId6"/>
-    <p:sldLayoutId id="2147483680" r:id="rId7"/>
-    <p:sldLayoutId id="2147483681" r:id="rId8"/>
-    <p:sldLayoutId id="2147483682" r:id="rId9"/>
-    <p:sldLayoutId id="2147483683" r:id="rId10"/>
-    <p:sldLayoutId id="2147483684" r:id="rId11"/>
-    <p:sldLayoutId id="2147483685" r:id="rId12"/>
-    <p:sldLayoutId id="2147483686" r:id="rId13"/>
+    <p:sldLayoutId id="2147483675" r:id="rId1"/>
+    <p:sldLayoutId id="2147483676" r:id="rId2"/>
+    <p:sldLayoutId id="2147483677" r:id="rId3"/>
+    <p:sldLayoutId id="2147483678" r:id="rId4"/>
+    <p:sldLayoutId id="2147483679" r:id="rId5"/>
+    <p:sldLayoutId id="2147483680" r:id="rId6"/>
+    <p:sldLayoutId id="2147483681" r:id="rId7"/>
+    <p:sldLayoutId id="2147483682" r:id="rId8"/>
+    <p:sldLayoutId id="2147483683" r:id="rId9"/>
+    <p:sldLayoutId id="2147483684" r:id="rId10"/>
+    <p:sldLayoutId id="2147483685" r:id="rId11"/>
+    <p:sldLayoutId id="2147483686" r:id="rId12"/>
   </p:sldLayoutIdLst>
+  <p:txStyles>
+    <p:titleStyle/>
+    <p:bodyStyle/>
+    <p:otherStyle/>
+  </p:txStyles>
 </p:sldMaster>
 </file>
 
 <file path=ppt/slides/slide1.xml><?xml version="1.0" encoding="utf-8"?>
-<p:sld xmlns:a="http://schemas.openxmlformats.org/drawingml/2006/main" xmlns:p="http://schemas.openxmlformats.org/presentationml/2006/main" xmlns:r="http://schemas.openxmlformats.org/officeDocument/2006/relationships" xmlns:p14="http://schemas.microsoft.com/office/powerpoint/2010/main" xmlns:p15="http://schemas.microsoft.com/office/powerpoint/2012/main" xmlns:mc="http://schemas.openxmlformats.org/markup-compatibility/2006">
+<p:sld xmlns:a="http://schemas.openxmlformats.org/drawingml/2006/main" xmlns:r="http://schemas.openxmlformats.org/officeDocument/2006/relationships" xmlns:p="http://schemas.openxmlformats.org/presentationml/2006/main">
   <p:cSld>
     <p:spTree>
       <p:nvGrpSpPr>
@@ -7494,87 +7736,87 @@
             <a:noAutofit/>
           </a:bodyPr>
           <a:p>
-            <a:pPr marL="194400" algn="ctr">
+            <a:pPr marL="194310" algn="ctr">
               <a:lnSpc>
                 <a:spcPct val="115000"/>
               </a:lnSpc>
               <a:buNone/>
               <a:tabLst>
-                <a:tab algn="l" pos="0"/>
+                <a:tab pos="0" algn="l"/>
               </a:tabLst>
             </a:pPr>
             <a:r>
-              <a:rPr b="1" lang="en-US" sz="2650" spc="-1" strike="noStrike">
+              <a:rPr lang="en-US" sz="2650" b="1" strike="noStrike" spc="-1">
                 <a:solidFill>
-                  <a:srgbClr val="ffffff"/>
+                  <a:srgbClr val="FFFFFF"/>
                 </a:solidFill>
-                <a:latin typeface="Verdana"/>
-                <a:ea typeface="Verdana"/>
+                <a:latin typeface="Verdana" panose="020B0604030504040204"/>
+                <a:ea typeface="Verdana" panose="020B0604030504040204"/>
               </a:rPr>
               <a:t>Instructor</a:t>
             </a:r>
-            <a:endParaRPr b="0" lang="en-US" sz="2650" spc="-1" strike="noStrike">
-              <a:solidFill>
-                <a:srgbClr val="000000"/>
-              </a:solidFill>
-              <a:latin typeface="Arial"/>
-            </a:endParaRPr>
-          </a:p>
-          <a:p>
-            <a:pPr marL="194400" algn="ctr">
+            <a:endParaRPr lang="en-US" sz="2650" b="0" strike="noStrike" spc="-1">
+              <a:solidFill>
+                <a:srgbClr val="000000"/>
+              </a:solidFill>
+              <a:latin typeface="Arial" panose="020B0604020202020204"/>
+            </a:endParaRPr>
+          </a:p>
+          <a:p>
+            <a:pPr marL="194310" algn="ctr">
               <a:lnSpc>
                 <a:spcPct val="115000"/>
               </a:lnSpc>
               <a:buNone/>
               <a:tabLst>
-                <a:tab algn="l" pos="0"/>
+                <a:tab pos="0" algn="l"/>
               </a:tabLst>
             </a:pPr>
             <a:br>
               <a:rPr sz="2400"/>
             </a:br>
             <a:r>
-              <a:rPr b="0" lang="en-US" sz="2400" spc="-1" strike="noStrike">
+              <a:rPr lang="en-US" sz="2400" b="0" strike="noStrike" spc="-1">
                 <a:solidFill>
-                  <a:srgbClr val="ffffff"/>
+                  <a:srgbClr val="FFFFFF"/>
                 </a:solidFill>
-                <a:latin typeface="Arial"/>
-                <a:ea typeface="Arial"/>
+                <a:latin typeface="Arial" panose="020B0604020202020204"/>
+                <a:ea typeface="Arial" panose="020B0604020202020204"/>
               </a:rPr>
               <a:t>Austin French</a:t>
             </a:r>
-            <a:endParaRPr b="0" lang="en-US" sz="2400" spc="-1" strike="noStrike">
-              <a:solidFill>
-                <a:srgbClr val="000000"/>
-              </a:solidFill>
-              <a:latin typeface="Arial"/>
-            </a:endParaRPr>
-          </a:p>
-          <a:p>
-            <a:pPr marL="194400" algn="ctr">
+            <a:endParaRPr lang="en-US" sz="2400" b="0" strike="noStrike" spc="-1">
+              <a:solidFill>
+                <a:srgbClr val="000000"/>
+              </a:solidFill>
+              <a:latin typeface="Arial" panose="020B0604020202020204"/>
+            </a:endParaRPr>
+          </a:p>
+          <a:p>
+            <a:pPr marL="194310" algn="ctr">
               <a:lnSpc>
                 <a:spcPct val="115000"/>
               </a:lnSpc>
               <a:buNone/>
               <a:tabLst>
-                <a:tab algn="l" pos="0"/>
+                <a:tab pos="0" algn="l"/>
               </a:tabLst>
             </a:pPr>
             <a:r>
-              <a:rPr b="0" lang="en-US" sz="2000" spc="-1" strike="noStrike">
+              <a:rPr lang="en-US" sz="2000" b="0" strike="noStrike" spc="-1">
                 <a:solidFill>
-                  <a:srgbClr val="ffffff"/>
+                  <a:srgbClr val="FFFFFF"/>
                 </a:solidFill>
-                <a:latin typeface="Arial"/>
-                <a:ea typeface="Arial"/>
+                <a:latin typeface="Arial" panose="020B0604020202020204"/>
+                <a:ea typeface="Arial" panose="020B0604020202020204"/>
               </a:rPr>
               <a:t>Austin.french@smoothstack.com</a:t>
             </a:r>
-            <a:endParaRPr b="0" lang="en-US" sz="2000" spc="-1" strike="noStrike">
-              <a:solidFill>
-                <a:srgbClr val="000000"/>
-              </a:solidFill>
-              <a:latin typeface="Arial"/>
+            <a:endParaRPr lang="en-US" sz="2000" b="0" strike="noStrike" spc="-1">
+              <a:solidFill>
+                <a:srgbClr val="000000"/>
+              </a:solidFill>
+              <a:latin typeface="Arial" panose="020B0604020202020204"/>
             </a:endParaRPr>
           </a:p>
         </p:txBody>
@@ -7607,88 +7849,90 @@
             <a:normAutofit/>
           </a:bodyPr>
           <a:p>
-            <a:pPr marL="194400" algn="ctr">
+            <a:pPr marL="194310" algn="ctr">
               <a:lnSpc>
                 <a:spcPct val="200000"/>
               </a:lnSpc>
               <a:buNone/>
               <a:tabLst>
-                <a:tab algn="l" pos="0"/>
+                <a:tab pos="0" algn="l"/>
               </a:tabLst>
             </a:pPr>
             <a:r>
-              <a:rPr b="1" lang="en-US" sz="2100" spc="-1" strike="noStrike">
+              <a:rPr lang="en-US" sz="2100" b="1" strike="noStrike" spc="-1">
                 <a:solidFill>
-                  <a:srgbClr val="2d059d"/>
+                  <a:srgbClr val="2D059D"/>
                 </a:solidFill>
-                <a:latin typeface="Verdana"/>
-                <a:ea typeface="Verdana"/>
+                <a:latin typeface="Verdana" panose="020B0604030504040204"/>
+                <a:ea typeface="Verdana" panose="020B0604030504040204"/>
               </a:rPr>
               <a:t>Python Cloud Day 3</a:t>
             </a:r>
-            <a:endParaRPr b="0" lang="en-US" sz="2100" spc="-1" strike="noStrike">
-              <a:solidFill>
-                <a:srgbClr val="000000"/>
-              </a:solidFill>
-              <a:latin typeface="Arial"/>
-            </a:endParaRPr>
-          </a:p>
-          <a:p>
-            <a:pPr marL="194400" algn="ctr">
+            <a:endParaRPr lang="en-US" sz="2100" b="0" strike="noStrike" spc="-1">
+              <a:solidFill>
+                <a:srgbClr val="000000"/>
+              </a:solidFill>
+              <a:latin typeface="Arial" panose="020B0604020202020204"/>
+            </a:endParaRPr>
+          </a:p>
+          <a:p>
+            <a:pPr marL="194310" algn="ctr">
               <a:lnSpc>
                 <a:spcPct val="200000"/>
               </a:lnSpc>
               <a:buNone/>
               <a:tabLst>
-                <a:tab algn="l" pos="0"/>
+                <a:tab pos="0" algn="l"/>
               </a:tabLst>
             </a:pPr>
             <a:r>
-              <a:rPr b="0" lang="en-US" sz="2100" spc="-1" strike="noStrike">
+              <a:rPr lang="en-US" sz="2100" b="0" strike="noStrike" spc="-1">
                 <a:solidFill>
-                  <a:srgbClr val="2d059d"/>
+                  <a:srgbClr val="2D059D"/>
                 </a:solidFill>
-                <a:latin typeface="Verdana"/>
-                <a:ea typeface="Verdana"/>
+                <a:latin typeface="Verdana" panose="020B0604030504040204"/>
+                <a:ea typeface="Verdana" panose="020B0604030504040204"/>
               </a:rPr>
               <a:t>learn.smoothstack.com</a:t>
             </a:r>
-            <a:endParaRPr b="0" lang="en-US" sz="2100" spc="-1" strike="noStrike">
-              <a:solidFill>
-                <a:srgbClr val="000000"/>
-              </a:solidFill>
-              <a:latin typeface="Arial"/>
-            </a:endParaRPr>
-          </a:p>
-          <a:p>
-            <a:pPr marL="609120" indent="-332280">
+            <a:endParaRPr lang="en-US" sz="2100" b="0" strike="noStrike" spc="-1">
+              <a:solidFill>
+                <a:srgbClr val="000000"/>
+              </a:solidFill>
+              <a:latin typeface="Arial" panose="020B0604020202020204"/>
+            </a:endParaRPr>
+          </a:p>
+          <a:p>
+            <a:pPr marL="608965" indent="-332105">
               <a:lnSpc>
                 <a:spcPct val="115000"/>
               </a:lnSpc>
               <a:buNone/>
               <a:tabLst>
-                <a:tab algn="l" pos="0"/>
+                <a:tab pos="0" algn="l"/>
               </a:tabLst>
             </a:pPr>
-            <a:endParaRPr b="0" lang="en-US" sz="2800" spc="-1" strike="noStrike">
-              <a:solidFill>
-                <a:srgbClr val="000000"/>
-              </a:solidFill>
-              <a:latin typeface="Arial"/>
+            <a:endParaRPr lang="en-US" sz="2800" b="0" strike="noStrike" spc="-1">
+              <a:solidFill>
+                <a:srgbClr val="000000"/>
+              </a:solidFill>
+              <a:latin typeface="Arial" panose="020B0604020202020204"/>
             </a:endParaRPr>
           </a:p>
         </p:txBody>
       </p:sp>
       <p:pic>
         <p:nvPicPr>
-          <p:cNvPr id="125" name="Google Shape;127;p1" descr=""/>
+          <p:cNvPr id="125" name="Google Shape;127;p1"/>
           <p:cNvPicPr/>
           <p:nvPr/>
         </p:nvPicPr>
         <p:blipFill>
           <a:blip r:embed="rId1"/>
           <a:srcRect l="6625" t="36368" r="7090" b="36778"/>
-          <a:stretch/>
+          <a:stretch>
+            <a:fillRect/>
+          </a:stretch>
         </p:blipFill>
         <p:spPr>
           <a:xfrm>
@@ -7705,8 +7949,11 @@
       </p:pic>
     </p:spTree>
   </p:cSld>
-  <mc:AlternateContent>
-    <mc:Choice Requires="p14">
+  <p:clrMapOvr>
+    <a:masterClrMapping/>
+  </p:clrMapOvr>
+  <mc:AlternateContent xmlns:mc="http://schemas.openxmlformats.org/markup-compatibility/2006">
+    <mc:Choice xmlns:p14="http://schemas.microsoft.com/office/powerpoint/2010/main" Requires="p14">
       <p:transition spd="slow" p14:dur="2000"/>
     </mc:Choice>
     <mc:Fallback>
@@ -7717,7 +7964,7 @@
 </file>
 
 <file path=ppt/slides/slide2.xml><?xml version="1.0" encoding="utf-8"?>
-<p:sld xmlns:a="http://schemas.openxmlformats.org/drawingml/2006/main" xmlns:p="http://schemas.openxmlformats.org/presentationml/2006/main" xmlns:r="http://schemas.openxmlformats.org/officeDocument/2006/relationships" xmlns:p14="http://schemas.microsoft.com/office/powerpoint/2010/main" xmlns:p15="http://schemas.microsoft.com/office/powerpoint/2012/main" xmlns:mc="http://schemas.openxmlformats.org/markup-compatibility/2006">
+<p:sld xmlns:a="http://schemas.openxmlformats.org/drawingml/2006/main" xmlns:r="http://schemas.openxmlformats.org/officeDocument/2006/relationships" xmlns:p="http://schemas.openxmlformats.org/presentationml/2006/main">
   <p:cSld>
     <p:spTree>
       <p:nvGrpSpPr>
@@ -7767,24 +8014,24 @@
               </a:lnSpc>
               <a:buNone/>
               <a:tabLst>
-                <a:tab algn="l" pos="0"/>
+                <a:tab pos="0" algn="l"/>
               </a:tabLst>
             </a:pPr>
             <a:r>
-              <a:rPr b="0" lang="en-US" sz="2800" spc="-1" strike="noStrike">
+              <a:rPr lang="en-US" sz="2800" b="0" strike="noStrike" spc="-1">
                 <a:solidFill>
-                  <a:srgbClr val="2d059d"/>
+                  <a:srgbClr val="2D059D"/>
                 </a:solidFill>
-                <a:latin typeface="Constantia"/>
-                <a:ea typeface="Constantia"/>
+                <a:latin typeface="Constantia" panose="02030602050306030303"/>
+                <a:ea typeface="Constantia" panose="02030602050306030303"/>
               </a:rPr>
               <a:t>Learning Objectives</a:t>
             </a:r>
-            <a:endParaRPr b="0" lang="en-US" sz="2800" spc="-1" strike="noStrike">
-              <a:solidFill>
-                <a:srgbClr val="000000"/>
-              </a:solidFill>
-              <a:latin typeface="Arial"/>
+            <a:endParaRPr lang="en-US" sz="2800" b="0" strike="noStrike" spc="-1">
+              <a:solidFill>
+                <a:srgbClr val="000000"/>
+              </a:solidFill>
+              <a:latin typeface="Arial" panose="020B0604020202020204"/>
             </a:endParaRPr>
           </a:p>
         </p:txBody>
@@ -7817,165 +8064,177 @@
             <a:normAutofit/>
           </a:bodyPr>
           <a:p>
-            <a:pPr marL="432000" indent="-324000">
+            <a:pPr marL="431800" indent="-323850">
               <a:spcBef>
-                <a:spcPts val="1417"/>
+                <a:spcPts val="1415"/>
               </a:spcBef>
               <a:buClr>
                 <a:srgbClr val="000000"/>
               </a:buClr>
               <a:buSzPct val="45000"/>
-              <a:buFont typeface="Wingdings" charset="2"/>
+              <a:buFont typeface="Wingdings" panose="05000000000000000000" pitchFamily="2" charset="2"/>
               <a:buChar char=""/>
             </a:pPr>
             <a:r>
-              <a:rPr b="0" lang="en-US" sz="2000" spc="-1" strike="noStrike">
+              <a:rPr lang="en-US" sz="2000" b="0" strike="noStrike" spc="-1">
                 <a:solidFill>
-                  <a:srgbClr val="6b038b"/>
+                  <a:srgbClr val="6B038B"/>
                 </a:solidFill>
-                <a:latin typeface="Roboto"/>
+                <a:latin typeface="Constantia" panose="02030602050306030303" charset="0"/>
                 <a:ea typeface="Roboto"/>
+                <a:cs typeface="Constantia" panose="02030602050306030303" charset="0"/>
               </a:rPr>
               <a:t>Venv</a:t>
             </a:r>
-            <a:endParaRPr b="0" lang="en-US" sz="2000" spc="-1" strike="noStrike">
-              <a:solidFill>
-                <a:srgbClr val="000000"/>
-              </a:solidFill>
-              <a:latin typeface="Arial"/>
-            </a:endParaRPr>
-          </a:p>
-          <a:p>
-            <a:pPr marL="432000" indent="-324000">
+            <a:endParaRPr lang="en-US" sz="2000" b="0" strike="noStrike" spc="-1">
+              <a:solidFill>
+                <a:srgbClr val="000000"/>
+              </a:solidFill>
+              <a:latin typeface="Constantia" panose="02030602050306030303" charset="0"/>
+              <a:cs typeface="Constantia" panose="02030602050306030303" charset="0"/>
+            </a:endParaRPr>
+          </a:p>
+          <a:p>
+            <a:pPr marL="431800" indent="-323850">
               <a:lnSpc>
                 <a:spcPct val="100000"/>
               </a:lnSpc>
               <a:spcBef>
-                <a:spcPts val="1417"/>
+                <a:spcPts val="1415"/>
               </a:spcBef>
               <a:buClr>
                 <a:srgbClr val="000000"/>
               </a:buClr>
               <a:buSzPct val="45000"/>
-              <a:buFont typeface="Wingdings" charset="2"/>
+              <a:buFont typeface="Wingdings" panose="05000000000000000000" pitchFamily="2" charset="2"/>
               <a:buChar char=""/>
             </a:pPr>
             <a:r>
-              <a:rPr b="0" lang="en-US" sz="2000" spc="-1" strike="noStrike">
+              <a:rPr lang="en-US" sz="2000" b="0" strike="noStrike" spc="-1">
                 <a:solidFill>
-                  <a:srgbClr val="6b038b"/>
+                  <a:srgbClr val="6B038B"/>
                 </a:solidFill>
-                <a:latin typeface="Roboto"/>
+                <a:latin typeface="Constantia" panose="02030602050306030303" charset="0"/>
                 <a:ea typeface="Roboto"/>
+                <a:cs typeface="Constantia" panose="02030602050306030303" charset="0"/>
               </a:rPr>
               <a:t>Flask</a:t>
             </a:r>
-            <a:endParaRPr b="0" lang="en-US" sz="2000" spc="-1" strike="noStrike">
-              <a:solidFill>
-                <a:srgbClr val="000000"/>
-              </a:solidFill>
-              <a:latin typeface="Arial"/>
-            </a:endParaRPr>
-          </a:p>
-          <a:p>
-            <a:pPr marL="432000" indent="-324000">
+            <a:endParaRPr lang="en-US" sz="2000" b="0" strike="noStrike" spc="-1">
+              <a:solidFill>
+                <a:srgbClr val="000000"/>
+              </a:solidFill>
+              <a:latin typeface="Constantia" panose="02030602050306030303" charset="0"/>
+              <a:cs typeface="Constantia" panose="02030602050306030303" charset="0"/>
+            </a:endParaRPr>
+          </a:p>
+          <a:p>
+            <a:pPr marL="431800" indent="-323850">
               <a:spcBef>
-                <a:spcPts val="1417"/>
+                <a:spcPts val="1415"/>
               </a:spcBef>
               <a:buClr>
                 <a:srgbClr val="000000"/>
               </a:buClr>
               <a:buSzPct val="45000"/>
-              <a:buFont typeface="Wingdings" charset="2"/>
+              <a:buFont typeface="Wingdings" panose="05000000000000000000" pitchFamily="2" charset="2"/>
               <a:buChar char=""/>
             </a:pPr>
             <a:r>
-              <a:rPr b="0" lang="en-US" sz="2000" spc="-1" strike="noStrike">
+              <a:rPr lang="en-US" sz="2000" b="0" strike="noStrike" spc="-1">
                 <a:solidFill>
-                  <a:srgbClr val="6b038b"/>
+                  <a:srgbClr val="6B038B"/>
                 </a:solidFill>
-                <a:latin typeface="Roboto"/>
+                <a:latin typeface="Constantia" panose="02030602050306030303" charset="0"/>
                 <a:ea typeface="Roboto"/>
+                <a:cs typeface="Constantia" panose="02030602050306030303" charset="0"/>
               </a:rPr>
               <a:t>Cookies and sessions</a:t>
             </a:r>
-            <a:endParaRPr b="0" lang="en-US" sz="2000" spc="-1" strike="noStrike">
-              <a:solidFill>
-                <a:srgbClr val="000000"/>
-              </a:solidFill>
-              <a:latin typeface="Arial"/>
-            </a:endParaRPr>
-          </a:p>
-          <a:p>
-            <a:pPr marL="432000" indent="-324000">
+            <a:endParaRPr lang="en-US" sz="2000" b="0" strike="noStrike" spc="-1">
+              <a:solidFill>
+                <a:srgbClr val="000000"/>
+              </a:solidFill>
+              <a:latin typeface="Constantia" panose="02030602050306030303" charset="0"/>
+              <a:cs typeface="Constantia" panose="02030602050306030303" charset="0"/>
+            </a:endParaRPr>
+          </a:p>
+          <a:p>
+            <a:pPr marL="431800" indent="-323850">
               <a:spcBef>
-                <a:spcPts val="1417"/>
+                <a:spcPts val="1415"/>
               </a:spcBef>
               <a:buClr>
                 <a:srgbClr val="000000"/>
               </a:buClr>
               <a:buSzPct val="45000"/>
-              <a:buFont typeface="Wingdings" charset="2"/>
+              <a:buFont typeface="Wingdings" panose="05000000000000000000" pitchFamily="2" charset="2"/>
               <a:buChar char=""/>
             </a:pPr>
             <a:r>
-              <a:rPr b="0" lang="en-US" sz="2000" spc="-1" strike="noStrike">
+              <a:rPr lang="en-US" sz="2000" b="0" strike="noStrike" spc="-1">
                 <a:solidFill>
-                  <a:srgbClr val="6b038b"/>
+                  <a:srgbClr val="6B038B"/>
                 </a:solidFill>
-                <a:latin typeface="Roboto"/>
+                <a:latin typeface="Constantia" panose="02030602050306030303" charset="0"/>
                 <a:ea typeface="Roboto"/>
+                <a:cs typeface="Constantia" panose="02030602050306030303" charset="0"/>
               </a:rPr>
               <a:t>Jinja2 templating</a:t>
             </a:r>
-            <a:endParaRPr b="0" lang="en-US" sz="2000" spc="-1" strike="noStrike">
-              <a:solidFill>
-                <a:srgbClr val="000000"/>
-              </a:solidFill>
-              <a:latin typeface="Arial"/>
-            </a:endParaRPr>
-          </a:p>
-          <a:p>
-            <a:pPr marL="432000" indent="-324000">
+            <a:endParaRPr lang="en-US" sz="2000" b="0" strike="noStrike" spc="-1">
+              <a:solidFill>
+                <a:srgbClr val="000000"/>
+              </a:solidFill>
+              <a:latin typeface="Constantia" panose="02030602050306030303" charset="0"/>
+              <a:cs typeface="Constantia" panose="02030602050306030303" charset="0"/>
+            </a:endParaRPr>
+          </a:p>
+          <a:p>
+            <a:pPr marL="431800" indent="-323850">
               <a:spcBef>
-                <a:spcPts val="1417"/>
+                <a:spcPts val="1415"/>
               </a:spcBef>
               <a:buClr>
                 <a:srgbClr val="000000"/>
               </a:buClr>
               <a:buSzPct val="45000"/>
-              <a:buFont typeface="Wingdings" charset="2"/>
+              <a:buFont typeface="Wingdings" panose="05000000000000000000" pitchFamily="2" charset="2"/>
               <a:buChar char=""/>
             </a:pPr>
             <a:r>
-              <a:rPr b="0" lang="en-US" sz="2000" spc="-1" strike="noStrike">
+              <a:rPr lang="en-US" sz="2000" b="0" strike="noStrike" spc="-1">
                 <a:solidFill>
-                  <a:srgbClr val="6b038b"/>
+                  <a:srgbClr val="6B038B"/>
                 </a:solidFill>
-                <a:latin typeface="Roboto"/>
+                <a:latin typeface="Constantia" panose="02030602050306030303" charset="0"/>
                 <a:ea typeface="Roboto"/>
+                <a:cs typeface="Constantia" panose="02030602050306030303" charset="0"/>
               </a:rPr>
               <a:t>SQLAlchemy</a:t>
             </a:r>
-            <a:endParaRPr b="0" lang="en-US" sz="2000" spc="-1" strike="noStrike">
-              <a:solidFill>
-                <a:srgbClr val="000000"/>
-              </a:solidFill>
-              <a:latin typeface="Arial"/>
+            <a:endParaRPr lang="en-US" sz="2000" b="0" strike="noStrike" spc="-1">
+              <a:solidFill>
+                <a:srgbClr val="000000"/>
+              </a:solidFill>
+              <a:latin typeface="Constantia" panose="02030602050306030303" charset="0"/>
+              <a:cs typeface="Constantia" panose="02030602050306030303" charset="0"/>
             </a:endParaRPr>
           </a:p>
         </p:txBody>
       </p:sp>
       <p:pic>
         <p:nvPicPr>
-          <p:cNvPr id="128" name="Google Shape;134;p2" descr=""/>
+          <p:cNvPr id="128" name="Google Shape;134;p2"/>
           <p:cNvPicPr/>
           <p:nvPr/>
         </p:nvPicPr>
         <p:blipFill>
           <a:blip r:embed="rId1"/>
           <a:srcRect l="6625" t="36368" r="7090" b="36778"/>
-          <a:stretch/>
+          <a:stretch>
+            <a:fillRect/>
+          </a:stretch>
         </p:blipFill>
         <p:spPr>
           <a:xfrm>
@@ -7992,8 +8251,11 @@
       </p:pic>
     </p:spTree>
   </p:cSld>
-  <mc:AlternateContent>
-    <mc:Choice Requires="p14">
+  <p:clrMapOvr>
+    <a:masterClrMapping/>
+  </p:clrMapOvr>
+  <mc:AlternateContent xmlns:mc="http://schemas.openxmlformats.org/markup-compatibility/2006">
+    <mc:Choice xmlns:p14="http://schemas.microsoft.com/office/powerpoint/2010/main" Requires="p14">
       <p:transition spd="slow" p14:dur="2000"/>
     </mc:Choice>
     <mc:Fallback>
@@ -8004,7 +8266,7 @@
 </file>
 
 <file path=ppt/slides/slide3.xml><?xml version="1.0" encoding="utf-8"?>
-<p:sld xmlns:a="http://schemas.openxmlformats.org/drawingml/2006/main" xmlns:p="http://schemas.openxmlformats.org/presentationml/2006/main" xmlns:r="http://schemas.openxmlformats.org/officeDocument/2006/relationships" xmlns:p14="http://schemas.microsoft.com/office/powerpoint/2010/main" xmlns:p15="http://schemas.microsoft.com/office/powerpoint/2012/main" xmlns:mc="http://schemas.openxmlformats.org/markup-compatibility/2006">
+<p:sld xmlns:a="http://schemas.openxmlformats.org/drawingml/2006/main" xmlns:r="http://schemas.openxmlformats.org/officeDocument/2006/relationships" xmlns:p="http://schemas.openxmlformats.org/presentationml/2006/main">
   <p:cSld>
     <p:spTree>
       <p:nvGrpSpPr>
@@ -8055,20 +8317,22 @@
               <a:buNone/>
             </a:pPr>
             <a:r>
-              <a:rPr b="0" lang="en-US" sz="2800" spc="-1" strike="noStrike">
+              <a:rPr lang="en-US" sz="2800" b="0" strike="noStrike" spc="-1">
                 <a:solidFill>
-                  <a:srgbClr val="2d059d"/>
+                  <a:srgbClr val="2D059D"/>
                 </a:solidFill>
-                <a:latin typeface="Merriweather"/>
+                <a:latin typeface="Constantia" panose="02030602050306030303" charset="0"/>
+                <a:cs typeface="Constantia" panose="02030602050306030303" charset="0"/>
               </a:rPr>
               <a:t>venv</a:t>
             </a:r>
-            <a:endParaRPr b="0" lang="en-US" sz="2800" spc="-1" strike="noStrike">
-              <a:solidFill>
-                <a:srgbClr val="2d059d"/>
-              </a:solidFill>
-              <a:latin typeface="Merriweather"/>
+            <a:endParaRPr lang="en-US" sz="2800" b="0" strike="noStrike" spc="-1">
+              <a:solidFill>
+                <a:srgbClr val="2D059D"/>
+              </a:solidFill>
+              <a:latin typeface="Constantia" panose="02030602050306030303" charset="0"/>
               <a:ea typeface="Merriweather"/>
+              <a:cs typeface="Constantia" panose="02030602050306030303" charset="0"/>
             </a:endParaRPr>
           </a:p>
         </p:txBody>
@@ -8101,132 +8365,135 @@
             <a:noAutofit/>
           </a:bodyPr>
           <a:p>
-            <a:pPr marL="432000" indent="-324000">
+            <a:pPr marL="431800" indent="-323850">
               <a:spcBef>
-                <a:spcPts val="1417"/>
+                <a:spcPts val="1415"/>
               </a:spcBef>
               <a:buClr>
                 <a:srgbClr val="000000"/>
               </a:buClr>
               <a:buSzPct val="45000"/>
-              <a:buFont typeface="Wingdings" charset="2"/>
+              <a:buFont typeface="Wingdings" panose="05000000000000000000" pitchFamily="2" charset="2"/>
               <a:buChar char=""/>
             </a:pPr>
             <a:r>
-              <a:rPr b="0" lang="en-US" sz="2000" spc="-1" strike="noStrike">
+              <a:rPr lang="en-US" sz="2000" b="0" strike="noStrike" spc="-1">
                 <a:solidFill>
                   <a:srgbClr val="000000"/>
                 </a:solidFill>
-                <a:latin typeface="Arial"/>
+                <a:latin typeface="Arial" panose="020B0604020202020204"/>
               </a:rPr>
               <a:t>Venv is a tool to create isolated Python environments. The basic problem being addressed is </a:t>
             </a:r>
             <a:r>
-              <a:rPr b="0" lang="en-US" sz="2000" spc="-1" strike="noStrike">
+              <a:rPr lang="en-US" sz="2000" b="0" strike="noStrike" spc="-1">
                 <a:solidFill>
                   <a:srgbClr val="000000"/>
                 </a:solidFill>
-                <a:latin typeface="Arial"/>
+                <a:latin typeface="Arial" panose="020B0604020202020204"/>
               </a:rPr>
               <a:t>one of dependencies and versions, and indirectly permissions.</a:t>
             </a:r>
-            <a:endParaRPr b="0" lang="en-US" sz="2000" spc="-1" strike="noStrike">
-              <a:solidFill>
-                <a:srgbClr val="000000"/>
-              </a:solidFill>
-              <a:latin typeface="Arial"/>
-            </a:endParaRPr>
-          </a:p>
-          <a:p>
-            <a:pPr marL="432000" indent="-324000">
+            <a:endParaRPr lang="en-US" sz="2000" b="0" strike="noStrike" spc="-1">
+              <a:solidFill>
+                <a:srgbClr val="000000"/>
+              </a:solidFill>
+              <a:latin typeface="Arial" panose="020B0604020202020204"/>
+            </a:endParaRPr>
+          </a:p>
+          <a:p>
+            <a:pPr marL="431800" indent="-323850">
               <a:spcBef>
-                <a:spcPts val="1417"/>
+                <a:spcPts val="1415"/>
               </a:spcBef>
               <a:buClr>
                 <a:srgbClr val="000000"/>
               </a:buClr>
               <a:buSzPct val="45000"/>
-              <a:buFont typeface="Wingdings" charset="2"/>
+              <a:buFont typeface="Wingdings" panose="05000000000000000000" pitchFamily="2" charset="2"/>
               <a:buChar char=""/>
             </a:pPr>
             <a:r>
-              <a:rPr b="0" lang="en-US" sz="2000" spc="-1" strike="noStrike">
+              <a:rPr lang="en-US" sz="2000" b="0" strike="noStrike" spc="-1">
                 <a:solidFill>
                   <a:srgbClr val="000000"/>
                 </a:solidFill>
-                <a:latin typeface="Arial"/>
+                <a:latin typeface="Arial" panose="020B0604020202020204"/>
               </a:rPr>
               <a:t>you can create a virtual environment by running the following command:</a:t>
             </a:r>
-            <a:endParaRPr b="0" lang="en-US" sz="2000" spc="-1" strike="noStrike">
-              <a:solidFill>
-                <a:srgbClr val="000000"/>
-              </a:solidFill>
-              <a:latin typeface="Arial"/>
-            </a:endParaRPr>
-          </a:p>
-          <a:p>
-            <a:pPr lvl="1" marL="864000" indent="-324000">
+            <a:endParaRPr lang="en-US" sz="2000" b="0" strike="noStrike" spc="-1">
+              <a:solidFill>
+                <a:srgbClr val="000000"/>
+              </a:solidFill>
+              <a:latin typeface="Arial" panose="020B0604020202020204"/>
+            </a:endParaRPr>
+          </a:p>
+          <a:p>
+            <a:pPr marL="864235" lvl="1" indent="-323850">
               <a:spcBef>
-                <a:spcPts val="1134"/>
+                <a:spcPts val="1135"/>
               </a:spcBef>
               <a:buClr>
                 <a:srgbClr val="000000"/>
               </a:buClr>
               <a:buSzPct val="75000"/>
-              <a:buFont typeface="Symbol" charset="2"/>
+              <a:buFont typeface="Symbol" panose="05050102010706020507" charset="2"/>
               <a:buChar char=""/>
             </a:pPr>
             <a:r>
-              <a:rPr b="0" lang="en-US" sz="2000" spc="-1" strike="noStrike">
+              <a:rPr lang="en-US" sz="2000" b="0" strike="noStrike" spc="-1">
                 <a:solidFill>
                   <a:srgbClr val="000000"/>
                 </a:solidFill>
-                <a:latin typeface="Arial"/>
+                <a:latin typeface="Arial" panose="020B0604020202020204"/>
               </a:rPr>
               <a:t>python3 -m venv env</a:t>
             </a:r>
-            <a:endParaRPr b="0" lang="en-US" sz="2000" spc="-1" strike="noStrike">
-              <a:solidFill>
-                <a:srgbClr val="000000"/>
-              </a:solidFill>
-              <a:latin typeface="Arial"/>
-            </a:endParaRPr>
-          </a:p>
-          <a:p>
-            <a:pPr lvl="1" marL="864000" indent="-324000">
+            <a:endParaRPr lang="en-US" sz="2000" b="0" strike="noStrike" spc="-1">
+              <a:solidFill>
+                <a:srgbClr val="000000"/>
+              </a:solidFill>
+              <a:latin typeface="Arial" panose="020B0604020202020204"/>
+            </a:endParaRPr>
+          </a:p>
+          <a:p>
+            <a:pPr marL="864235" lvl="1" indent="-323850">
               <a:spcBef>
-                <a:spcPts val="1134"/>
+                <a:spcPts val="1135"/>
               </a:spcBef>
               <a:buClr>
                 <a:srgbClr val="000000"/>
               </a:buClr>
               <a:buSzPct val="75000"/>
-              <a:buFont typeface="Symbol" charset="2"/>
+              <a:buFont typeface="Symbol" panose="05050102010706020507" charset="2"/>
               <a:buChar char=""/>
             </a:pPr>
             <a:r>
-              <a:rPr b="0" lang="en-US" sz="2000" spc="-1" strike="noStrike">
+              <a:rPr lang="en-US" sz="2000" b="0" strike="noStrike" spc="-1">
                 <a:solidFill>
                   <a:srgbClr val="000000"/>
                 </a:solidFill>
-                <a:latin typeface="Arial"/>
+                <a:latin typeface="Arial" panose="020B0604020202020204"/>
               </a:rPr>
               <a:t>Once created run the activate executable from env/Scripts/activate</a:t>
             </a:r>
-            <a:endParaRPr b="0" lang="en-US" sz="2000" spc="-1" strike="noStrike">
-              <a:solidFill>
-                <a:srgbClr val="000000"/>
-              </a:solidFill>
-              <a:latin typeface="Arial"/>
+            <a:endParaRPr lang="en-US" sz="2000" b="0" strike="noStrike" spc="-1">
+              <a:solidFill>
+                <a:srgbClr val="000000"/>
+              </a:solidFill>
+              <a:latin typeface="Arial" panose="020B0604020202020204"/>
             </a:endParaRPr>
           </a:p>
         </p:txBody>
       </p:sp>
     </p:spTree>
   </p:cSld>
-  <mc:AlternateContent>
-    <mc:Choice Requires="p14">
+  <p:clrMapOvr>
+    <a:masterClrMapping/>
+  </p:clrMapOvr>
+  <mc:AlternateContent xmlns:mc="http://schemas.openxmlformats.org/markup-compatibility/2006">
+    <mc:Choice xmlns:p14="http://schemas.microsoft.com/office/powerpoint/2010/main" Requires="p14">
       <p:transition spd="slow" p14:dur="2000"/>
     </mc:Choice>
     <mc:Fallback>
@@ -8237,7 +8504,7 @@
 </file>
 
 <file path=ppt/slides/slide4.xml><?xml version="1.0" encoding="utf-8"?>
-<p:sld xmlns:a="http://schemas.openxmlformats.org/drawingml/2006/main" xmlns:p="http://schemas.openxmlformats.org/presentationml/2006/main" xmlns:r="http://schemas.openxmlformats.org/officeDocument/2006/relationships" xmlns:p14="http://schemas.microsoft.com/office/powerpoint/2010/main" xmlns:p15="http://schemas.microsoft.com/office/powerpoint/2012/main" xmlns:mc="http://schemas.openxmlformats.org/markup-compatibility/2006">
+<p:sld xmlns:a="http://schemas.openxmlformats.org/drawingml/2006/main" xmlns:r="http://schemas.openxmlformats.org/officeDocument/2006/relationships" xmlns:p="http://schemas.openxmlformats.org/presentationml/2006/main">
   <p:cSld>
     <p:spTree>
       <p:nvGrpSpPr>
@@ -8288,20 +8555,22 @@
               <a:buNone/>
             </a:pPr>
             <a:r>
-              <a:rPr b="0" lang="en-US" sz="2800" spc="-1" strike="noStrike">
+              <a:rPr lang="en-US" sz="2800" b="0" strike="noStrike" spc="-1">
                 <a:solidFill>
-                  <a:srgbClr val="2d059d"/>
+                  <a:srgbClr val="2D059D"/>
                 </a:solidFill>
-                <a:latin typeface="Merriweather"/>
+                <a:latin typeface="Constantia" panose="02030602050306030303" charset="0"/>
+                <a:cs typeface="Constantia" panose="02030602050306030303" charset="0"/>
               </a:rPr>
               <a:t>Flask</a:t>
             </a:r>
-            <a:endParaRPr b="0" lang="en-US" sz="2800" spc="-1" strike="noStrike">
-              <a:solidFill>
-                <a:srgbClr val="2d059d"/>
-              </a:solidFill>
-              <a:latin typeface="Merriweather"/>
+            <a:endParaRPr lang="en-US" sz="2800" b="0" strike="noStrike" spc="-1">
+              <a:solidFill>
+                <a:srgbClr val="2D059D"/>
+              </a:solidFill>
+              <a:latin typeface="Constantia" panose="02030602050306030303" charset="0"/>
               <a:ea typeface="Merriweather"/>
+              <a:cs typeface="Constantia" panose="02030602050306030303" charset="0"/>
             </a:endParaRPr>
           </a:p>
         </p:txBody>
@@ -8334,235 +8603,238 @@
             <a:noAutofit/>
           </a:bodyPr>
           <a:p>
-            <a:pPr marL="432000" indent="-324000">
+            <a:pPr marL="431800" indent="-323850">
               <a:spcBef>
-                <a:spcPts val="1417"/>
+                <a:spcPts val="1415"/>
               </a:spcBef>
               <a:buClr>
                 <a:srgbClr val="000000"/>
               </a:buClr>
               <a:buSzPct val="45000"/>
-              <a:buFont typeface="Wingdings" charset="2"/>
+              <a:buFont typeface="Wingdings" panose="05000000000000000000" pitchFamily="2" charset="2"/>
               <a:buChar char=""/>
             </a:pPr>
             <a:r>
-              <a:rPr b="0" lang="en-US" sz="2000" spc="-1" strike="noStrike">
+              <a:rPr lang="en-US" sz="2000" b="0" strike="noStrike" spc="-1">
                 <a:solidFill>
                   <a:srgbClr val="000000"/>
                 </a:solidFill>
-                <a:latin typeface="Arial"/>
+                <a:latin typeface="Arial" panose="020B0604020202020204"/>
               </a:rPr>
               <a:t>Flask is a micro web framework written in Python. It is classified as a micro-framework because it does not require particular tools or libraries.</a:t>
             </a:r>
-            <a:endParaRPr b="0" lang="en-US" sz="2000" spc="-1" strike="noStrike">
-              <a:solidFill>
-                <a:srgbClr val="000000"/>
-              </a:solidFill>
-              <a:latin typeface="Arial"/>
-            </a:endParaRPr>
-          </a:p>
-          <a:p>
-            <a:pPr marL="432000" indent="-324000">
+            <a:endParaRPr lang="en-US" sz="2000" b="0" strike="noStrike" spc="-1">
+              <a:solidFill>
+                <a:srgbClr val="000000"/>
+              </a:solidFill>
+              <a:latin typeface="Arial" panose="020B0604020202020204"/>
+            </a:endParaRPr>
+          </a:p>
+          <a:p>
+            <a:pPr marL="431800" indent="-323850">
               <a:spcBef>
-                <a:spcPts val="1417"/>
+                <a:spcPts val="1415"/>
               </a:spcBef>
               <a:buClr>
                 <a:srgbClr val="000000"/>
               </a:buClr>
               <a:buSzPct val="45000"/>
-              <a:buFont typeface="Wingdings" charset="2"/>
+              <a:buFont typeface="Wingdings" panose="05000000000000000000" pitchFamily="2" charset="2"/>
               <a:buChar char=""/>
             </a:pPr>
             <a:r>
-              <a:rPr b="0" lang="en-US" sz="2000" spc="-1" strike="noStrike">
+              <a:rPr lang="en-US" sz="2000" b="0" strike="noStrike" spc="-1">
                 <a:solidFill>
                   <a:srgbClr val="000000"/>
                 </a:solidFill>
-                <a:latin typeface="Arial"/>
+                <a:latin typeface="Arial" panose="020B0604020202020204"/>
               </a:rPr>
               <a:t>To install flask:</a:t>
             </a:r>
-            <a:endParaRPr b="0" lang="en-US" sz="2000" spc="-1" strike="noStrike">
-              <a:solidFill>
-                <a:srgbClr val="000000"/>
-              </a:solidFill>
-              <a:latin typeface="Arial"/>
-            </a:endParaRPr>
-          </a:p>
-          <a:p>
-            <a:pPr lvl="1" marL="864000" indent="-324000">
+            <a:endParaRPr lang="en-US" sz="2000" b="0" strike="noStrike" spc="-1">
+              <a:solidFill>
+                <a:srgbClr val="000000"/>
+              </a:solidFill>
+              <a:latin typeface="Arial" panose="020B0604020202020204"/>
+            </a:endParaRPr>
+          </a:p>
+          <a:p>
+            <a:pPr marL="864235" lvl="1" indent="-323850">
               <a:spcBef>
-                <a:spcPts val="1134"/>
+                <a:spcPts val="1135"/>
               </a:spcBef>
               <a:buClr>
                 <a:srgbClr val="000000"/>
               </a:buClr>
               <a:buSzPct val="75000"/>
-              <a:buFont typeface="Symbol" charset="2"/>
+              <a:buFont typeface="Symbol" panose="05050102010706020507" charset="2"/>
               <a:buChar char=""/>
             </a:pPr>
             <a:r>
-              <a:rPr b="0" lang="en-US" sz="2000" spc="-1" strike="noStrike">
+              <a:rPr lang="en-US" sz="2000" b="0" strike="noStrike" spc="-1">
                 <a:solidFill>
                   <a:srgbClr val="000000"/>
                 </a:solidFill>
-                <a:latin typeface="Arial"/>
+                <a:latin typeface="Arial" panose="020B0604020202020204"/>
               </a:rPr>
               <a:t>Pip install flask</a:t>
             </a:r>
-            <a:endParaRPr b="0" lang="en-US" sz="2000" spc="-1" strike="noStrike">
-              <a:solidFill>
-                <a:srgbClr val="000000"/>
-              </a:solidFill>
-              <a:latin typeface="Arial"/>
-            </a:endParaRPr>
-          </a:p>
-          <a:p>
-            <a:pPr marL="432000" indent="-324000">
+            <a:endParaRPr lang="en-US" sz="2000" b="0" strike="noStrike" spc="-1">
+              <a:solidFill>
+                <a:srgbClr val="000000"/>
+              </a:solidFill>
+              <a:latin typeface="Arial" panose="020B0604020202020204"/>
+            </a:endParaRPr>
+          </a:p>
+          <a:p>
+            <a:pPr marL="431800" indent="-323850">
               <a:spcBef>
-                <a:spcPts val="1417"/>
+                <a:spcPts val="1415"/>
               </a:spcBef>
               <a:buClr>
                 <a:srgbClr val="000000"/>
               </a:buClr>
               <a:buSzPct val="45000"/>
-              <a:buFont typeface="Wingdings" charset="2"/>
+              <a:buFont typeface="Wingdings" panose="05000000000000000000" pitchFamily="2" charset="2"/>
               <a:buChar char=""/>
             </a:pPr>
             <a:r>
-              <a:rPr b="0" lang="en-US" sz="2000" spc="-1" strike="noStrike">
+              <a:rPr lang="en-US" sz="2000" b="0" strike="noStrike" spc="-1">
                 <a:solidFill>
                   <a:srgbClr val="000000"/>
                 </a:solidFill>
-                <a:latin typeface="Arial"/>
+                <a:latin typeface="Arial" panose="020B0604020202020204"/>
               </a:rPr>
               <a:t>There are lots of plugins for flask that add functionality to the framework.</a:t>
             </a:r>
-            <a:endParaRPr b="0" lang="en-US" sz="2000" spc="-1" strike="noStrike">
-              <a:solidFill>
-                <a:srgbClr val="000000"/>
-              </a:solidFill>
-              <a:latin typeface="Arial"/>
-            </a:endParaRPr>
-          </a:p>
-          <a:p>
-            <a:pPr lvl="1" marL="864000" indent="-324000">
+            <a:endParaRPr lang="en-US" sz="2000" b="0" strike="noStrike" spc="-1">
+              <a:solidFill>
+                <a:srgbClr val="000000"/>
+              </a:solidFill>
+              <a:latin typeface="Arial" panose="020B0604020202020204"/>
+            </a:endParaRPr>
+          </a:p>
+          <a:p>
+            <a:pPr marL="864235" lvl="1" indent="-323850">
               <a:spcBef>
-                <a:spcPts val="1134"/>
+                <a:spcPts val="1135"/>
               </a:spcBef>
               <a:buClr>
                 <a:srgbClr val="000000"/>
               </a:buClr>
               <a:buSzPct val="75000"/>
-              <a:buFont typeface="Symbol" charset="2"/>
+              <a:buFont typeface="Symbol" panose="05050102010706020507" charset="2"/>
               <a:buChar char=""/>
             </a:pPr>
             <a:r>
-              <a:rPr b="0" lang="en-US" sz="2000" spc="-1" strike="noStrike">
+              <a:rPr lang="en-US" sz="2000" b="0" strike="noStrike" spc="-1">
                 <a:solidFill>
                   <a:srgbClr val="000000"/>
                 </a:solidFill>
-                <a:latin typeface="Arial"/>
+                <a:latin typeface="Arial" panose="020B0604020202020204"/>
               </a:rPr>
               <a:t>Flask-SQLAlchemy</a:t>
             </a:r>
-            <a:endParaRPr b="0" lang="en-US" sz="2000" spc="-1" strike="noStrike">
-              <a:solidFill>
-                <a:srgbClr val="000000"/>
-              </a:solidFill>
-              <a:latin typeface="Arial"/>
-            </a:endParaRPr>
-          </a:p>
-          <a:p>
-            <a:pPr lvl="1" marL="864000" indent="-324000">
+            <a:endParaRPr lang="en-US" sz="2000" b="0" strike="noStrike" spc="-1">
+              <a:solidFill>
+                <a:srgbClr val="000000"/>
+              </a:solidFill>
+              <a:latin typeface="Arial" panose="020B0604020202020204"/>
+            </a:endParaRPr>
+          </a:p>
+          <a:p>
+            <a:pPr marL="864235" lvl="1" indent="-323850">
               <a:spcBef>
-                <a:spcPts val="1134"/>
+                <a:spcPts val="1135"/>
               </a:spcBef>
               <a:buClr>
                 <a:srgbClr val="000000"/>
               </a:buClr>
               <a:buSzPct val="75000"/>
-              <a:buFont typeface="Symbol" charset="2"/>
+              <a:buFont typeface="Symbol" panose="05050102010706020507" charset="2"/>
               <a:buChar char=""/>
             </a:pPr>
             <a:r>
-              <a:rPr b="0" lang="en-US" sz="2000" spc="-1" strike="noStrike">
+              <a:rPr lang="en-US" sz="2000" b="0" strike="noStrike" spc="-1">
                 <a:solidFill>
                   <a:srgbClr val="000000"/>
                 </a:solidFill>
-                <a:latin typeface="Arial"/>
+                <a:latin typeface="Arial" panose="020B0604020202020204"/>
               </a:rPr>
               <a:t>Flask-login</a:t>
             </a:r>
-            <a:endParaRPr b="0" lang="en-US" sz="2000" spc="-1" strike="noStrike">
-              <a:solidFill>
-                <a:srgbClr val="000000"/>
-              </a:solidFill>
-              <a:latin typeface="Arial"/>
-            </a:endParaRPr>
-          </a:p>
-          <a:p>
-            <a:pPr lvl="1" marL="864000" indent="-324000">
+            <a:endParaRPr lang="en-US" sz="2000" b="0" strike="noStrike" spc="-1">
+              <a:solidFill>
+                <a:srgbClr val="000000"/>
+              </a:solidFill>
+              <a:latin typeface="Arial" panose="020B0604020202020204"/>
+            </a:endParaRPr>
+          </a:p>
+          <a:p>
+            <a:pPr marL="864235" lvl="1" indent="-323850">
               <a:spcBef>
-                <a:spcPts val="1134"/>
+                <a:spcPts val="1135"/>
               </a:spcBef>
               <a:buClr>
                 <a:srgbClr val="000000"/>
               </a:buClr>
               <a:buSzPct val="75000"/>
-              <a:buFont typeface="Symbol" charset="2"/>
+              <a:buFont typeface="Symbol" panose="05050102010706020507" charset="2"/>
               <a:buChar char=""/>
             </a:pPr>
             <a:r>
-              <a:rPr b="0" lang="en-US" sz="2000" spc="-1" strike="noStrike">
+              <a:rPr lang="en-US" sz="2000" b="0" strike="noStrike" spc="-1">
                 <a:solidFill>
                   <a:srgbClr val="000000"/>
                 </a:solidFill>
-                <a:latin typeface="Arial"/>
+                <a:latin typeface="Arial" panose="020B0604020202020204"/>
               </a:rPr>
               <a:t>Flask-WTForms</a:t>
             </a:r>
-            <a:endParaRPr b="0" lang="en-US" sz="2000" spc="-1" strike="noStrike">
-              <a:solidFill>
-                <a:srgbClr val="000000"/>
-              </a:solidFill>
-              <a:latin typeface="Arial"/>
-            </a:endParaRPr>
-          </a:p>
-          <a:p>
-            <a:pPr lvl="1" marL="864000" indent="-324000">
+            <a:endParaRPr lang="en-US" sz="2000" b="0" strike="noStrike" spc="-1">
+              <a:solidFill>
+                <a:srgbClr val="000000"/>
+              </a:solidFill>
+              <a:latin typeface="Arial" panose="020B0604020202020204"/>
+            </a:endParaRPr>
+          </a:p>
+          <a:p>
+            <a:pPr marL="864235" lvl="1" indent="-323850">
               <a:spcBef>
-                <a:spcPts val="1134"/>
+                <a:spcPts val="1135"/>
               </a:spcBef>
               <a:buClr>
                 <a:srgbClr val="000000"/>
               </a:buClr>
               <a:buSzPct val="75000"/>
-              <a:buFont typeface="Symbol" charset="2"/>
+              <a:buFont typeface="Symbol" panose="05050102010706020507" charset="2"/>
               <a:buChar char=""/>
             </a:pPr>
             <a:r>
-              <a:rPr b="0" lang="en-US" sz="2000" spc="-1" strike="noStrike">
+              <a:rPr lang="en-US" sz="2000" b="0" strike="noStrike" spc="-1">
                 <a:solidFill>
                   <a:srgbClr val="000000"/>
                 </a:solidFill>
-                <a:latin typeface="Arial"/>
+                <a:latin typeface="Arial" panose="020B0604020202020204"/>
               </a:rPr>
               <a:t>Flask-Bootstrap</a:t>
             </a:r>
-            <a:endParaRPr b="0" lang="en-US" sz="2000" spc="-1" strike="noStrike">
-              <a:solidFill>
-                <a:srgbClr val="000000"/>
-              </a:solidFill>
-              <a:latin typeface="Arial"/>
+            <a:endParaRPr lang="en-US" sz="2000" b="0" strike="noStrike" spc="-1">
+              <a:solidFill>
+                <a:srgbClr val="000000"/>
+              </a:solidFill>
+              <a:latin typeface="Arial" panose="020B0604020202020204"/>
             </a:endParaRPr>
           </a:p>
         </p:txBody>
       </p:sp>
     </p:spTree>
   </p:cSld>
-  <mc:AlternateContent>
-    <mc:Choice Requires="p14">
+  <p:clrMapOvr>
+    <a:masterClrMapping/>
+  </p:clrMapOvr>
+  <mc:AlternateContent xmlns:mc="http://schemas.openxmlformats.org/markup-compatibility/2006">
+    <mc:Choice xmlns:p14="http://schemas.microsoft.com/office/powerpoint/2010/main" Requires="p14">
       <p:transition spd="slow" p14:dur="2000"/>
     </mc:Choice>
     <mc:Fallback>
@@ -8573,7 +8845,7 @@
 </file>
 
 <file path=ppt/slides/slide5.xml><?xml version="1.0" encoding="utf-8"?>
-<p:sld xmlns:a="http://schemas.openxmlformats.org/drawingml/2006/main" xmlns:p="http://schemas.openxmlformats.org/presentationml/2006/main" xmlns:r="http://schemas.openxmlformats.org/officeDocument/2006/relationships" xmlns:p14="http://schemas.microsoft.com/office/powerpoint/2010/main" xmlns:p15="http://schemas.microsoft.com/office/powerpoint/2012/main" xmlns:mc="http://schemas.openxmlformats.org/markup-compatibility/2006">
+<p:sld xmlns:a="http://schemas.openxmlformats.org/drawingml/2006/main" xmlns:r="http://schemas.openxmlformats.org/officeDocument/2006/relationships" xmlns:p="http://schemas.openxmlformats.org/presentationml/2006/main">
   <p:cSld>
     <p:spTree>
       <p:nvGrpSpPr>
@@ -8624,20 +8896,22 @@
               <a:buNone/>
             </a:pPr>
             <a:r>
-              <a:rPr b="0" lang="en-US" sz="2800" spc="-1" strike="noStrike">
+              <a:rPr lang="en-US" sz="2800" b="0" strike="noStrike" spc="-1">
                 <a:solidFill>
-                  <a:srgbClr val="2d059d"/>
+                  <a:srgbClr val="2D059D"/>
                 </a:solidFill>
-                <a:latin typeface="Merriweather"/>
+                <a:latin typeface="Constantia" panose="02030602050306030303" charset="0"/>
+                <a:cs typeface="Constantia" panose="02030602050306030303" charset="0"/>
               </a:rPr>
               <a:t>Cookies and Sessions</a:t>
             </a:r>
-            <a:endParaRPr b="0" lang="en-US" sz="2800" spc="-1" strike="noStrike">
-              <a:solidFill>
-                <a:srgbClr val="2d059d"/>
-              </a:solidFill>
-              <a:latin typeface="Merriweather"/>
+            <a:endParaRPr lang="en-US" sz="2800" b="0" strike="noStrike" spc="-1">
+              <a:solidFill>
+                <a:srgbClr val="2D059D"/>
+              </a:solidFill>
+              <a:latin typeface="Constantia" panose="02030602050306030303" charset="0"/>
               <a:ea typeface="Merriweather"/>
+              <a:cs typeface="Constantia" panose="02030602050306030303" charset="0"/>
             </a:endParaRPr>
           </a:p>
         </p:txBody>
@@ -8670,67 +8944,70 @@
             <a:noAutofit/>
           </a:bodyPr>
           <a:p>
-            <a:pPr marL="432000" indent="-324000">
+            <a:pPr marL="431800" indent="-323850">
               <a:spcBef>
-                <a:spcPts val="1417"/>
+                <a:spcPts val="1415"/>
               </a:spcBef>
               <a:buClr>
                 <a:srgbClr val="000000"/>
               </a:buClr>
               <a:buSzPct val="45000"/>
-              <a:buFont typeface="Wingdings" charset="2"/>
+              <a:buFont typeface="Wingdings" panose="05000000000000000000" pitchFamily="2" charset="2"/>
               <a:buChar char=""/>
             </a:pPr>
             <a:r>
-              <a:rPr b="0" lang="en-US" sz="2000" spc="-1" strike="noStrike">
+              <a:rPr lang="en-US" sz="2000" b="0" strike="noStrike" spc="-1">
                 <a:solidFill>
                   <a:srgbClr val="000000"/>
                 </a:solidFill>
-                <a:latin typeface="Arial"/>
+                <a:latin typeface="Arial" panose="020B0604020202020204"/>
               </a:rPr>
               <a:t>Cookies are small files that are stored on the client side. They are used to store information about the user. </a:t>
             </a:r>
-            <a:endParaRPr b="0" lang="en-US" sz="2000" spc="-1" strike="noStrike">
-              <a:solidFill>
-                <a:srgbClr val="000000"/>
-              </a:solidFill>
-              <a:latin typeface="Arial"/>
-            </a:endParaRPr>
-          </a:p>
-          <a:p>
-            <a:pPr marL="432000" indent="-324000">
+            <a:endParaRPr lang="en-US" sz="2000" b="0" strike="noStrike" spc="-1">
+              <a:solidFill>
+                <a:srgbClr val="000000"/>
+              </a:solidFill>
+              <a:latin typeface="Arial" panose="020B0604020202020204"/>
+            </a:endParaRPr>
+          </a:p>
+          <a:p>
+            <a:pPr marL="431800" indent="-323850">
               <a:spcBef>
-                <a:spcPts val="1417"/>
+                <a:spcPts val="1415"/>
               </a:spcBef>
               <a:buClr>
                 <a:srgbClr val="000000"/>
               </a:buClr>
               <a:buSzPct val="45000"/>
-              <a:buFont typeface="Wingdings" charset="2"/>
+              <a:buFont typeface="Wingdings" panose="05000000000000000000" pitchFamily="2" charset="2"/>
               <a:buChar char=""/>
             </a:pPr>
             <a:r>
-              <a:rPr b="0" lang="en-US" sz="2000" spc="-1" strike="noStrike">
+              <a:rPr lang="en-US" sz="2000" b="0" strike="noStrike" spc="-1">
                 <a:solidFill>
                   <a:srgbClr val="000000"/>
                 </a:solidFill>
-                <a:latin typeface="Arial"/>
+                <a:latin typeface="Arial" panose="020B0604020202020204"/>
               </a:rPr>
               <a:t>Sessions are used to store information about the user on the server side. Flask uses the `session` object to access session data.</a:t>
             </a:r>
-            <a:endParaRPr b="0" lang="en-US" sz="2000" spc="-1" strike="noStrike">
-              <a:solidFill>
-                <a:srgbClr val="000000"/>
-              </a:solidFill>
-              <a:latin typeface="Arial"/>
+            <a:endParaRPr lang="en-US" sz="2000" b="0" strike="noStrike" spc="-1">
+              <a:solidFill>
+                <a:srgbClr val="000000"/>
+              </a:solidFill>
+              <a:latin typeface="Arial" panose="020B0604020202020204"/>
             </a:endParaRPr>
           </a:p>
         </p:txBody>
       </p:sp>
     </p:spTree>
   </p:cSld>
-  <mc:AlternateContent>
-    <mc:Choice Requires="p14">
+  <p:clrMapOvr>
+    <a:masterClrMapping/>
+  </p:clrMapOvr>
+  <mc:AlternateContent xmlns:mc="http://schemas.openxmlformats.org/markup-compatibility/2006">
+    <mc:Choice xmlns:p14="http://schemas.microsoft.com/office/powerpoint/2010/main" Requires="p14">
       <p:transition spd="slow" p14:dur="2000"/>
     </mc:Choice>
     <mc:Fallback>
@@ -8741,7 +9018,7 @@
 </file>
 
 <file path=ppt/slides/slide6.xml><?xml version="1.0" encoding="utf-8"?>
-<p:sld xmlns:a="http://schemas.openxmlformats.org/drawingml/2006/main" xmlns:p="http://schemas.openxmlformats.org/presentationml/2006/main" xmlns:r="http://schemas.openxmlformats.org/officeDocument/2006/relationships" xmlns:p14="http://schemas.microsoft.com/office/powerpoint/2010/main" xmlns:p15="http://schemas.microsoft.com/office/powerpoint/2012/main" xmlns:mc="http://schemas.openxmlformats.org/markup-compatibility/2006">
+<p:sld xmlns:a="http://schemas.openxmlformats.org/drawingml/2006/main" xmlns:r="http://schemas.openxmlformats.org/officeDocument/2006/relationships" xmlns:p="http://schemas.openxmlformats.org/presentationml/2006/main">
   <p:cSld>
     <p:spTree>
       <p:nvGrpSpPr>
@@ -8792,20 +9069,22 @@
               <a:buNone/>
             </a:pPr>
             <a:r>
-              <a:rPr b="0" lang="en-US" sz="2800" spc="-1" strike="noStrike">
+              <a:rPr lang="en-US" sz="2800" b="0" strike="noStrike" spc="-1">
                 <a:solidFill>
-                  <a:srgbClr val="2d059d"/>
+                  <a:srgbClr val="2D059D"/>
                 </a:solidFill>
-                <a:latin typeface="Merriweather"/>
+                <a:latin typeface="Constantia" panose="02030602050306030303" charset="0"/>
+                <a:cs typeface="Constantia" panose="02030602050306030303" charset="0"/>
               </a:rPr>
               <a:t>Jinja2</a:t>
             </a:r>
-            <a:endParaRPr b="0" lang="en-US" sz="2800" spc="-1" strike="noStrike">
-              <a:solidFill>
-                <a:srgbClr val="2d059d"/>
-              </a:solidFill>
-              <a:latin typeface="Merriweather"/>
+            <a:endParaRPr lang="en-US" sz="2800" b="0" strike="noStrike" spc="-1">
+              <a:solidFill>
+                <a:srgbClr val="2D059D"/>
+              </a:solidFill>
+              <a:latin typeface="Constantia" panose="02030602050306030303" charset="0"/>
               <a:ea typeface="Merriweather"/>
+              <a:cs typeface="Constantia" panose="02030602050306030303" charset="0"/>
             </a:endParaRPr>
           </a:p>
         </p:txBody>
@@ -8838,123 +9117,126 @@
             <a:noAutofit/>
           </a:bodyPr>
           <a:p>
-            <a:pPr marL="432000" indent="-324000">
+            <a:pPr marL="431800" indent="-323850">
               <a:spcBef>
-                <a:spcPts val="1417"/>
+                <a:spcPts val="1415"/>
               </a:spcBef>
               <a:buClr>
                 <a:srgbClr val="000000"/>
               </a:buClr>
               <a:buSzPct val="45000"/>
-              <a:buFont typeface="Wingdings" charset="2"/>
+              <a:buFont typeface="Wingdings" panose="05000000000000000000" pitchFamily="2" charset="2"/>
               <a:buChar char=""/>
             </a:pPr>
             <a:r>
-              <a:rPr b="0" lang="en-US" sz="2000" spc="-1" strike="noStrike">
+              <a:rPr lang="en-US" sz="2000" b="0" strike="noStrike" spc="-1">
                 <a:solidFill>
                   <a:srgbClr val="000000"/>
                 </a:solidFill>
-                <a:latin typeface="Arial"/>
+                <a:latin typeface="Arial" panose="020B0604020202020204"/>
               </a:rPr>
               <a:t>Jinja2 is a modern and designer-friendly templating language for Python. </a:t>
             </a:r>
-            <a:endParaRPr b="0" lang="en-US" sz="2000" spc="-1" strike="noStrike">
-              <a:solidFill>
-                <a:srgbClr val="000000"/>
-              </a:solidFill>
-              <a:latin typeface="Arial"/>
-            </a:endParaRPr>
-          </a:p>
-          <a:p>
-            <a:pPr marL="432000" indent="-324000">
+            <a:endParaRPr lang="en-US" sz="2000" b="0" strike="noStrike" spc="-1">
+              <a:solidFill>
+                <a:srgbClr val="000000"/>
+              </a:solidFill>
+              <a:latin typeface="Arial" panose="020B0604020202020204"/>
+            </a:endParaRPr>
+          </a:p>
+          <a:p>
+            <a:pPr marL="431800" indent="-323850">
               <a:spcBef>
-                <a:spcPts val="1417"/>
+                <a:spcPts val="1415"/>
               </a:spcBef>
               <a:buClr>
                 <a:srgbClr val="000000"/>
               </a:buClr>
               <a:buSzPct val="45000"/>
-              <a:buFont typeface="Wingdings" charset="2"/>
+              <a:buFont typeface="Wingdings" panose="05000000000000000000" pitchFamily="2" charset="2"/>
               <a:buChar char=""/>
             </a:pPr>
             <a:r>
-              <a:rPr b="0" lang="en-US" sz="2000" spc="-1" strike="noStrike">
+              <a:rPr lang="en-US" sz="2000" b="0" strike="noStrike" spc="-1">
                 <a:solidFill>
                   <a:srgbClr val="000000"/>
                 </a:solidFill>
-                <a:latin typeface="Arial"/>
+                <a:latin typeface="Arial" panose="020B0604020202020204"/>
               </a:rPr>
               <a:t>It is fast, widely used, and secure with the optional sand-boxed template execution environment.</a:t>
             </a:r>
-            <a:endParaRPr b="0" lang="en-US" sz="2000" spc="-1" strike="noStrike">
-              <a:solidFill>
-                <a:srgbClr val="000000"/>
-              </a:solidFill>
-              <a:latin typeface="Arial"/>
-            </a:endParaRPr>
-          </a:p>
-          <a:p>
-            <a:pPr marL="432000" indent="-324000">
+            <a:endParaRPr lang="en-US" sz="2000" b="0" strike="noStrike" spc="-1">
+              <a:solidFill>
+                <a:srgbClr val="000000"/>
+              </a:solidFill>
+              <a:latin typeface="Arial" panose="020B0604020202020204"/>
+            </a:endParaRPr>
+          </a:p>
+          <a:p>
+            <a:pPr marL="431800" indent="-323850">
               <a:spcBef>
-                <a:spcPts val="1417"/>
+                <a:spcPts val="1415"/>
               </a:spcBef>
               <a:buClr>
                 <a:srgbClr val="000000"/>
               </a:buClr>
               <a:buSzPct val="45000"/>
-              <a:buFont typeface="Wingdings" charset="2"/>
+              <a:buFont typeface="Wingdings" panose="05000000000000000000" pitchFamily="2" charset="2"/>
               <a:buChar char=""/>
             </a:pPr>
             <a:r>
-              <a:rPr b="0" lang="en-US" sz="2000" spc="-1" strike="noStrike">
+              <a:rPr lang="en-US" sz="2000" b="0" strike="noStrike" spc="-1">
                 <a:solidFill>
                   <a:srgbClr val="000000"/>
                 </a:solidFill>
-                <a:latin typeface="Arial"/>
+                <a:latin typeface="Arial" panose="020B0604020202020204"/>
               </a:rPr>
               <a:t>We can use jinja2 templates in our html to add loops, conditionals, and variables into our rendered html output.</a:t>
             </a:r>
-            <a:endParaRPr b="0" lang="en-US" sz="2000" spc="-1" strike="noStrike">
-              <a:solidFill>
-                <a:srgbClr val="000000"/>
-              </a:solidFill>
-              <a:latin typeface="Arial"/>
-            </a:endParaRPr>
-          </a:p>
-          <a:p>
-            <a:pPr marL="432000" indent="-324000">
+            <a:endParaRPr lang="en-US" sz="2000" b="0" strike="noStrike" spc="-1">
+              <a:solidFill>
+                <a:srgbClr val="000000"/>
+              </a:solidFill>
+              <a:latin typeface="Arial" panose="020B0604020202020204"/>
+            </a:endParaRPr>
+          </a:p>
+          <a:p>
+            <a:pPr marL="431800" indent="-323850">
               <a:spcBef>
-                <a:spcPts val="1417"/>
+                <a:spcPts val="1415"/>
               </a:spcBef>
               <a:buClr>
                 <a:srgbClr val="000000"/>
               </a:buClr>
               <a:buSzPct val="45000"/>
-              <a:buFont typeface="Wingdings" charset="2"/>
+              <a:buFont typeface="Wingdings" panose="05000000000000000000" pitchFamily="2" charset="2"/>
               <a:buChar char=""/>
             </a:pPr>
             <a:r>
-              <a:rPr b="0" lang="en-US" sz="2000" spc="-1" strike="noStrike">
+              <a:rPr lang="en-US" sz="2000" b="0" strike="noStrike" spc="-1">
                 <a:solidFill>
                   <a:srgbClr val="000000"/>
                 </a:solidFill>
-                <a:latin typeface="Arial"/>
+                <a:latin typeface="Arial" panose="020B0604020202020204"/>
               </a:rPr>
               <a:t>Jinja2 uses {{ }} for variables and {% %} for programmatic functionality.</a:t>
             </a:r>
-            <a:endParaRPr b="0" lang="en-US" sz="2000" spc="-1" strike="noStrike">
-              <a:solidFill>
-                <a:srgbClr val="000000"/>
-              </a:solidFill>
-              <a:latin typeface="Arial"/>
+            <a:endParaRPr lang="en-US" sz="2000" b="0" strike="noStrike" spc="-1">
+              <a:solidFill>
+                <a:srgbClr val="000000"/>
+              </a:solidFill>
+              <a:latin typeface="Arial" panose="020B0604020202020204"/>
             </a:endParaRPr>
           </a:p>
         </p:txBody>
       </p:sp>
     </p:spTree>
   </p:cSld>
-  <mc:AlternateContent>
-    <mc:Choice Requires="p14">
+  <p:clrMapOvr>
+    <a:masterClrMapping/>
+  </p:clrMapOvr>
+  <mc:AlternateContent xmlns:mc="http://schemas.openxmlformats.org/markup-compatibility/2006">
+    <mc:Choice xmlns:p14="http://schemas.microsoft.com/office/powerpoint/2010/main" Requires="p14">
       <p:transition spd="slow" p14:dur="2000"/>
     </mc:Choice>
     <mc:Fallback>
@@ -8965,7 +9247,7 @@
 </file>
 
 <file path=ppt/slides/slide7.xml><?xml version="1.0" encoding="utf-8"?>
-<p:sld xmlns:a="http://schemas.openxmlformats.org/drawingml/2006/main" xmlns:p="http://schemas.openxmlformats.org/presentationml/2006/main" xmlns:r="http://schemas.openxmlformats.org/officeDocument/2006/relationships" xmlns:p14="http://schemas.microsoft.com/office/powerpoint/2010/main" xmlns:p15="http://schemas.microsoft.com/office/powerpoint/2012/main" xmlns:mc="http://schemas.openxmlformats.org/markup-compatibility/2006">
+<p:sld xmlns:a="http://schemas.openxmlformats.org/drawingml/2006/main" xmlns:r="http://schemas.openxmlformats.org/officeDocument/2006/relationships" xmlns:p="http://schemas.openxmlformats.org/presentationml/2006/main">
   <p:cSld>
     <p:spTree>
       <p:nvGrpSpPr>
@@ -9016,20 +9298,20 @@
               <a:buNone/>
             </a:pPr>
             <a:r>
-              <a:rPr b="0" lang="en-GB" sz="2800" spc="-1" strike="noStrike">
+              <a:rPr lang="en-GB" sz="2800" b="0" strike="noStrike" spc="-1">
                 <a:solidFill>
-                  <a:srgbClr val="2d059d"/>
+                  <a:srgbClr val="2D059D"/>
                 </a:solidFill>
-                <a:latin typeface="Constantia"/>
+                <a:latin typeface="Constantia" panose="02030602050306030303"/>
                 <a:ea typeface="Merriweather"/>
               </a:rPr>
               <a:t>SQLAlchemy</a:t>
             </a:r>
-            <a:endParaRPr b="0" lang="en-US" sz="2800" spc="-1" strike="noStrike">
-              <a:solidFill>
-                <a:srgbClr val="000000"/>
-              </a:solidFill>
-              <a:latin typeface="Arial"/>
+            <a:endParaRPr lang="en-US" sz="2800" b="0" strike="noStrike" spc="-1">
+              <a:solidFill>
+                <a:srgbClr val="000000"/>
+              </a:solidFill>
+              <a:latin typeface="Arial" panose="020B0604020202020204"/>
             </a:endParaRPr>
           </a:p>
         </p:txBody>
@@ -9062,263 +9344,266 @@
             <a:noAutofit/>
           </a:bodyPr>
           <a:p>
-            <a:pPr marL="432000" indent="-324000">
+            <a:pPr marL="431800" indent="-323850">
               <a:spcBef>
-                <a:spcPts val="1417"/>
+                <a:spcPts val="1415"/>
               </a:spcBef>
               <a:buClr>
                 <a:srgbClr val="000000"/>
               </a:buClr>
               <a:buSzPct val="45000"/>
-              <a:buFont typeface="Wingdings" charset="2"/>
+              <a:buFont typeface="Wingdings" panose="05000000000000000000" pitchFamily="2" charset="2"/>
               <a:buChar char=""/>
             </a:pPr>
             <a:r>
-              <a:rPr b="0" lang="en-US" sz="2000" spc="-1" strike="noStrike">
+              <a:rPr lang="en-US" sz="2000" b="0" strike="noStrike" spc="-1">
                 <a:solidFill>
                   <a:srgbClr val="000000"/>
                 </a:solidFill>
-                <a:latin typeface="Arial"/>
+                <a:latin typeface="Arial" panose="020B0604020202020204"/>
               </a:rPr>
               <a:t>SQLAlchemy is the Python SQL toolkit and Object Relational Mapper. </a:t>
             </a:r>
-            <a:endParaRPr b="0" lang="en-US" sz="2000" spc="-1" strike="noStrike">
-              <a:solidFill>
-                <a:srgbClr val="000000"/>
-              </a:solidFill>
-              <a:latin typeface="Arial"/>
-            </a:endParaRPr>
-          </a:p>
-          <a:p>
-            <a:pPr marL="432000" indent="-324000">
+            <a:endParaRPr lang="en-US" sz="2000" b="0" strike="noStrike" spc="-1">
+              <a:solidFill>
+                <a:srgbClr val="000000"/>
+              </a:solidFill>
+              <a:latin typeface="Arial" panose="020B0604020202020204"/>
+            </a:endParaRPr>
+          </a:p>
+          <a:p>
+            <a:pPr marL="431800" indent="-323850">
               <a:spcBef>
-                <a:spcPts val="1417"/>
+                <a:spcPts val="1415"/>
               </a:spcBef>
               <a:buClr>
                 <a:srgbClr val="000000"/>
               </a:buClr>
               <a:buSzPct val="45000"/>
-              <a:buFont typeface="Wingdings" charset="2"/>
+              <a:buFont typeface="Wingdings" panose="05000000000000000000" pitchFamily="2" charset="2"/>
               <a:buChar char=""/>
             </a:pPr>
             <a:r>
-              <a:rPr b="0" lang="en-US" sz="2000" spc="-1" strike="noStrike">
+              <a:rPr lang="en-US" sz="2000" b="0" strike="noStrike" spc="-1">
                 <a:solidFill>
                   <a:srgbClr val="000000"/>
                 </a:solidFill>
-                <a:latin typeface="Arial"/>
+                <a:latin typeface="Arial" panose="020B0604020202020204"/>
               </a:rPr>
               <a:t>It is used to create and manage relational databases. </a:t>
             </a:r>
-            <a:endParaRPr b="0" lang="en-US" sz="2000" spc="-1" strike="noStrike">
-              <a:solidFill>
-                <a:srgbClr val="000000"/>
-              </a:solidFill>
-              <a:latin typeface="Arial"/>
-            </a:endParaRPr>
-          </a:p>
-          <a:p>
-            <a:pPr marL="432000" indent="-324000">
+            <a:endParaRPr lang="en-US" sz="2000" b="0" strike="noStrike" spc="-1">
+              <a:solidFill>
+                <a:srgbClr val="000000"/>
+              </a:solidFill>
+              <a:latin typeface="Arial" panose="020B0604020202020204"/>
+            </a:endParaRPr>
+          </a:p>
+          <a:p>
+            <a:pPr marL="431800" indent="-323850">
               <a:spcBef>
-                <a:spcPts val="1417"/>
+                <a:spcPts val="1415"/>
               </a:spcBef>
               <a:buClr>
                 <a:srgbClr val="000000"/>
               </a:buClr>
               <a:buSzPct val="45000"/>
-              <a:buFont typeface="Wingdings" charset="2"/>
+              <a:buFont typeface="Wingdings" panose="05000000000000000000" pitchFamily="2" charset="2"/>
               <a:buChar char=""/>
             </a:pPr>
             <a:r>
-              <a:rPr b="0" lang="en-US" sz="2000" spc="-1" strike="noStrike">
+              <a:rPr lang="en-US" sz="2000" b="0" strike="noStrike" spc="-1">
                 <a:solidFill>
                   <a:srgbClr val="000000"/>
                 </a:solidFill>
-                <a:latin typeface="Arial"/>
+                <a:latin typeface="Arial" panose="020B0604020202020204"/>
               </a:rPr>
               <a:t>When using SQLAlchemy with Flask, it is recommended to use Flask-SQLAlchemy.</a:t>
             </a:r>
-            <a:endParaRPr b="0" lang="en-US" sz="2000" spc="-1" strike="noStrike">
-              <a:solidFill>
-                <a:srgbClr val="000000"/>
-              </a:solidFill>
-              <a:latin typeface="Arial"/>
-            </a:endParaRPr>
-          </a:p>
-          <a:p>
-            <a:pPr marL="432000" indent="-324000">
+            <a:endParaRPr lang="en-US" sz="2000" b="0" strike="noStrike" spc="-1">
+              <a:solidFill>
+                <a:srgbClr val="000000"/>
+              </a:solidFill>
+              <a:latin typeface="Arial" panose="020B0604020202020204"/>
+            </a:endParaRPr>
+          </a:p>
+          <a:p>
+            <a:pPr marL="431800" indent="-323850">
               <a:spcBef>
-                <a:spcPts val="1417"/>
+                <a:spcPts val="1415"/>
               </a:spcBef>
               <a:buClr>
                 <a:srgbClr val="000000"/>
               </a:buClr>
               <a:buSzPct val="45000"/>
-              <a:buFont typeface="Wingdings" charset="2"/>
+              <a:buFont typeface="Wingdings" panose="05000000000000000000" pitchFamily="2" charset="2"/>
               <a:buChar char=""/>
             </a:pPr>
             <a:r>
-              <a:rPr b="0" lang="en-US" sz="2000" spc="-1" strike="noStrike">
+              <a:rPr lang="en-US" sz="2000" b="0" strike="noStrike" spc="-1">
                 <a:solidFill>
                   <a:srgbClr val="000000"/>
                 </a:solidFill>
-                <a:latin typeface="Arial"/>
+                <a:latin typeface="Arial" panose="020B0604020202020204"/>
               </a:rPr>
               <a:t>SQLAlchemy supports many different databases. The most popular databases are:</a:t>
             </a:r>
-            <a:endParaRPr b="0" lang="en-US" sz="2000" spc="-1" strike="noStrike">
-              <a:solidFill>
-                <a:srgbClr val="000000"/>
-              </a:solidFill>
-              <a:latin typeface="Arial"/>
-            </a:endParaRPr>
-          </a:p>
-          <a:p>
-            <a:pPr lvl="1" marL="864000" indent="-324000">
+            <a:endParaRPr lang="en-US" sz="2000" b="0" strike="noStrike" spc="-1">
+              <a:solidFill>
+                <a:srgbClr val="000000"/>
+              </a:solidFill>
+              <a:latin typeface="Arial" panose="020B0604020202020204"/>
+            </a:endParaRPr>
+          </a:p>
+          <a:p>
+            <a:pPr marL="864235" lvl="1" indent="-323850">
               <a:spcBef>
-                <a:spcPts val="1134"/>
+                <a:spcPts val="1135"/>
               </a:spcBef>
               <a:buClr>
                 <a:srgbClr val="000000"/>
               </a:buClr>
               <a:buSzPct val="75000"/>
-              <a:buFont typeface="Symbol" charset="2"/>
+              <a:buFont typeface="Symbol" panose="05050102010706020507" charset="2"/>
               <a:buChar char=""/>
             </a:pPr>
             <a:r>
-              <a:rPr b="0" lang="en-US" sz="2000" spc="-1" strike="noStrike">
+              <a:rPr lang="en-US" sz="2000" b="0" strike="noStrike" spc="-1">
                 <a:solidFill>
                   <a:srgbClr val="000000"/>
                 </a:solidFill>
-                <a:latin typeface="Arial"/>
+                <a:latin typeface="Arial" panose="020B0604020202020204"/>
               </a:rPr>
               <a:t>SQLite</a:t>
             </a:r>
-            <a:endParaRPr b="0" lang="en-US" sz="2000" spc="-1" strike="noStrike">
-              <a:solidFill>
-                <a:srgbClr val="000000"/>
-              </a:solidFill>
-              <a:latin typeface="Arial"/>
-            </a:endParaRPr>
-          </a:p>
-          <a:p>
-            <a:pPr lvl="1" marL="864000" indent="-324000">
+            <a:endParaRPr lang="en-US" sz="2000" b="0" strike="noStrike" spc="-1">
+              <a:solidFill>
+                <a:srgbClr val="000000"/>
+              </a:solidFill>
+              <a:latin typeface="Arial" panose="020B0604020202020204"/>
+            </a:endParaRPr>
+          </a:p>
+          <a:p>
+            <a:pPr marL="864235" lvl="1" indent="-323850">
               <a:spcBef>
-                <a:spcPts val="1134"/>
+                <a:spcPts val="1135"/>
               </a:spcBef>
               <a:buClr>
                 <a:srgbClr val="000000"/>
               </a:buClr>
               <a:buSzPct val="75000"/>
-              <a:buFont typeface="Symbol" charset="2"/>
+              <a:buFont typeface="Symbol" panose="05050102010706020507" charset="2"/>
               <a:buChar char=""/>
             </a:pPr>
             <a:r>
-              <a:rPr b="0" lang="en-US" sz="2000" spc="-1" strike="noStrike">
+              <a:rPr lang="en-US" sz="2000" b="0" strike="noStrike" spc="-1">
                 <a:solidFill>
                   <a:srgbClr val="000000"/>
                 </a:solidFill>
-                <a:latin typeface="Arial"/>
+                <a:latin typeface="Arial" panose="020B0604020202020204"/>
               </a:rPr>
               <a:t>MySQL</a:t>
             </a:r>
-            <a:endParaRPr b="0" lang="en-US" sz="2000" spc="-1" strike="noStrike">
-              <a:solidFill>
-                <a:srgbClr val="000000"/>
-              </a:solidFill>
-              <a:latin typeface="Arial"/>
-            </a:endParaRPr>
-          </a:p>
-          <a:p>
-            <a:pPr lvl="1" marL="864000" indent="-324000">
+            <a:endParaRPr lang="en-US" sz="2000" b="0" strike="noStrike" spc="-1">
+              <a:solidFill>
+                <a:srgbClr val="000000"/>
+              </a:solidFill>
+              <a:latin typeface="Arial" panose="020B0604020202020204"/>
+            </a:endParaRPr>
+          </a:p>
+          <a:p>
+            <a:pPr marL="864235" lvl="1" indent="-323850">
               <a:spcBef>
-                <a:spcPts val="1134"/>
+                <a:spcPts val="1135"/>
               </a:spcBef>
               <a:buClr>
                 <a:srgbClr val="000000"/>
               </a:buClr>
               <a:buSzPct val="75000"/>
-              <a:buFont typeface="Symbol" charset="2"/>
+              <a:buFont typeface="Symbol" panose="05050102010706020507" charset="2"/>
               <a:buChar char=""/>
             </a:pPr>
             <a:r>
-              <a:rPr b="0" lang="en-US" sz="2000" spc="-1" strike="noStrike">
+              <a:rPr lang="en-US" sz="2000" b="0" strike="noStrike" spc="-1">
                 <a:solidFill>
                   <a:srgbClr val="000000"/>
                 </a:solidFill>
-                <a:latin typeface="Arial"/>
+                <a:latin typeface="Arial" panose="020B0604020202020204"/>
               </a:rPr>
               <a:t>PostgreSQL</a:t>
             </a:r>
-            <a:endParaRPr b="0" lang="en-US" sz="2000" spc="-1" strike="noStrike">
-              <a:solidFill>
-                <a:srgbClr val="000000"/>
-              </a:solidFill>
-              <a:latin typeface="Arial"/>
-            </a:endParaRPr>
-          </a:p>
-          <a:p>
-            <a:pPr lvl="1" marL="864000" indent="-324000">
+            <a:endParaRPr lang="en-US" sz="2000" b="0" strike="noStrike" spc="-1">
+              <a:solidFill>
+                <a:srgbClr val="000000"/>
+              </a:solidFill>
+              <a:latin typeface="Arial" panose="020B0604020202020204"/>
+            </a:endParaRPr>
+          </a:p>
+          <a:p>
+            <a:pPr marL="864235" lvl="1" indent="-323850">
               <a:spcBef>
-                <a:spcPts val="1134"/>
+                <a:spcPts val="1135"/>
               </a:spcBef>
               <a:buClr>
                 <a:srgbClr val="000000"/>
               </a:buClr>
               <a:buSzPct val="75000"/>
-              <a:buFont typeface="Symbol" charset="2"/>
+              <a:buFont typeface="Symbol" panose="05050102010706020507" charset="2"/>
               <a:buChar char=""/>
             </a:pPr>
             <a:r>
-              <a:rPr b="0" lang="en-US" sz="2000" spc="-1" strike="noStrike">
+              <a:rPr lang="en-US" sz="2000" b="0" strike="noStrike" spc="-1">
                 <a:solidFill>
                   <a:srgbClr val="000000"/>
                 </a:solidFill>
-                <a:latin typeface="Arial"/>
+                <a:latin typeface="Arial" panose="020B0604020202020204"/>
               </a:rPr>
               <a:t>Oracle</a:t>
             </a:r>
-            <a:endParaRPr b="0" lang="en-US" sz="2000" spc="-1" strike="noStrike">
-              <a:solidFill>
-                <a:srgbClr val="000000"/>
-              </a:solidFill>
-              <a:latin typeface="Arial"/>
-            </a:endParaRPr>
-          </a:p>
-          <a:p>
-            <a:pPr lvl="1" marL="864000" indent="-324000">
+            <a:endParaRPr lang="en-US" sz="2000" b="0" strike="noStrike" spc="-1">
+              <a:solidFill>
+                <a:srgbClr val="000000"/>
+              </a:solidFill>
+              <a:latin typeface="Arial" panose="020B0604020202020204"/>
+            </a:endParaRPr>
+          </a:p>
+          <a:p>
+            <a:pPr marL="864235" lvl="1" indent="-323850">
               <a:spcBef>
-                <a:spcPts val="1134"/>
+                <a:spcPts val="1135"/>
               </a:spcBef>
               <a:buClr>
                 <a:srgbClr val="000000"/>
               </a:buClr>
               <a:buSzPct val="75000"/>
-              <a:buFont typeface="Symbol" charset="2"/>
+              <a:buFont typeface="Symbol" panose="05050102010706020507" charset="2"/>
               <a:buChar char=""/>
             </a:pPr>
             <a:r>
-              <a:rPr b="0" lang="en-US" sz="2000" spc="-1" strike="noStrike">
+              <a:rPr lang="en-US" sz="2000" b="0" strike="noStrike" spc="-1">
                 <a:solidFill>
                   <a:srgbClr val="000000"/>
                 </a:solidFill>
-                <a:latin typeface="Arial"/>
+                <a:latin typeface="Arial" panose="020B0604020202020204"/>
               </a:rPr>
               <a:t>Microsoft SQL Server</a:t>
             </a:r>
-            <a:endParaRPr b="0" lang="en-US" sz="2000" spc="-1" strike="noStrike">
-              <a:solidFill>
-                <a:srgbClr val="000000"/>
-              </a:solidFill>
-              <a:latin typeface="Arial"/>
+            <a:endParaRPr lang="en-US" sz="2000" b="0" strike="noStrike" spc="-1">
+              <a:solidFill>
+                <a:srgbClr val="000000"/>
+              </a:solidFill>
+              <a:latin typeface="Arial" panose="020B0604020202020204"/>
             </a:endParaRPr>
           </a:p>
         </p:txBody>
       </p:sp>
     </p:spTree>
   </p:cSld>
-  <mc:AlternateContent>
-    <mc:Choice Requires="p14">
+  <p:clrMapOvr>
+    <a:masterClrMapping/>
+  </p:clrMapOvr>
+  <mc:AlternateContent xmlns:mc="http://schemas.openxmlformats.org/markup-compatibility/2006">
+    <mc:Choice xmlns:p14="http://schemas.microsoft.com/office/powerpoint/2010/main" Requires="p14">
       <p:transition spd="slow" p14:dur="2000"/>
     </mc:Choice>
     <mc:Fallback>
@@ -9329,7 +9614,7 @@
 </file>
 
 <file path=ppt/slides/slide8.xml><?xml version="1.0" encoding="utf-8"?>
-<p:sld xmlns:a="http://schemas.openxmlformats.org/drawingml/2006/main" xmlns:p="http://schemas.openxmlformats.org/presentationml/2006/main" xmlns:r="http://schemas.openxmlformats.org/officeDocument/2006/relationships" xmlns:p14="http://schemas.microsoft.com/office/powerpoint/2010/main" xmlns:p15="http://schemas.microsoft.com/office/powerpoint/2012/main" xmlns:mc="http://schemas.openxmlformats.org/markup-compatibility/2006">
+<p:sld xmlns:a="http://schemas.openxmlformats.org/drawingml/2006/main" xmlns:r="http://schemas.openxmlformats.org/officeDocument/2006/relationships" xmlns:p="http://schemas.openxmlformats.org/presentationml/2006/main">
   <p:cSld>
     <p:spTree>
       <p:nvGrpSpPr>
@@ -9347,14 +9632,16 @@
       </p:grpSpPr>
       <p:pic>
         <p:nvPicPr>
-          <p:cNvPr id="139" name="Google Shape;225;g10be3d9b0b6_0_65" descr=""/>
+          <p:cNvPr id="139" name="Google Shape;225;g10be3d9b0b6_0_65"/>
           <p:cNvPicPr/>
           <p:nvPr/>
         </p:nvPicPr>
         <p:blipFill>
           <a:blip r:embed="rId1"/>
           <a:srcRect l="6625" t="36368" r="7092" b="36778"/>
-          <a:stretch/>
+          <a:stretch>
+            <a:fillRect/>
+          </a:stretch>
         </p:blipFill>
         <p:spPr>
           <a:xfrm>
@@ -9371,8 +9658,11 @@
       </p:pic>
     </p:spTree>
   </p:cSld>
-  <mc:AlternateContent>
-    <mc:Choice Requires="p14">
+  <p:clrMapOvr>
+    <a:masterClrMapping/>
+  </p:clrMapOvr>
+  <mc:AlternateContent xmlns:mc="http://schemas.openxmlformats.org/markup-compatibility/2006">
+    <mc:Choice xmlns:p14="http://schemas.microsoft.com/office/powerpoint/2010/main" Requires="p14">
       <p:transition spd="slow" p14:dur="2000"/>
     </mc:Choice>
     <mc:Fallback>
@@ -9393,34 +9683,34 @@
         <a:sysClr val="window" lastClr="FFFFFF"/>
       </a:lt1>
       <a:dk2>
-        <a:srgbClr val="6b038b"/>
+        <a:srgbClr val="6B038B"/>
       </a:dk2>
       <a:lt2>
-        <a:srgbClr val="d8d8d8"/>
+        <a:srgbClr val="D8D8D8"/>
       </a:lt2>
       <a:accent1>
-        <a:srgbClr val="2d059d"/>
+        <a:srgbClr val="2D059D"/>
       </a:accent1>
       <a:accent2>
-        <a:srgbClr val="6b038b"/>
+        <a:srgbClr val="6B038B"/>
       </a:accent2>
       <a:accent3>
-        <a:srgbClr val="ede3da"/>
+        <a:srgbClr val="EDE3DA"/>
       </a:accent3>
       <a:accent4>
-        <a:srgbClr val="c826fa"/>
+        <a:srgbClr val="C826FA"/>
       </a:accent4>
       <a:accent5>
-        <a:srgbClr val="ffffff"/>
+        <a:srgbClr val="FFFFFF"/>
       </a:accent5>
       <a:accent6>
-        <a:srgbClr val="9a78fa"/>
+        <a:srgbClr val="9A78FA"/>
       </a:accent6>
       <a:hlink>
-        <a:srgbClr val="a5a5a5"/>
+        <a:srgbClr val="A5A5A5"/>
       </a:hlink>
       <a:folHlink>
-        <a:srgbClr val="7f7f7f"/>
+        <a:srgbClr val="7F7F7F"/>
       </a:folHlink>
     </a:clrScheme>
     <a:fontScheme name="Office">
@@ -9605,6 +9895,11 @@
       </a:bgFillStyleLst>
     </a:fmtScheme>
   </a:themeElements>
+  <a:extLst>
+    <a:ext uri="{05A4C25C-085E-4340-85A3-A5531E510DB2}">
+      <thm15:themeFamily xmlns:thm15="http://schemas.microsoft.com/office/thememl/2012/main" name="Office Theme" id="{62F939B6-93AF-4DB8-9C6B-D6C7DFDC589F}" vid="{4A3C46E8-61CC-4603-A589-7422A47A8E4A}"/>
+    </a:ext>
+  </a:extLst>
 </a:theme>
 </file>
 
@@ -9619,34 +9914,34 @@
         <a:sysClr val="window" lastClr="FFFFFF"/>
       </a:lt1>
       <a:dk2>
-        <a:srgbClr val="6b038b"/>
+        <a:srgbClr val="6B038B"/>
       </a:dk2>
       <a:lt2>
-        <a:srgbClr val="d8d8d8"/>
+        <a:srgbClr val="D8D8D8"/>
       </a:lt2>
       <a:accent1>
-        <a:srgbClr val="2d059d"/>
+        <a:srgbClr val="2D059D"/>
       </a:accent1>
       <a:accent2>
-        <a:srgbClr val="6b038b"/>
+        <a:srgbClr val="6B038B"/>
       </a:accent2>
       <a:accent3>
-        <a:srgbClr val="ede3da"/>
+        <a:srgbClr val="EDE3DA"/>
       </a:accent3>
       <a:accent4>
-        <a:srgbClr val="c826fa"/>
+        <a:srgbClr val="C826FA"/>
       </a:accent4>
       <a:accent5>
-        <a:srgbClr val="ffffff"/>
+        <a:srgbClr val="FFFFFF"/>
       </a:accent5>
       <a:accent6>
-        <a:srgbClr val="9a78fa"/>
+        <a:srgbClr val="9A78FA"/>
       </a:accent6>
       <a:hlink>
-        <a:srgbClr val="a5a5a5"/>
+        <a:srgbClr val="A5A5A5"/>
       </a:hlink>
       <a:folHlink>
-        <a:srgbClr val="7f7f7f"/>
+        <a:srgbClr val="7F7F7F"/>
       </a:folHlink>
     </a:clrScheme>
     <a:fontScheme name="Office">
@@ -9831,6 +10126,11 @@
       </a:bgFillStyleLst>
     </a:fmtScheme>
   </a:themeElements>
+  <a:extLst>
+    <a:ext uri="{05A4C25C-085E-4340-85A3-A5531E510DB2}">
+      <thm15:themeFamily xmlns:thm15="http://schemas.microsoft.com/office/thememl/2012/main" name="Office Theme" id="{62F939B6-93AF-4DB8-9C6B-D6C7DFDC589F}" vid="{4A3C46E8-61CC-4603-A589-7422A47A8E4A}"/>
+    </a:ext>
+  </a:extLst>
 </a:theme>
 </file>
 
@@ -9845,34 +10145,34 @@
         <a:sysClr val="window" lastClr="FFFFFF"/>
       </a:lt1>
       <a:dk2>
-        <a:srgbClr val="6b038b"/>
+        <a:srgbClr val="6B038B"/>
       </a:dk2>
       <a:lt2>
-        <a:srgbClr val="d8d8d8"/>
+        <a:srgbClr val="D8D8D8"/>
       </a:lt2>
       <a:accent1>
-        <a:srgbClr val="2d059d"/>
+        <a:srgbClr val="2D059D"/>
       </a:accent1>
       <a:accent2>
-        <a:srgbClr val="6b038b"/>
+        <a:srgbClr val="6B038B"/>
       </a:accent2>
       <a:accent3>
-        <a:srgbClr val="ede3da"/>
+        <a:srgbClr val="EDE3DA"/>
       </a:accent3>
       <a:accent4>
-        <a:srgbClr val="c826fa"/>
+        <a:srgbClr val="C826FA"/>
       </a:accent4>
       <a:accent5>
-        <a:srgbClr val="ffffff"/>
+        <a:srgbClr val="FFFFFF"/>
       </a:accent5>
       <a:accent6>
-        <a:srgbClr val="9a78fa"/>
+        <a:srgbClr val="9A78FA"/>
       </a:accent6>
       <a:hlink>
-        <a:srgbClr val="a5a5a5"/>
+        <a:srgbClr val="A5A5A5"/>
       </a:hlink>
       <a:folHlink>
-        <a:srgbClr val="7f7f7f"/>
+        <a:srgbClr val="7F7F7F"/>
       </a:folHlink>
     </a:clrScheme>
     <a:fontScheme name="Office">
@@ -10057,5 +10357,10 @@
       </a:bgFillStyleLst>
     </a:fmtScheme>
   </a:themeElements>
+  <a:extLst>
+    <a:ext uri="{05A4C25C-085E-4340-85A3-A5531E510DB2}">
+      <thm15:themeFamily xmlns:thm15="http://schemas.microsoft.com/office/thememl/2012/main" name="Office Theme" id="{62F939B6-93AF-4DB8-9C6B-D6C7DFDC589F}" vid="{4A3C46E8-61CC-4603-A589-7422A47A8E4A}"/>
+    </a:ext>
+  </a:extLst>
 </a:theme>
 </file>